--- a/Lectures/4 Practical Access to Data.pptx
+++ b/Lectures/4 Practical Access to Data.pptx
@@ -5,30 +5,31 @@
     <p:sldMasterId id="2147483648" r:id="rId1"/>
   </p:sldMasterIdLst>
   <p:notesMasterIdLst>
-    <p:notesMasterId r:id="rId20"/>
+    <p:notesMasterId r:id="rId21"/>
   </p:notesMasterIdLst>
   <p:handoutMasterIdLst>
-    <p:handoutMasterId r:id="rId21"/>
+    <p:handoutMasterId r:id="rId22"/>
   </p:handoutMasterIdLst>
   <p:sldIdLst>
     <p:sldId id="256" r:id="rId2"/>
     <p:sldId id="498" r:id="rId3"/>
     <p:sldId id="499" r:id="rId4"/>
     <p:sldId id="500" r:id="rId5"/>
-    <p:sldId id="501" r:id="rId6"/>
-    <p:sldId id="502" r:id="rId7"/>
-    <p:sldId id="503" r:id="rId8"/>
-    <p:sldId id="504" r:id="rId9"/>
-    <p:sldId id="505" r:id="rId10"/>
-    <p:sldId id="506" r:id="rId11"/>
-    <p:sldId id="507" r:id="rId12"/>
-    <p:sldId id="508" r:id="rId13"/>
-    <p:sldId id="509" r:id="rId14"/>
-    <p:sldId id="510" r:id="rId15"/>
-    <p:sldId id="511" r:id="rId16"/>
-    <p:sldId id="512" r:id="rId17"/>
-    <p:sldId id="513" r:id="rId18"/>
-    <p:sldId id="514" r:id="rId19"/>
+    <p:sldId id="515" r:id="rId6"/>
+    <p:sldId id="501" r:id="rId7"/>
+    <p:sldId id="502" r:id="rId8"/>
+    <p:sldId id="503" r:id="rId9"/>
+    <p:sldId id="504" r:id="rId10"/>
+    <p:sldId id="505" r:id="rId11"/>
+    <p:sldId id="506" r:id="rId12"/>
+    <p:sldId id="507" r:id="rId13"/>
+    <p:sldId id="508" r:id="rId14"/>
+    <p:sldId id="509" r:id="rId15"/>
+    <p:sldId id="510" r:id="rId16"/>
+    <p:sldId id="511" r:id="rId17"/>
+    <p:sldId id="512" r:id="rId18"/>
+    <p:sldId id="513" r:id="rId19"/>
+    <p:sldId id="514" r:id="rId20"/>
   </p:sldIdLst>
   <p:sldSz cx="9144000" cy="6858000" type="screen4x3"/>
   <p:notesSz cx="6858000" cy="9144000"/>
@@ -3321,8 +3322,8 @@
   <dgm:cxnLst>
     <dgm:cxn modelId="{B1E510BF-5BD9-274B-9116-3BCFAD0B197F}" type="presOf" srcId="{42D81CF2-D02F-8946-A6A0-250E7F3040E9}" destId="{7CEEF8E4-3ADE-574C-B72A-56E56D8BE911}" srcOrd="0" destOrd="0" presId="urn:microsoft.com/office/officeart/2005/8/layout/process1"/>
     <dgm:cxn modelId="{BA662F92-01F8-D14F-9F10-8AE4A9407726}" srcId="{42D81CF2-D02F-8946-A6A0-250E7F3040E9}" destId="{92C49E94-34E0-2A41-8484-A9D4F6DBE1EA}" srcOrd="1" destOrd="0" parTransId="{C0331582-F413-5A41-B2B4-C489DB110E52}" sibTransId="{C604A724-87C4-1641-A5C5-F019D2713951}"/>
+    <dgm:cxn modelId="{1C2A14EA-74D5-7644-BAFA-07EF6B8A63C2}" type="presOf" srcId="{41B4A8F1-D113-5043-97A8-B6918095381E}" destId="{D61D47EA-EEF1-D144-915B-077C3FC305EF}" srcOrd="0" destOrd="0" presId="urn:microsoft.com/office/officeart/2005/8/layout/process1"/>
     <dgm:cxn modelId="{2AF0BD6B-3020-AF41-A4B7-D21A3AF90E7D}" srcId="{42D81CF2-D02F-8946-A6A0-250E7F3040E9}" destId="{AA2EE4C4-2672-134B-A10E-24D0479226FD}" srcOrd="3" destOrd="0" parTransId="{A6FFB85A-5C65-C140-8402-F4F7A1FF496F}" sibTransId="{58173E36-07EF-544F-9A6E-0BAD533990FB}"/>
-    <dgm:cxn modelId="{1C2A14EA-74D5-7644-BAFA-07EF6B8A63C2}" type="presOf" srcId="{41B4A8F1-D113-5043-97A8-B6918095381E}" destId="{D61D47EA-EEF1-D144-915B-077C3FC305EF}" srcOrd="0" destOrd="0" presId="urn:microsoft.com/office/officeart/2005/8/layout/process1"/>
     <dgm:cxn modelId="{AC53D391-FE0A-F44B-B0BA-28C2A278DEF5}" type="presOf" srcId="{92C49E94-34E0-2A41-8484-A9D4F6DBE1EA}" destId="{42089EA5-C142-AD42-ABE6-822B746D7A0F}" srcOrd="0" destOrd="0" presId="urn:microsoft.com/office/officeart/2005/8/layout/process1"/>
     <dgm:cxn modelId="{42933CA1-4067-E846-A887-1753D1268404}" srcId="{42D81CF2-D02F-8946-A6A0-250E7F3040E9}" destId="{D9842041-711C-A44C-B6A1-D37EE5D5EFEB}" srcOrd="2" destOrd="0" parTransId="{F9EC1153-7029-E14A-A0A6-1EBECDFB9FAF}" sibTransId="{999B656F-DBDB-1943-B9F0-158C78A32C17}"/>
     <dgm:cxn modelId="{CBD44AD2-FC5D-AC4F-A4C3-4C74FB62A5D2}" type="presOf" srcId="{41B4A8F1-D113-5043-97A8-B6918095381E}" destId="{065B5A47-903E-9447-B9AD-6A34AC3DDA25}" srcOrd="1" destOrd="0" presId="urn:microsoft.com/office/officeart/2005/8/layout/process1"/>
@@ -3331,8 +3332,8 @@
     <dgm:cxn modelId="{CABA7994-3B72-2D47-9FCC-0B10DD4072E9}" type="presOf" srcId="{999B656F-DBDB-1943-B9F0-158C78A32C17}" destId="{FF9EC301-3A68-DB43-BD0C-9F7120F18039}" srcOrd="1" destOrd="0" presId="urn:microsoft.com/office/officeart/2005/8/layout/process1"/>
     <dgm:cxn modelId="{8083C369-63FD-AF43-8175-D62913EEBB83}" type="presOf" srcId="{999B656F-DBDB-1943-B9F0-158C78A32C17}" destId="{F5CF512E-1AD1-724E-B731-57D66E80D6A5}" srcOrd="0" destOrd="0" presId="urn:microsoft.com/office/officeart/2005/8/layout/process1"/>
     <dgm:cxn modelId="{6AAC59F7-D33D-8947-8278-263964203B90}" type="presOf" srcId="{C604A724-87C4-1641-A5C5-F019D2713951}" destId="{2A7A451B-E7CD-E64D-AD4D-C64E7A1F1921}" srcOrd="0" destOrd="0" presId="urn:microsoft.com/office/officeart/2005/8/layout/process1"/>
+    <dgm:cxn modelId="{934CF065-8BFD-4E40-8ED2-2102DF124908}" type="presOf" srcId="{AA2EE4C4-2672-134B-A10E-24D0479226FD}" destId="{7E47C9EC-8142-0A4E-AFBC-EADB5E13AA35}" srcOrd="0" destOrd="0" presId="urn:microsoft.com/office/officeart/2005/8/layout/process1"/>
     <dgm:cxn modelId="{8C05F526-F850-B845-8567-E9F9CD03A954}" srcId="{42D81CF2-D02F-8946-A6A0-250E7F3040E9}" destId="{15E5BE46-E928-244B-ABAC-F1543116E095}" srcOrd="0" destOrd="0" parTransId="{D4B17A15-ACC4-6B43-A7F6-1D9A3DFA0923}" sibTransId="{41B4A8F1-D113-5043-97A8-B6918095381E}"/>
-    <dgm:cxn modelId="{934CF065-8BFD-4E40-8ED2-2102DF124908}" type="presOf" srcId="{AA2EE4C4-2672-134B-A10E-24D0479226FD}" destId="{7E47C9EC-8142-0A4E-AFBC-EADB5E13AA35}" srcOrd="0" destOrd="0" presId="urn:microsoft.com/office/officeart/2005/8/layout/process1"/>
     <dgm:cxn modelId="{CF66284D-C727-AA4B-97CA-37B19B6A520C}" type="presOf" srcId="{C604A724-87C4-1641-A5C5-F019D2713951}" destId="{481EE52C-64FC-CD48-9660-37F8016BDD19}" srcOrd="1" destOrd="0" presId="urn:microsoft.com/office/officeart/2005/8/layout/process1"/>
     <dgm:cxn modelId="{4A814B40-EF73-C34B-AFAC-8016473DF679}" type="presParOf" srcId="{7CEEF8E4-3ADE-574C-B72A-56E56D8BE911}" destId="{5A21B2CD-C375-9247-88ED-4CC1CA1865D3}" srcOrd="0" destOrd="0" presId="urn:microsoft.com/office/officeart/2005/8/layout/process1"/>
     <dgm:cxn modelId="{E47DC013-A105-1E4C-8F4F-32CA611FA8C2}" type="presParOf" srcId="{7CEEF8E4-3ADE-574C-B72A-56E56D8BE911}" destId="{D61D47EA-EEF1-D144-915B-077C3FC305EF}" srcOrd="1" destOrd="0" presId="urn:microsoft.com/office/officeart/2005/8/layout/process1"/>
@@ -8708,7 +8709,7 @@
           <a:p>
             <a:fld id="{D3AAB66F-B1B7-D045-B4E8-4F60236F228D}" type="datetimeFigureOut">
               <a:rPr lang="en-US" smtClean="0"/>
-              <a:t>1/19/15</a:t>
+              <a:t>2/2/15</a:t>
             </a:fld>
             <a:endParaRPr lang="en-US"/>
           </a:p>
@@ -8874,7 +8875,7 @@
           <a:p>
             <a:fld id="{BCCF8E76-06A6-164E-A6FA-EC32C13EB232}" type="datetimeFigureOut">
               <a:rPr lang="en-US" smtClean="0"/>
-              <a:t>1/19/15</a:t>
+              <a:t>2/2/15</a:t>
             </a:fld>
             <a:endParaRPr lang="en-US"/>
           </a:p>
@@ -9308,7 +9309,7 @@
           <a:p>
             <a:fld id="{FD66F34B-9C4D-8640-BB34-4C24A79C9FFB}" type="slidenum">
               <a:rPr lang="en-US" smtClean="0"/>
-              <a:t>15</a:t>
+              <a:t>16</a:t>
             </a:fld>
             <a:endParaRPr lang="en-US"/>
           </a:p>
@@ -9396,7 +9397,7 @@
           <a:p>
             <a:fld id="{FD66F34B-9C4D-8640-BB34-4C24A79C9FFB}" type="slidenum">
               <a:rPr lang="en-US" smtClean="0"/>
-              <a:t>16</a:t>
+              <a:t>17</a:t>
             </a:fld>
             <a:endParaRPr lang="en-US"/>
           </a:p>
@@ -9500,7 +9501,7 @@
           <a:p>
             <a:fld id="{FD66F34B-9C4D-8640-BB34-4C24A79C9FFB}" type="slidenum">
               <a:rPr lang="en-US" smtClean="0"/>
-              <a:t>17</a:t>
+              <a:t>18</a:t>
             </a:fld>
             <a:endParaRPr lang="en-US"/>
           </a:p>
@@ -9584,7 +9585,7 @@
           <a:p>
             <a:fld id="{FD66F34B-9C4D-8640-BB34-4C24A79C9FFB}" type="slidenum">
               <a:rPr lang="en-US" smtClean="0"/>
-              <a:t>6</a:t>
+              <a:t>7</a:t>
             </a:fld>
             <a:endParaRPr lang="en-US"/>
           </a:p>
@@ -9668,7 +9669,7 @@
           <a:p>
             <a:fld id="{FD66F34B-9C4D-8640-BB34-4C24A79C9FFB}" type="slidenum">
               <a:rPr lang="en-US" smtClean="0"/>
-              <a:t>7</a:t>
+              <a:t>8</a:t>
             </a:fld>
             <a:endParaRPr lang="en-US"/>
           </a:p>
@@ -9756,7 +9757,7 @@
           <a:p>
             <a:fld id="{FD66F34B-9C4D-8640-BB34-4C24A79C9FFB}" type="slidenum">
               <a:rPr lang="en-US" smtClean="0"/>
-              <a:t>8</a:t>
+              <a:t>9</a:t>
             </a:fld>
             <a:endParaRPr lang="en-US"/>
           </a:p>
@@ -9840,7 +9841,7 @@
           <a:p>
             <a:fld id="{FD66F34B-9C4D-8640-BB34-4C24A79C9FFB}" type="slidenum">
               <a:rPr lang="en-US" smtClean="0"/>
-              <a:t>9</a:t>
+              <a:t>10</a:t>
             </a:fld>
             <a:endParaRPr lang="en-US"/>
           </a:p>
@@ -9924,7 +9925,7 @@
           <a:p>
             <a:fld id="{FD66F34B-9C4D-8640-BB34-4C24A79C9FFB}" type="slidenum">
               <a:rPr lang="en-US" smtClean="0"/>
-              <a:t>10</a:t>
+              <a:t>11</a:t>
             </a:fld>
             <a:endParaRPr lang="en-US"/>
           </a:p>
@@ -10008,7 +10009,7 @@
           <a:p>
             <a:fld id="{FD66F34B-9C4D-8640-BB34-4C24A79C9FFB}" type="slidenum">
               <a:rPr lang="en-US" smtClean="0"/>
-              <a:t>11</a:t>
+              <a:t>12</a:t>
             </a:fld>
             <a:endParaRPr lang="en-US"/>
           </a:p>
@@ -10092,7 +10093,7 @@
           <a:p>
             <a:fld id="{FD66F34B-9C4D-8640-BB34-4C24A79C9FFB}" type="slidenum">
               <a:rPr lang="en-US" smtClean="0"/>
-              <a:t>12</a:t>
+              <a:t>13</a:t>
             </a:fld>
             <a:endParaRPr lang="en-US"/>
           </a:p>
@@ -10176,7 +10177,7 @@
           <a:p>
             <a:fld id="{FD66F34B-9C4D-8640-BB34-4C24A79C9FFB}" type="slidenum">
               <a:rPr lang="en-US" smtClean="0"/>
-              <a:t>14</a:t>
+              <a:t>15</a:t>
             </a:fld>
             <a:endParaRPr lang="en-US"/>
           </a:p>
@@ -10712,7 +10713,7 @@
             <a:fld id="{FA3C144B-2939-9A49-B014-915EC3E81866}" type="datetime1">
               <a:rPr lang="en-US" smtClean="0"/>
               <a:pPr/>
-              <a:t>1/19/15</a:t>
+              <a:t>2/2/15</a:t>
             </a:fld>
             <a:endParaRPr lang="en-US" dirty="0"/>
           </a:p>
@@ -11141,7 +11142,7 @@
           <a:p>
             <a:fld id="{76838339-A875-5E45-AB3F-AAABD270346A}" type="datetime1">
               <a:rPr lang="en-US" smtClean="0"/>
-              <a:t>1/19/15</a:t>
+              <a:t>2/2/15</a:t>
             </a:fld>
             <a:endParaRPr lang="en-US"/>
           </a:p>
@@ -11427,7 +11428,7 @@
             <a:fld id="{FA3C144B-2939-9A49-B014-915EC3E81866}" type="datetime1">
               <a:rPr lang="en-US" smtClean="0"/>
               <a:pPr/>
-              <a:t>1/19/15</a:t>
+              <a:t>2/2/15</a:t>
             </a:fld>
             <a:endParaRPr lang="en-US" dirty="0"/>
           </a:p>
@@ -11909,7 +11910,7 @@
           <a:p>
             <a:fld id="{A73F672F-A5FB-5745-934A-1BF51CA5539C}" type="datetime1">
               <a:rPr lang="en-US" smtClean="0"/>
-              <a:t>1/19/15</a:t>
+              <a:t>2/2/15</a:t>
             </a:fld>
             <a:endParaRPr lang="en-US"/>
           </a:p>
@@ -12251,7 +12252,7 @@
             <a:fld id="{FA3C144B-2939-9A49-B014-915EC3E81866}" type="datetime1">
               <a:rPr lang="en-US" smtClean="0"/>
               <a:pPr/>
-              <a:t>1/19/15</a:t>
+              <a:t>2/2/15</a:t>
             </a:fld>
             <a:endParaRPr lang="en-US" dirty="0"/>
           </a:p>
@@ -12715,7 +12716,7 @@
           <a:p>
             <a:fld id="{6AFE6A63-5EBE-3E48-B0AE-DF655A1ECE76}" type="datetime1">
               <a:rPr lang="en-US" smtClean="0"/>
-              <a:t>1/19/15</a:t>
+              <a:t>2/2/15</a:t>
             </a:fld>
             <a:endParaRPr lang="en-US"/>
           </a:p>
@@ -13034,7 +13035,7 @@
           <a:p>
             <a:fld id="{4A019F0C-9D18-B54A-9AC9-18AA74EDB034}" type="datetime1">
               <a:rPr lang="en-US" smtClean="0"/>
-              <a:t>1/19/15</a:t>
+              <a:t>2/2/15</a:t>
             </a:fld>
             <a:endParaRPr lang="en-US"/>
           </a:p>
@@ -13344,7 +13345,7 @@
             <a:fld id="{FA3C144B-2939-9A49-B014-915EC3E81866}" type="datetime1">
               <a:rPr lang="en-US" smtClean="0"/>
               <a:pPr/>
-              <a:t>1/19/15</a:t>
+              <a:t>2/2/15</a:t>
             </a:fld>
             <a:endParaRPr lang="en-US" dirty="0"/>
           </a:p>
@@ -13607,7 +13608,7 @@
           <a:p>
             <a:fld id="{FA3C144B-2939-9A49-B014-915EC3E81866}" type="datetime1">
               <a:rPr lang="en-US" smtClean="0"/>
-              <a:t>1/19/15</a:t>
+              <a:t>2/2/15</a:t>
             </a:fld>
             <a:endParaRPr lang="en-US" dirty="0"/>
           </a:p>
@@ -13975,7 +13976,7 @@
           <a:p>
             <a:fld id="{7053BEFA-1175-F644-B249-7D41D72BD3FF}" type="datetime1">
               <a:rPr lang="en-US" smtClean="0"/>
-              <a:t>1/19/15</a:t>
+              <a:t>2/2/15</a:t>
             </a:fld>
             <a:endParaRPr lang="en-US"/>
           </a:p>
@@ -14094,7 +14095,7 @@
             <a:fld id="{FA3C144B-2939-9A49-B014-915EC3E81866}" type="datetime1">
               <a:rPr lang="en-US" smtClean="0"/>
               <a:pPr/>
-              <a:t>1/19/15</a:t>
+              <a:t>2/2/15</a:t>
             </a:fld>
             <a:endParaRPr lang="en-US" dirty="0"/>
           </a:p>
@@ -14311,7 +14312,7 @@
             <a:fld id="{FA3C144B-2939-9A49-B014-915EC3E81866}" type="datetime1">
               <a:rPr lang="en-US" smtClean="0"/>
               <a:pPr/>
-              <a:t>1/19/15</a:t>
+              <a:t>2/2/15</a:t>
             </a:fld>
             <a:endParaRPr lang="en-US" dirty="0"/>
           </a:p>
@@ -14556,7 +14557,7 @@
             <a:fld id="{FA3C144B-2939-9A49-B014-915EC3E81866}" type="datetime1">
               <a:rPr lang="en-US" smtClean="0"/>
               <a:pPr/>
-              <a:t>1/19/15</a:t>
+              <a:t>2/2/15</a:t>
             </a:fld>
             <a:endParaRPr lang="en-US" dirty="0"/>
           </a:p>
@@ -14934,7 +14935,7 @@
           <a:p>
             <a:fld id="{111EEF3B-ABF2-AA4E-9E24-0C6256942674}" type="datetime1">
               <a:rPr lang="en-US" smtClean="0"/>
-              <a:t>1/19/15</a:t>
+              <a:t>2/2/15</a:t>
             </a:fld>
             <a:endParaRPr lang="en-US"/>
           </a:p>
@@ -15098,7 +15099,7 @@
             <a:fld id="{FA3C144B-2939-9A49-B014-915EC3E81866}" type="datetime1">
               <a:rPr lang="en-US" smtClean="0"/>
               <a:pPr/>
-              <a:t>1/19/15</a:t>
+              <a:t>2/2/15</a:t>
             </a:fld>
             <a:endParaRPr lang="en-US" dirty="0"/>
           </a:p>
@@ -15515,7 +15516,7 @@
             <a:fld id="{FA3C144B-2939-9A49-B014-915EC3E81866}" type="datetime1">
               <a:rPr lang="en-US" smtClean="0"/>
               <a:pPr/>
-              <a:t>1/19/15</a:t>
+              <a:t>2/2/15</a:t>
             </a:fld>
             <a:endParaRPr lang="en-US" dirty="0"/>
           </a:p>
@@ -15831,7 +15832,7 @@
             <a:fld id="{FA3C144B-2939-9A49-B014-915EC3E81866}" type="datetime1">
               <a:rPr lang="en-US" smtClean="0"/>
               <a:pPr/>
-              <a:t>1/19/15</a:t>
+              <a:t>2/2/15</a:t>
             </a:fld>
             <a:endParaRPr lang="en-US" dirty="0"/>
           </a:p>
@@ -16497,7 +16498,7 @@
             <a:fld id="{FA3C144B-2939-9A49-B014-915EC3E81866}" type="datetime1">
               <a:rPr lang="en-US" smtClean="0"/>
               <a:pPr/>
-              <a:t>1/19/15</a:t>
+              <a:t>2/2/15</a:t>
             </a:fld>
             <a:endParaRPr lang="en-US" dirty="0"/>
           </a:p>
@@ -17227,11 +17228,7 @@
             </a:r>
             <a:r>
               <a:rPr lang="en-US" smtClean="0"/>
-              <a:t>: </a:t>
-            </a:r>
-            <a:r>
-              <a:rPr lang="en-US" smtClean="0"/>
-              <a:t>Practice</a:t>
+              <a:t>: Practice</a:t>
             </a:r>
             <a:endParaRPr lang="en-US" dirty="0"/>
           </a:p>
@@ -17589,7 +17586,51 @@
           <a:p>
             <a:r>
               <a:rPr lang="en-US" dirty="0" smtClean="0"/>
-              <a:t>Typical </a:t>
+              <a:t>Why should the server trust you?</a:t>
+            </a:r>
+            <a:endParaRPr lang="en-US" dirty="0"/>
+          </a:p>
+        </p:txBody>
+      </p:sp>
+      <p:sp>
+        <p:nvSpPr>
+          <p:cNvPr id="3" name="Content Placeholder 2"/>
+          <p:cNvSpPr>
+            <a:spLocks noGrp="1"/>
+          </p:cNvSpPr>
+          <p:nvPr>
+            <p:ph idx="1"/>
+          </p:nvPr>
+        </p:nvSpPr>
+        <p:spPr/>
+        <p:txBody>
+          <a:bodyPr/>
+          <a:lstStyle/>
+          <a:p>
+            <a:pPr marL="0" indent="0">
+              <a:buNone/>
+            </a:pPr>
+            <a:r>
+              <a:rPr lang="en-US" dirty="0" smtClean="0"/>
+              <a:t>You have the user’s password (should you?)</a:t>
+            </a:r>
+          </a:p>
+          <a:p>
+            <a:pPr marL="0" indent="0">
+              <a:buNone/>
+            </a:pPr>
+            <a:r>
+              <a:rPr lang="en-US" dirty="0" smtClean="0"/>
+              <a:t>You have an API key</a:t>
+            </a:r>
+          </a:p>
+          <a:p>
+            <a:pPr marL="0" indent="0">
+              <a:buNone/>
+            </a:pPr>
+            <a:r>
+              <a:rPr lang="en-US" dirty="0" smtClean="0"/>
+              <a:t>You use </a:t>
             </a:r>
             <a:r>
               <a:rPr lang="en-US" dirty="0" err="1" smtClean="0"/>
@@ -17597,8 +17638,73 @@
             </a:r>
             <a:r>
               <a:rPr lang="en-US" dirty="0" smtClean="0"/>
-              <a:t> 2.0 Flow</a:t>
-            </a:r>
+              <a:t> 2.0</a:t>
+            </a:r>
+          </a:p>
+          <a:p>
+            <a:pPr lvl="1"/>
+            <a:r>
+              <a:rPr lang="en-US" dirty="0" smtClean="0"/>
+              <a:t>Gives the </a:t>
+            </a:r>
+            <a:r>
+              <a:rPr lang="en-US" i="1" dirty="0" smtClean="0"/>
+              <a:t>Resource Owner </a:t>
+            </a:r>
+            <a:r>
+              <a:rPr lang="en-US" dirty="0" smtClean="0"/>
+              <a:t>control</a:t>
+            </a:r>
+          </a:p>
+          <a:p>
+            <a:pPr lvl="1"/>
+            <a:r>
+              <a:rPr lang="en-US" dirty="0" smtClean="0"/>
+              <a:t>Gives the application owner control: </a:t>
+            </a:r>
+            <a:br>
+              <a:rPr lang="en-US" dirty="0" smtClean="0"/>
+            </a:br>
+            <a:r>
+              <a:rPr lang="en-US" i="1" dirty="0" smtClean="0"/>
+              <a:t>Resource Server </a:t>
+            </a:r>
+            <a:r>
+              <a:rPr lang="en-US" dirty="0" smtClean="0"/>
+              <a:t>serves the API</a:t>
+            </a:r>
+            <a:br>
+              <a:rPr lang="en-US" dirty="0" smtClean="0"/>
+            </a:br>
+            <a:r>
+              <a:rPr lang="en-US" i="1" dirty="0" smtClean="0"/>
+              <a:t>Authorization Server </a:t>
+            </a:r>
+            <a:r>
+              <a:rPr lang="en-US" dirty="0" smtClean="0"/>
+              <a:t>serves the key</a:t>
+            </a:r>
+          </a:p>
+          <a:p>
+            <a:pPr lvl="1"/>
+            <a:r>
+              <a:rPr lang="en-US" dirty="0" smtClean="0"/>
+              <a:t>You are the </a:t>
+            </a:r>
+            <a:r>
+              <a:rPr lang="en-US" i="1" dirty="0" smtClean="0"/>
+              <a:t>Client</a:t>
+            </a:r>
+            <a:endParaRPr lang="en-US" dirty="0" smtClean="0"/>
+          </a:p>
+          <a:p>
+            <a:pPr lvl="1"/>
+            <a:endParaRPr lang="en-US" dirty="0" smtClean="0"/>
+          </a:p>
+          <a:p>
+            <a:pPr marL="0" indent="0">
+              <a:buNone/>
+            </a:pPr>
             <a:endParaRPr lang="en-US" dirty="0"/>
           </a:p>
         </p:txBody>
@@ -17620,7 +17726,7 @@
           <a:p>
             <a:fld id="{7053BEFA-1175-F644-B249-7D41D72BD3FF}" type="datetime1">
               <a:rPr lang="en-US" smtClean="0"/>
-              <a:t>1/20/15</a:t>
+              <a:t>2/2/15</a:t>
             </a:fld>
             <a:endParaRPr lang="en-US"/>
           </a:p>
@@ -17668,267 +17774,10 @@
           </a:p>
         </p:txBody>
       </p:sp>
-      <p:sp>
-        <p:nvSpPr>
-          <p:cNvPr id="9" name="TextBox 8"/>
-          <p:cNvSpPr txBox="1"/>
-          <p:nvPr/>
-        </p:nvSpPr>
-        <p:spPr>
-          <a:xfrm>
-            <a:off x="304800" y="1422400"/>
-            <a:ext cx="184666" cy="461665"/>
-          </a:xfrm>
-          <a:prstGeom prst="rect">
-            <a:avLst/>
-          </a:prstGeom>
-          <a:solidFill>
-            <a:srgbClr val="FFFFFF"/>
-          </a:solidFill>
-        </p:spPr>
-        <p:txBody>
-          <a:bodyPr wrap="none" rtlCol="0">
-            <a:spAutoFit/>
-          </a:bodyPr>
-          <a:lstStyle/>
-          <a:p>
-            <a:endParaRPr lang="en-US" sz="2400" dirty="0"/>
-          </a:p>
-        </p:txBody>
-      </p:sp>
-      <p:sp>
-        <p:nvSpPr>
-          <p:cNvPr id="10" name="Rectangle 9"/>
-          <p:cNvSpPr/>
-          <p:nvPr/>
-        </p:nvSpPr>
-        <p:spPr>
-          <a:xfrm>
-            <a:off x="465996" y="4546600"/>
-            <a:ext cx="1900436" cy="1668659"/>
-          </a:xfrm>
-          <a:prstGeom prst="rect">
-            <a:avLst/>
-          </a:prstGeom>
-        </p:spPr>
-        <p:style>
-          <a:lnRef idx="2">
-            <a:schemeClr val="accent1">
-              <a:shade val="50000"/>
-            </a:schemeClr>
-          </a:lnRef>
-          <a:fillRef idx="1">
-            <a:schemeClr val="accent1"/>
-          </a:fillRef>
-          <a:effectRef idx="0">
-            <a:schemeClr val="accent1"/>
-          </a:effectRef>
-          <a:fontRef idx="minor">
-            <a:schemeClr val="lt1"/>
-          </a:fontRef>
-        </p:style>
-        <p:txBody>
-          <a:bodyPr rtlCol="0" anchor="ctr"/>
-          <a:lstStyle/>
-          <a:p>
-            <a:pPr algn="ctr"/>
-            <a:endParaRPr lang="en-US"/>
-          </a:p>
-        </p:txBody>
-      </p:sp>
-      <p:sp>
-        <p:nvSpPr>
-          <p:cNvPr id="13" name="TextBox 12"/>
-          <p:cNvSpPr txBox="1"/>
-          <p:nvPr/>
-        </p:nvSpPr>
-        <p:spPr>
-          <a:xfrm>
-            <a:off x="465996" y="4070663"/>
-            <a:ext cx="907971" cy="461665"/>
-          </a:xfrm>
-          <a:prstGeom prst="rect">
-            <a:avLst/>
-          </a:prstGeom>
-          <a:solidFill>
-            <a:srgbClr val="FFFFFF"/>
-          </a:solidFill>
-        </p:spPr>
-        <p:txBody>
-          <a:bodyPr wrap="none" rtlCol="0">
-            <a:spAutoFit/>
-          </a:bodyPr>
-          <a:lstStyle/>
-          <a:p>
-            <a:r>
-              <a:rPr lang="en-US" sz="2400" dirty="0" smtClean="0"/>
-              <a:t>Client</a:t>
-            </a:r>
-            <a:endParaRPr lang="en-US" sz="2400" dirty="0"/>
-          </a:p>
-        </p:txBody>
-      </p:sp>
-      <p:sp>
-        <p:nvSpPr>
-          <p:cNvPr id="16" name="Rounded Rectangle 15"/>
-          <p:cNvSpPr/>
-          <p:nvPr/>
-        </p:nvSpPr>
-        <p:spPr>
-          <a:xfrm>
-            <a:off x="1373967" y="1422400"/>
-            <a:ext cx="1521698" cy="1143000"/>
-          </a:xfrm>
-          <a:prstGeom prst="roundRect">
-            <a:avLst/>
-          </a:prstGeom>
-        </p:spPr>
-        <p:style>
-          <a:lnRef idx="3">
-            <a:schemeClr val="lt1"/>
-          </a:lnRef>
-          <a:fillRef idx="1">
-            <a:schemeClr val="accent1"/>
-          </a:fillRef>
-          <a:effectRef idx="1">
-            <a:schemeClr val="accent1"/>
-          </a:effectRef>
-          <a:fontRef idx="minor">
-            <a:schemeClr val="lt1"/>
-          </a:fontRef>
-        </p:style>
-        <p:txBody>
-          <a:bodyPr rtlCol="0" anchor="ctr"/>
-          <a:lstStyle/>
-          <a:p>
-            <a:pPr algn="ctr"/>
-            <a:r>
-              <a:rPr lang="en-US" dirty="0" smtClean="0"/>
-              <a:t>Manually Register Client</a:t>
-            </a:r>
-            <a:endParaRPr lang="en-US" dirty="0"/>
-          </a:p>
-        </p:txBody>
-      </p:sp>
-      <p:sp>
-        <p:nvSpPr>
-          <p:cNvPr id="17" name="TextBox 16"/>
-          <p:cNvSpPr txBox="1"/>
-          <p:nvPr/>
-        </p:nvSpPr>
-        <p:spPr>
-          <a:xfrm>
-            <a:off x="3175000" y="1468566"/>
-            <a:ext cx="1794482" cy="830997"/>
-          </a:xfrm>
-          <a:prstGeom prst="rect">
-            <a:avLst/>
-          </a:prstGeom>
-          <a:solidFill>
-            <a:srgbClr val="FFFFFF"/>
-          </a:solidFill>
-        </p:spPr>
-        <p:txBody>
-          <a:bodyPr wrap="none" rtlCol="0">
-            <a:spAutoFit/>
-          </a:bodyPr>
-          <a:lstStyle/>
-          <a:p>
-            <a:r>
-              <a:rPr lang="en-US" sz="2400" dirty="0" err="1" smtClean="0"/>
-              <a:t>client_id</a:t>
-            </a:r>
-            <a:endParaRPr lang="en-US" sz="2400" dirty="0" smtClean="0"/>
-          </a:p>
-          <a:p>
-            <a:r>
-              <a:rPr lang="en-US" sz="2400" dirty="0" err="1" smtClean="0"/>
-              <a:t>client_secret</a:t>
-            </a:r>
-            <a:endParaRPr lang="en-US" sz="2400" dirty="0"/>
-          </a:p>
-        </p:txBody>
-      </p:sp>
-      <p:sp>
-        <p:nvSpPr>
-          <p:cNvPr id="26" name="TextBox 25"/>
-          <p:cNvSpPr txBox="1"/>
-          <p:nvPr/>
-        </p:nvSpPr>
-        <p:spPr>
-          <a:xfrm>
-            <a:off x="4961796" y="4059535"/>
-            <a:ext cx="2122997" cy="461665"/>
-          </a:xfrm>
-          <a:prstGeom prst="rect">
-            <a:avLst/>
-          </a:prstGeom>
-          <a:solidFill>
-            <a:srgbClr val="FFFFFF"/>
-          </a:solidFill>
-        </p:spPr>
-        <p:txBody>
-          <a:bodyPr wrap="none" rtlCol="0">
-            <a:spAutoFit/>
-          </a:bodyPr>
-          <a:lstStyle/>
-          <a:p>
-            <a:r>
-              <a:rPr lang="en-US" sz="2400" dirty="0" err="1" smtClean="0"/>
-              <a:t>OAuth</a:t>
-            </a:r>
-            <a:r>
-              <a:rPr lang="en-US" sz="2400" dirty="0" smtClean="0"/>
-              <a:t> Provider</a:t>
-            </a:r>
-            <a:endParaRPr lang="en-US" sz="2400" dirty="0"/>
-          </a:p>
-        </p:txBody>
-      </p:sp>
-      <p:sp>
-        <p:nvSpPr>
-          <p:cNvPr id="27" name="Rectangle 26"/>
-          <p:cNvSpPr/>
-          <p:nvPr/>
-        </p:nvSpPr>
-        <p:spPr>
-          <a:xfrm>
-            <a:off x="4961796" y="4546600"/>
-            <a:ext cx="1900436" cy="1668659"/>
-          </a:xfrm>
-          <a:prstGeom prst="rect">
-            <a:avLst/>
-          </a:prstGeom>
-        </p:spPr>
-        <p:style>
-          <a:lnRef idx="2">
-            <a:schemeClr val="accent1">
-              <a:shade val="50000"/>
-            </a:schemeClr>
-          </a:lnRef>
-          <a:fillRef idx="1">
-            <a:schemeClr val="accent1"/>
-          </a:fillRef>
-          <a:effectRef idx="0">
-            <a:schemeClr val="accent1"/>
-          </a:effectRef>
-          <a:fontRef idx="minor">
-            <a:schemeClr val="lt1"/>
-          </a:fontRef>
-        </p:style>
-        <p:txBody>
-          <a:bodyPr rtlCol="0" anchor="ctr"/>
-          <a:lstStyle/>
-          <a:p>
-            <a:pPr algn="ctr"/>
-            <a:endParaRPr lang="en-US"/>
-          </a:p>
-        </p:txBody>
-      </p:sp>
     </p:spTree>
     <p:extLst>
       <p:ext uri="{BB962C8B-B14F-4D97-AF65-F5344CB8AC3E}">
-        <p14:creationId xmlns:p14="http://schemas.microsoft.com/office/powerpoint/2010/main" val="4204839477"/>
+        <p14:creationId xmlns:p14="http://schemas.microsoft.com/office/powerpoint/2010/main" val="402133712"/>
       </p:ext>
     </p:extLst>
   </p:cSld>
@@ -17964,6 +17813,396 @@
       </p:grpSpPr>
       <p:sp>
         <p:nvSpPr>
+          <p:cNvPr id="2" name="Title 1"/>
+          <p:cNvSpPr>
+            <a:spLocks noGrp="1"/>
+          </p:cNvSpPr>
+          <p:nvPr>
+            <p:ph type="title"/>
+          </p:nvPr>
+        </p:nvSpPr>
+        <p:spPr/>
+        <p:txBody>
+          <a:bodyPr/>
+          <a:lstStyle/>
+          <a:p>
+            <a:r>
+              <a:rPr lang="en-US" dirty="0" smtClean="0"/>
+              <a:t>Typical </a:t>
+            </a:r>
+            <a:r>
+              <a:rPr lang="en-US" dirty="0" err="1" smtClean="0"/>
+              <a:t>OAuth</a:t>
+            </a:r>
+            <a:r>
+              <a:rPr lang="en-US" dirty="0" smtClean="0"/>
+              <a:t> 2.0 Flow</a:t>
+            </a:r>
+            <a:endParaRPr lang="en-US" dirty="0"/>
+          </a:p>
+        </p:txBody>
+      </p:sp>
+      <p:sp>
+        <p:nvSpPr>
+          <p:cNvPr id="4" name="Date Placeholder 3"/>
+          <p:cNvSpPr>
+            <a:spLocks noGrp="1"/>
+          </p:cNvSpPr>
+          <p:nvPr>
+            <p:ph type="dt" sz="half" idx="10"/>
+          </p:nvPr>
+        </p:nvSpPr>
+        <p:spPr/>
+        <p:txBody>
+          <a:bodyPr/>
+          <a:lstStyle/>
+          <a:p>
+            <a:fld id="{7053BEFA-1175-F644-B249-7D41D72BD3FF}" type="datetime1">
+              <a:rPr lang="en-US" smtClean="0"/>
+              <a:t>2/2/15</a:t>
+            </a:fld>
+            <a:endParaRPr lang="en-US"/>
+          </a:p>
+        </p:txBody>
+      </p:sp>
+      <p:sp>
+        <p:nvSpPr>
+          <p:cNvPr id="5" name="Footer Placeholder 4"/>
+          <p:cNvSpPr>
+            <a:spLocks noGrp="1"/>
+          </p:cNvSpPr>
+          <p:nvPr>
+            <p:ph type="ftr" sz="quarter" idx="11"/>
+          </p:nvPr>
+        </p:nvSpPr>
+        <p:spPr/>
+        <p:txBody>
+          <a:bodyPr/>
+          <a:lstStyle/>
+          <a:p>
+            <a:endParaRPr lang="en-US" dirty="0"/>
+          </a:p>
+        </p:txBody>
+      </p:sp>
+      <p:sp>
+        <p:nvSpPr>
+          <p:cNvPr id="6" name="Slide Number Placeholder 5"/>
+          <p:cNvSpPr>
+            <a:spLocks noGrp="1"/>
+          </p:cNvSpPr>
+          <p:nvPr>
+            <p:ph type="sldNum" sz="quarter" idx="12"/>
+          </p:nvPr>
+        </p:nvSpPr>
+        <p:spPr/>
+        <p:txBody>
+          <a:bodyPr/>
+          <a:lstStyle/>
+          <a:p>
+            <a:fld id="{17E276FA-8F89-B34D-A726-BE3FA1F8DD97}" type="slidenum">
+              <a:rPr lang="en-US" smtClean="0"/>
+              <a:t>11</a:t>
+            </a:fld>
+            <a:endParaRPr lang="en-US" dirty="0"/>
+          </a:p>
+        </p:txBody>
+      </p:sp>
+      <p:sp>
+        <p:nvSpPr>
+          <p:cNvPr id="9" name="TextBox 8"/>
+          <p:cNvSpPr txBox="1"/>
+          <p:nvPr/>
+        </p:nvSpPr>
+        <p:spPr>
+          <a:xfrm>
+            <a:off x="304800" y="1422400"/>
+            <a:ext cx="184666" cy="461665"/>
+          </a:xfrm>
+          <a:prstGeom prst="rect">
+            <a:avLst/>
+          </a:prstGeom>
+          <a:solidFill>
+            <a:srgbClr val="FFFFFF"/>
+          </a:solidFill>
+        </p:spPr>
+        <p:txBody>
+          <a:bodyPr wrap="none" rtlCol="0">
+            <a:spAutoFit/>
+          </a:bodyPr>
+          <a:lstStyle/>
+          <a:p>
+            <a:endParaRPr lang="en-US" sz="2400" dirty="0"/>
+          </a:p>
+        </p:txBody>
+      </p:sp>
+      <p:sp>
+        <p:nvSpPr>
+          <p:cNvPr id="10" name="Rectangle 9"/>
+          <p:cNvSpPr/>
+          <p:nvPr/>
+        </p:nvSpPr>
+        <p:spPr>
+          <a:xfrm>
+            <a:off x="465996" y="4546600"/>
+            <a:ext cx="1900436" cy="1668659"/>
+          </a:xfrm>
+          <a:prstGeom prst="rect">
+            <a:avLst/>
+          </a:prstGeom>
+        </p:spPr>
+        <p:style>
+          <a:lnRef idx="2">
+            <a:schemeClr val="accent1">
+              <a:shade val="50000"/>
+            </a:schemeClr>
+          </a:lnRef>
+          <a:fillRef idx="1">
+            <a:schemeClr val="accent1"/>
+          </a:fillRef>
+          <a:effectRef idx="0">
+            <a:schemeClr val="accent1"/>
+          </a:effectRef>
+          <a:fontRef idx="minor">
+            <a:schemeClr val="lt1"/>
+          </a:fontRef>
+        </p:style>
+        <p:txBody>
+          <a:bodyPr rtlCol="0" anchor="ctr"/>
+          <a:lstStyle/>
+          <a:p>
+            <a:pPr algn="ctr"/>
+            <a:endParaRPr lang="en-US"/>
+          </a:p>
+        </p:txBody>
+      </p:sp>
+      <p:sp>
+        <p:nvSpPr>
+          <p:cNvPr id="13" name="TextBox 12"/>
+          <p:cNvSpPr txBox="1"/>
+          <p:nvPr/>
+        </p:nvSpPr>
+        <p:spPr>
+          <a:xfrm>
+            <a:off x="465996" y="4070663"/>
+            <a:ext cx="907971" cy="461665"/>
+          </a:xfrm>
+          <a:prstGeom prst="rect">
+            <a:avLst/>
+          </a:prstGeom>
+          <a:solidFill>
+            <a:srgbClr val="FFFFFF"/>
+          </a:solidFill>
+        </p:spPr>
+        <p:txBody>
+          <a:bodyPr wrap="none" rtlCol="0">
+            <a:spAutoFit/>
+          </a:bodyPr>
+          <a:lstStyle/>
+          <a:p>
+            <a:r>
+              <a:rPr lang="en-US" sz="2400" dirty="0" smtClean="0"/>
+              <a:t>Client</a:t>
+            </a:r>
+            <a:endParaRPr lang="en-US" sz="2400" dirty="0"/>
+          </a:p>
+        </p:txBody>
+      </p:sp>
+      <p:sp>
+        <p:nvSpPr>
+          <p:cNvPr id="16" name="Rounded Rectangle 15"/>
+          <p:cNvSpPr/>
+          <p:nvPr/>
+        </p:nvSpPr>
+        <p:spPr>
+          <a:xfrm>
+            <a:off x="1373967" y="1422400"/>
+            <a:ext cx="1521698" cy="1143000"/>
+          </a:xfrm>
+          <a:prstGeom prst="roundRect">
+            <a:avLst/>
+          </a:prstGeom>
+        </p:spPr>
+        <p:style>
+          <a:lnRef idx="3">
+            <a:schemeClr val="lt1"/>
+          </a:lnRef>
+          <a:fillRef idx="1">
+            <a:schemeClr val="accent1"/>
+          </a:fillRef>
+          <a:effectRef idx="1">
+            <a:schemeClr val="accent1"/>
+          </a:effectRef>
+          <a:fontRef idx="minor">
+            <a:schemeClr val="lt1"/>
+          </a:fontRef>
+        </p:style>
+        <p:txBody>
+          <a:bodyPr rtlCol="0" anchor="ctr"/>
+          <a:lstStyle/>
+          <a:p>
+            <a:pPr algn="ctr"/>
+            <a:r>
+              <a:rPr lang="en-US" dirty="0" smtClean="0"/>
+              <a:t>Manually Register Client</a:t>
+            </a:r>
+            <a:endParaRPr lang="en-US" dirty="0"/>
+          </a:p>
+        </p:txBody>
+      </p:sp>
+      <p:sp>
+        <p:nvSpPr>
+          <p:cNvPr id="17" name="TextBox 16"/>
+          <p:cNvSpPr txBox="1"/>
+          <p:nvPr/>
+        </p:nvSpPr>
+        <p:spPr>
+          <a:xfrm>
+            <a:off x="3175000" y="1468566"/>
+            <a:ext cx="1794482" cy="830997"/>
+          </a:xfrm>
+          <a:prstGeom prst="rect">
+            <a:avLst/>
+          </a:prstGeom>
+          <a:solidFill>
+            <a:srgbClr val="FFFFFF"/>
+          </a:solidFill>
+        </p:spPr>
+        <p:txBody>
+          <a:bodyPr wrap="none" rtlCol="0">
+            <a:spAutoFit/>
+          </a:bodyPr>
+          <a:lstStyle/>
+          <a:p>
+            <a:r>
+              <a:rPr lang="en-US" sz="2400" dirty="0" err="1" smtClean="0"/>
+              <a:t>client_id</a:t>
+            </a:r>
+            <a:endParaRPr lang="en-US" sz="2400" dirty="0" smtClean="0"/>
+          </a:p>
+          <a:p>
+            <a:r>
+              <a:rPr lang="en-US" sz="2400" dirty="0" err="1" smtClean="0"/>
+              <a:t>client_secret</a:t>
+            </a:r>
+            <a:endParaRPr lang="en-US" sz="2400" dirty="0"/>
+          </a:p>
+        </p:txBody>
+      </p:sp>
+      <p:sp>
+        <p:nvSpPr>
+          <p:cNvPr id="26" name="TextBox 25"/>
+          <p:cNvSpPr txBox="1"/>
+          <p:nvPr/>
+        </p:nvSpPr>
+        <p:spPr>
+          <a:xfrm>
+            <a:off x="4961796" y="4059535"/>
+            <a:ext cx="2122997" cy="461665"/>
+          </a:xfrm>
+          <a:prstGeom prst="rect">
+            <a:avLst/>
+          </a:prstGeom>
+          <a:solidFill>
+            <a:srgbClr val="FFFFFF"/>
+          </a:solidFill>
+        </p:spPr>
+        <p:txBody>
+          <a:bodyPr wrap="none" rtlCol="0">
+            <a:spAutoFit/>
+          </a:bodyPr>
+          <a:lstStyle/>
+          <a:p>
+            <a:r>
+              <a:rPr lang="en-US" sz="2400" dirty="0" err="1" smtClean="0"/>
+              <a:t>OAuth</a:t>
+            </a:r>
+            <a:r>
+              <a:rPr lang="en-US" sz="2400" dirty="0" smtClean="0"/>
+              <a:t> Provider</a:t>
+            </a:r>
+            <a:endParaRPr lang="en-US" sz="2400" dirty="0"/>
+          </a:p>
+        </p:txBody>
+      </p:sp>
+      <p:sp>
+        <p:nvSpPr>
+          <p:cNvPr id="27" name="Rectangle 26"/>
+          <p:cNvSpPr/>
+          <p:nvPr/>
+        </p:nvSpPr>
+        <p:spPr>
+          <a:xfrm>
+            <a:off x="4961796" y="4546600"/>
+            <a:ext cx="1900436" cy="1668659"/>
+          </a:xfrm>
+          <a:prstGeom prst="rect">
+            <a:avLst/>
+          </a:prstGeom>
+        </p:spPr>
+        <p:style>
+          <a:lnRef idx="2">
+            <a:schemeClr val="accent1">
+              <a:shade val="50000"/>
+            </a:schemeClr>
+          </a:lnRef>
+          <a:fillRef idx="1">
+            <a:schemeClr val="accent1"/>
+          </a:fillRef>
+          <a:effectRef idx="0">
+            <a:schemeClr val="accent1"/>
+          </a:effectRef>
+          <a:fontRef idx="minor">
+            <a:schemeClr val="lt1"/>
+          </a:fontRef>
+        </p:style>
+        <p:txBody>
+          <a:bodyPr rtlCol="0" anchor="ctr"/>
+          <a:lstStyle/>
+          <a:p>
+            <a:pPr algn="ctr"/>
+            <a:endParaRPr lang="en-US"/>
+          </a:p>
+        </p:txBody>
+      </p:sp>
+    </p:spTree>
+    <p:extLst>
+      <p:ext uri="{BB962C8B-B14F-4D97-AF65-F5344CB8AC3E}">
+        <p14:creationId xmlns:p14="http://schemas.microsoft.com/office/powerpoint/2010/main" val="4204839477"/>
+      </p:ext>
+    </p:extLst>
+  </p:cSld>
+  <p:clrMapOvr>
+    <a:masterClrMapping/>
+  </p:clrMapOvr>
+  <p:timing>
+    <p:tnLst>
+      <p:par>
+        <p:cTn xmlns:p14="http://schemas.microsoft.com/office/powerpoint/2010/main" id="1" dur="indefinite" restart="never" nodeType="tmRoot"/>
+      </p:par>
+    </p:tnLst>
+  </p:timing>
+</p:sld>
+</file>
+
+<file path=ppt/slides/slide12.xml><?xml version="1.0" encoding="utf-8"?>
+<p:sld xmlns:a="http://schemas.openxmlformats.org/drawingml/2006/main" xmlns:r="http://schemas.openxmlformats.org/officeDocument/2006/relationships" xmlns:p="http://schemas.openxmlformats.org/presentationml/2006/main">
+  <p:cSld>
+    <p:spTree>
+      <p:nvGrpSpPr>
+        <p:cNvPr id="1" name=""/>
+        <p:cNvGrpSpPr/>
+        <p:nvPr/>
+      </p:nvGrpSpPr>
+      <p:grpSpPr>
+        <a:xfrm>
+          <a:off x="0" y="0"/>
+          <a:ext cx="0" cy="0"/>
+          <a:chOff x="0" y="0"/>
+          <a:chExt cx="0" cy="0"/>
+        </a:xfrm>
+      </p:grpSpPr>
+      <p:sp>
+        <p:nvSpPr>
           <p:cNvPr id="19" name="TextBox 18"/>
           <p:cNvSpPr txBox="1"/>
           <p:nvPr/>
@@ -18065,7 +18304,7 @@
           <a:p>
             <a:fld id="{7053BEFA-1175-F644-B249-7D41D72BD3FF}" type="datetime1">
               <a:rPr lang="en-US" smtClean="0"/>
-              <a:t>1/20/15</a:t>
+              <a:t>2/2/15</a:t>
             </a:fld>
             <a:endParaRPr lang="en-US"/>
           </a:p>
@@ -18107,7 +18346,7 @@
           <a:p>
             <a:fld id="{17E276FA-8F89-B34D-A726-BE3FA1F8DD97}" type="slidenum">
               <a:rPr lang="en-US" smtClean="0"/>
-              <a:t>11</a:t>
+              <a:t>12</a:t>
             </a:fld>
             <a:endParaRPr lang="en-US" dirty="0"/>
           </a:p>
@@ -18423,7 +18662,7 @@
 </p:sld>
 </file>
 
-<file path=ppt/slides/slide12.xml><?xml version="1.0" encoding="utf-8"?>
+<file path=ppt/slides/slide13.xml><?xml version="1.0" encoding="utf-8"?>
 <p:sld xmlns:a="http://schemas.openxmlformats.org/drawingml/2006/main" xmlns:r="http://schemas.openxmlformats.org/officeDocument/2006/relationships" xmlns:p="http://schemas.openxmlformats.org/presentationml/2006/main">
   <p:cSld>
     <p:spTree>
@@ -18488,7 +18727,7 @@
           <a:p>
             <a:fld id="{7053BEFA-1175-F644-B249-7D41D72BD3FF}" type="datetime1">
               <a:rPr lang="en-US" smtClean="0"/>
-              <a:t>1/20/15</a:t>
+              <a:t>2/2/15</a:t>
             </a:fld>
             <a:endParaRPr lang="en-US"/>
           </a:p>
@@ -18530,7 +18769,7 @@
           <a:p>
             <a:fld id="{17E276FA-8F89-B34D-A726-BE3FA1F8DD97}" type="slidenum">
               <a:rPr lang="en-US" smtClean="0"/>
-              <a:t>12</a:t>
+              <a:t>13</a:t>
             </a:fld>
             <a:endParaRPr lang="en-US" dirty="0"/>
           </a:p>
@@ -18841,268 +19080,6 @@
     <p:extLst>
       <p:ext uri="{BB962C8B-B14F-4D97-AF65-F5344CB8AC3E}">
         <p14:creationId xmlns:p14="http://schemas.microsoft.com/office/powerpoint/2010/main" val="3357155447"/>
-      </p:ext>
-    </p:extLst>
-  </p:cSld>
-  <p:clrMapOvr>
-    <a:masterClrMapping/>
-  </p:clrMapOvr>
-  <p:timing>
-    <p:tnLst>
-      <p:par>
-        <p:cTn xmlns:p14="http://schemas.microsoft.com/office/powerpoint/2010/main" id="1" dur="indefinite" restart="never" nodeType="tmRoot"/>
-      </p:par>
-    </p:tnLst>
-  </p:timing>
-</p:sld>
-</file>
-
-<file path=ppt/slides/slide13.xml><?xml version="1.0" encoding="utf-8"?>
-<p:sld xmlns:a="http://schemas.openxmlformats.org/drawingml/2006/main" xmlns:r="http://schemas.openxmlformats.org/officeDocument/2006/relationships" xmlns:p="http://schemas.openxmlformats.org/presentationml/2006/main">
-  <p:cSld>
-    <p:spTree>
-      <p:nvGrpSpPr>
-        <p:cNvPr id="1" name=""/>
-        <p:cNvGrpSpPr/>
-        <p:nvPr/>
-      </p:nvGrpSpPr>
-      <p:grpSpPr>
-        <a:xfrm>
-          <a:off x="0" y="0"/>
-          <a:ext cx="0" cy="0"/>
-          <a:chOff x="0" y="0"/>
-          <a:chExt cx="0" cy="0"/>
-        </a:xfrm>
-      </p:grpSpPr>
-      <p:sp>
-        <p:nvSpPr>
-          <p:cNvPr id="2" name="Title 1"/>
-          <p:cNvSpPr>
-            <a:spLocks noGrp="1"/>
-          </p:cNvSpPr>
-          <p:nvPr>
-            <p:ph type="title"/>
-          </p:nvPr>
-        </p:nvSpPr>
-        <p:spPr/>
-        <p:txBody>
-          <a:bodyPr/>
-          <a:lstStyle/>
-          <a:p>
-            <a:r>
-              <a:rPr lang="en-US" dirty="0" smtClean="0"/>
-              <a:t>Hi user!</a:t>
-            </a:r>
-            <a:endParaRPr lang="en-US" dirty="0"/>
-          </a:p>
-        </p:txBody>
-      </p:sp>
-      <p:sp>
-        <p:nvSpPr>
-          <p:cNvPr id="3" name="Content Placeholder 2"/>
-          <p:cNvSpPr>
-            <a:spLocks noGrp="1"/>
-          </p:cNvSpPr>
-          <p:nvPr>
-            <p:ph idx="1"/>
-          </p:nvPr>
-        </p:nvSpPr>
-        <p:spPr/>
-        <p:txBody>
-          <a:bodyPr/>
-          <a:lstStyle/>
-          <a:p>
-            <a:pPr marL="0" indent="0">
-              <a:buNone/>
-            </a:pPr>
-            <a:r>
-              <a:rPr lang="en-US" dirty="0" smtClean="0"/>
-              <a:t>[served by </a:t>
-            </a:r>
-            <a:r>
-              <a:rPr lang="en-US" i="1" dirty="0" smtClean="0"/>
-              <a:t>Authorization Server, </a:t>
-            </a:r>
-            <a:r>
-              <a:rPr lang="en-US" dirty="0" smtClean="0"/>
-              <a:t>not you]</a:t>
-            </a:r>
-            <a:endParaRPr lang="en-US" i="1" dirty="0" smtClean="0"/>
-          </a:p>
-          <a:p>
-            <a:pPr marL="0" indent="0">
-              <a:buNone/>
-            </a:pPr>
-            <a:endParaRPr lang="en-US" dirty="0"/>
-          </a:p>
-          <a:p>
-            <a:pPr marL="0" indent="0">
-              <a:buNone/>
-            </a:pPr>
-            <a:endParaRPr lang="en-US" dirty="0"/>
-          </a:p>
-        </p:txBody>
-      </p:sp>
-      <p:sp>
-        <p:nvSpPr>
-          <p:cNvPr id="4" name="Date Placeholder 3"/>
-          <p:cNvSpPr>
-            <a:spLocks noGrp="1"/>
-          </p:cNvSpPr>
-          <p:nvPr>
-            <p:ph type="dt" sz="half" idx="10"/>
-          </p:nvPr>
-        </p:nvSpPr>
-        <p:spPr/>
-        <p:txBody>
-          <a:bodyPr/>
-          <a:lstStyle/>
-          <a:p>
-            <a:fld id="{7053BEFA-1175-F644-B249-7D41D72BD3FF}" type="datetime1">
-              <a:rPr lang="en-US" smtClean="0"/>
-              <a:t>1/20/15</a:t>
-            </a:fld>
-            <a:endParaRPr lang="en-US"/>
-          </a:p>
-        </p:txBody>
-      </p:sp>
-      <p:sp>
-        <p:nvSpPr>
-          <p:cNvPr id="5" name="Footer Placeholder 4"/>
-          <p:cNvSpPr>
-            <a:spLocks noGrp="1"/>
-          </p:cNvSpPr>
-          <p:nvPr>
-            <p:ph type="ftr" sz="quarter" idx="11"/>
-          </p:nvPr>
-        </p:nvSpPr>
-        <p:spPr/>
-        <p:txBody>
-          <a:bodyPr/>
-          <a:lstStyle/>
-          <a:p>
-            <a:endParaRPr lang="en-US" dirty="0"/>
-          </a:p>
-        </p:txBody>
-      </p:sp>
-      <p:sp>
-        <p:nvSpPr>
-          <p:cNvPr id="6" name="Slide Number Placeholder 5"/>
-          <p:cNvSpPr>
-            <a:spLocks noGrp="1"/>
-          </p:cNvSpPr>
-          <p:nvPr>
-            <p:ph type="sldNum" sz="quarter" idx="12"/>
-          </p:nvPr>
-        </p:nvSpPr>
-        <p:spPr/>
-        <p:txBody>
-          <a:bodyPr/>
-          <a:lstStyle/>
-          <a:p>
-            <a:fld id="{17E276FA-8F89-B34D-A726-BE3FA1F8DD97}" type="slidenum">
-              <a:rPr lang="en-US" smtClean="0"/>
-              <a:t>13</a:t>
-            </a:fld>
-            <a:endParaRPr lang="en-US" dirty="0"/>
-          </a:p>
-        </p:txBody>
-      </p:sp>
-      <p:sp>
-        <p:nvSpPr>
-          <p:cNvPr id="7" name="Action Button: Custom 6">
-            <a:hlinkClick r:id="" action="ppaction://noaction" highlightClick="1"/>
-          </p:cNvPr>
-          <p:cNvSpPr/>
-          <p:nvPr/>
-        </p:nvSpPr>
-        <p:spPr>
-          <a:xfrm>
-            <a:off x="2895600" y="3352800"/>
-            <a:ext cx="2565400" cy="685800"/>
-          </a:xfrm>
-          <a:prstGeom prst="actionButtonBlank">
-            <a:avLst/>
-          </a:prstGeom>
-          <a:solidFill>
-            <a:schemeClr val="accent2"/>
-          </a:solidFill>
-        </p:spPr>
-        <p:style>
-          <a:lnRef idx="1">
-            <a:schemeClr val="accent2"/>
-          </a:lnRef>
-          <a:fillRef idx="3">
-            <a:schemeClr val="accent2"/>
-          </a:fillRef>
-          <a:effectRef idx="2">
-            <a:schemeClr val="accent2"/>
-          </a:effectRef>
-          <a:fontRef idx="minor">
-            <a:schemeClr val="lt1"/>
-          </a:fontRef>
-        </p:style>
-        <p:txBody>
-          <a:bodyPr rtlCol="0" anchor="ctr"/>
-          <a:lstStyle/>
-          <a:p>
-            <a:pPr algn="ctr"/>
-            <a:r>
-              <a:rPr lang="en-US" dirty="0" smtClean="0"/>
-              <a:t>Yes, I grant access</a:t>
-            </a:r>
-            <a:endParaRPr lang="en-US" dirty="0"/>
-          </a:p>
-        </p:txBody>
-      </p:sp>
-      <p:sp>
-        <p:nvSpPr>
-          <p:cNvPr id="8" name="Action Button: Custom 7">
-            <a:hlinkClick r:id="" action="ppaction://noaction" highlightClick="1"/>
-          </p:cNvPr>
-          <p:cNvSpPr/>
-          <p:nvPr/>
-        </p:nvSpPr>
-        <p:spPr>
-          <a:xfrm>
-            <a:off x="2895600" y="4241800"/>
-            <a:ext cx="2565400" cy="685800"/>
-          </a:xfrm>
-          <a:prstGeom prst="actionButtonBlank">
-            <a:avLst/>
-          </a:prstGeom>
-        </p:spPr>
-        <p:style>
-          <a:lnRef idx="1">
-            <a:schemeClr val="accent1"/>
-          </a:lnRef>
-          <a:fillRef idx="3">
-            <a:schemeClr val="accent1"/>
-          </a:fillRef>
-          <a:effectRef idx="2">
-            <a:schemeClr val="accent1"/>
-          </a:effectRef>
-          <a:fontRef idx="minor">
-            <a:schemeClr val="lt1"/>
-          </a:fontRef>
-        </p:style>
-        <p:txBody>
-          <a:bodyPr rtlCol="0" anchor="ctr"/>
-          <a:lstStyle/>
-          <a:p>
-            <a:pPr algn="ctr"/>
-            <a:r>
-              <a:rPr lang="en-US" dirty="0" smtClean="0"/>
-              <a:t>No, I don’t grant access</a:t>
-            </a:r>
-            <a:endParaRPr lang="en-US" dirty="0"/>
-          </a:p>
-        </p:txBody>
-      </p:sp>
-    </p:spTree>
-    <p:extLst>
-      <p:ext uri="{BB962C8B-B14F-4D97-AF65-F5344CB8AC3E}">
-        <p14:creationId xmlns:p14="http://schemas.microsoft.com/office/powerpoint/2010/main" val="3635140647"/>
       </p:ext>
     </p:extLst>
   </p:cSld>
@@ -19153,16 +19130,54 @@
           <a:p>
             <a:r>
               <a:rPr lang="en-US" dirty="0" smtClean="0"/>
-              <a:t>Typical </a:t>
-            </a:r>
-            <a:r>
-              <a:rPr lang="en-US" dirty="0" err="1" smtClean="0"/>
-              <a:t>OAuth</a:t>
-            </a:r>
+              <a:t>Hi user!</a:t>
+            </a:r>
+            <a:endParaRPr lang="en-US" dirty="0"/>
+          </a:p>
+        </p:txBody>
+      </p:sp>
+      <p:sp>
+        <p:nvSpPr>
+          <p:cNvPr id="3" name="Content Placeholder 2"/>
+          <p:cNvSpPr>
+            <a:spLocks noGrp="1"/>
+          </p:cNvSpPr>
+          <p:nvPr>
+            <p:ph idx="1"/>
+          </p:nvPr>
+        </p:nvSpPr>
+        <p:spPr/>
+        <p:txBody>
+          <a:bodyPr/>
+          <a:lstStyle/>
+          <a:p>
+            <a:pPr marL="0" indent="0">
+              <a:buNone/>
+            </a:pPr>
             <a:r>
               <a:rPr lang="en-US" dirty="0" smtClean="0"/>
-              <a:t> 2.0 Flow</a:t>
-            </a:r>
+              <a:t>[served by </a:t>
+            </a:r>
+            <a:r>
+              <a:rPr lang="en-US" i="1" dirty="0" smtClean="0"/>
+              <a:t>Authorization Server, </a:t>
+            </a:r>
+            <a:r>
+              <a:rPr lang="en-US" dirty="0" smtClean="0"/>
+              <a:t>not you]</a:t>
+            </a:r>
+            <a:endParaRPr lang="en-US" i="1" dirty="0" smtClean="0"/>
+          </a:p>
+          <a:p>
+            <a:pPr marL="0" indent="0">
+              <a:buNone/>
+            </a:pPr>
+            <a:endParaRPr lang="en-US" dirty="0"/>
+          </a:p>
+          <a:p>
+            <a:pPr marL="0" indent="0">
+              <a:buNone/>
+            </a:pPr>
             <a:endParaRPr lang="en-US" dirty="0"/>
           </a:p>
         </p:txBody>
@@ -19184,7 +19199,7 @@
           <a:p>
             <a:fld id="{7053BEFA-1175-F644-B249-7D41D72BD3FF}" type="datetime1">
               <a:rPr lang="en-US" smtClean="0"/>
-              <a:t>1/20/15</a:t>
+              <a:t>2/2/15</a:t>
             </a:fld>
             <a:endParaRPr lang="en-US"/>
           </a:p>
@@ -19227,6 +19242,230 @@
             <a:fld id="{17E276FA-8F89-B34D-A726-BE3FA1F8DD97}" type="slidenum">
               <a:rPr lang="en-US" smtClean="0"/>
               <a:t>14</a:t>
+            </a:fld>
+            <a:endParaRPr lang="en-US" dirty="0"/>
+          </a:p>
+        </p:txBody>
+      </p:sp>
+      <p:sp>
+        <p:nvSpPr>
+          <p:cNvPr id="7" name="Action Button: Custom 6">
+            <a:hlinkClick r:id="" action="ppaction://noaction" highlightClick="1"/>
+          </p:cNvPr>
+          <p:cNvSpPr/>
+          <p:nvPr/>
+        </p:nvSpPr>
+        <p:spPr>
+          <a:xfrm>
+            <a:off x="2895600" y="3352800"/>
+            <a:ext cx="2565400" cy="685800"/>
+          </a:xfrm>
+          <a:prstGeom prst="actionButtonBlank">
+            <a:avLst/>
+          </a:prstGeom>
+          <a:solidFill>
+            <a:schemeClr val="accent2"/>
+          </a:solidFill>
+        </p:spPr>
+        <p:style>
+          <a:lnRef idx="1">
+            <a:schemeClr val="accent2"/>
+          </a:lnRef>
+          <a:fillRef idx="3">
+            <a:schemeClr val="accent2"/>
+          </a:fillRef>
+          <a:effectRef idx="2">
+            <a:schemeClr val="accent2"/>
+          </a:effectRef>
+          <a:fontRef idx="minor">
+            <a:schemeClr val="lt1"/>
+          </a:fontRef>
+        </p:style>
+        <p:txBody>
+          <a:bodyPr rtlCol="0" anchor="ctr"/>
+          <a:lstStyle/>
+          <a:p>
+            <a:pPr algn="ctr"/>
+            <a:r>
+              <a:rPr lang="en-US" dirty="0" smtClean="0"/>
+              <a:t>Yes, I grant access</a:t>
+            </a:r>
+            <a:endParaRPr lang="en-US" dirty="0"/>
+          </a:p>
+        </p:txBody>
+      </p:sp>
+      <p:sp>
+        <p:nvSpPr>
+          <p:cNvPr id="8" name="Action Button: Custom 7">
+            <a:hlinkClick r:id="" action="ppaction://noaction" highlightClick="1"/>
+          </p:cNvPr>
+          <p:cNvSpPr/>
+          <p:nvPr/>
+        </p:nvSpPr>
+        <p:spPr>
+          <a:xfrm>
+            <a:off x="2895600" y="4241800"/>
+            <a:ext cx="2565400" cy="685800"/>
+          </a:xfrm>
+          <a:prstGeom prst="actionButtonBlank">
+            <a:avLst/>
+          </a:prstGeom>
+        </p:spPr>
+        <p:style>
+          <a:lnRef idx="1">
+            <a:schemeClr val="accent1"/>
+          </a:lnRef>
+          <a:fillRef idx="3">
+            <a:schemeClr val="accent1"/>
+          </a:fillRef>
+          <a:effectRef idx="2">
+            <a:schemeClr val="accent1"/>
+          </a:effectRef>
+          <a:fontRef idx="minor">
+            <a:schemeClr val="lt1"/>
+          </a:fontRef>
+        </p:style>
+        <p:txBody>
+          <a:bodyPr rtlCol="0" anchor="ctr"/>
+          <a:lstStyle/>
+          <a:p>
+            <a:pPr algn="ctr"/>
+            <a:r>
+              <a:rPr lang="en-US" dirty="0" smtClean="0"/>
+              <a:t>No, I don’t grant access</a:t>
+            </a:r>
+            <a:endParaRPr lang="en-US" dirty="0"/>
+          </a:p>
+        </p:txBody>
+      </p:sp>
+    </p:spTree>
+    <p:extLst>
+      <p:ext uri="{BB962C8B-B14F-4D97-AF65-F5344CB8AC3E}">
+        <p14:creationId xmlns:p14="http://schemas.microsoft.com/office/powerpoint/2010/main" val="3635140647"/>
+      </p:ext>
+    </p:extLst>
+  </p:cSld>
+  <p:clrMapOvr>
+    <a:masterClrMapping/>
+  </p:clrMapOvr>
+  <p:timing>
+    <p:tnLst>
+      <p:par>
+        <p:cTn xmlns:p14="http://schemas.microsoft.com/office/powerpoint/2010/main" id="1" dur="indefinite" restart="never" nodeType="tmRoot"/>
+      </p:par>
+    </p:tnLst>
+  </p:timing>
+</p:sld>
+</file>
+
+<file path=ppt/slides/slide15.xml><?xml version="1.0" encoding="utf-8"?>
+<p:sld xmlns:a="http://schemas.openxmlformats.org/drawingml/2006/main" xmlns:r="http://schemas.openxmlformats.org/officeDocument/2006/relationships" xmlns:p="http://schemas.openxmlformats.org/presentationml/2006/main">
+  <p:cSld>
+    <p:spTree>
+      <p:nvGrpSpPr>
+        <p:cNvPr id="1" name=""/>
+        <p:cNvGrpSpPr/>
+        <p:nvPr/>
+      </p:nvGrpSpPr>
+      <p:grpSpPr>
+        <a:xfrm>
+          <a:off x="0" y="0"/>
+          <a:ext cx="0" cy="0"/>
+          <a:chOff x="0" y="0"/>
+          <a:chExt cx="0" cy="0"/>
+        </a:xfrm>
+      </p:grpSpPr>
+      <p:sp>
+        <p:nvSpPr>
+          <p:cNvPr id="2" name="Title 1"/>
+          <p:cNvSpPr>
+            <a:spLocks noGrp="1"/>
+          </p:cNvSpPr>
+          <p:nvPr>
+            <p:ph type="title"/>
+          </p:nvPr>
+        </p:nvSpPr>
+        <p:spPr/>
+        <p:txBody>
+          <a:bodyPr/>
+          <a:lstStyle/>
+          <a:p>
+            <a:r>
+              <a:rPr lang="en-US" dirty="0" smtClean="0"/>
+              <a:t>Typical </a:t>
+            </a:r>
+            <a:r>
+              <a:rPr lang="en-US" dirty="0" err="1" smtClean="0"/>
+              <a:t>OAuth</a:t>
+            </a:r>
+            <a:r>
+              <a:rPr lang="en-US" dirty="0" smtClean="0"/>
+              <a:t> 2.0 Flow</a:t>
+            </a:r>
+            <a:endParaRPr lang="en-US" dirty="0"/>
+          </a:p>
+        </p:txBody>
+      </p:sp>
+      <p:sp>
+        <p:nvSpPr>
+          <p:cNvPr id="4" name="Date Placeholder 3"/>
+          <p:cNvSpPr>
+            <a:spLocks noGrp="1"/>
+          </p:cNvSpPr>
+          <p:nvPr>
+            <p:ph type="dt" sz="half" idx="10"/>
+          </p:nvPr>
+        </p:nvSpPr>
+        <p:spPr/>
+        <p:txBody>
+          <a:bodyPr/>
+          <a:lstStyle/>
+          <a:p>
+            <a:fld id="{7053BEFA-1175-F644-B249-7D41D72BD3FF}" type="datetime1">
+              <a:rPr lang="en-US" smtClean="0"/>
+              <a:t>2/2/15</a:t>
+            </a:fld>
+            <a:endParaRPr lang="en-US"/>
+          </a:p>
+        </p:txBody>
+      </p:sp>
+      <p:sp>
+        <p:nvSpPr>
+          <p:cNvPr id="5" name="Footer Placeholder 4"/>
+          <p:cNvSpPr>
+            <a:spLocks noGrp="1"/>
+          </p:cNvSpPr>
+          <p:nvPr>
+            <p:ph type="ftr" sz="quarter" idx="11"/>
+          </p:nvPr>
+        </p:nvSpPr>
+        <p:spPr/>
+        <p:txBody>
+          <a:bodyPr/>
+          <a:lstStyle/>
+          <a:p>
+            <a:endParaRPr lang="en-US" dirty="0"/>
+          </a:p>
+        </p:txBody>
+      </p:sp>
+      <p:sp>
+        <p:nvSpPr>
+          <p:cNvPr id="6" name="Slide Number Placeholder 5"/>
+          <p:cNvSpPr>
+            <a:spLocks noGrp="1"/>
+          </p:cNvSpPr>
+          <p:nvPr>
+            <p:ph type="sldNum" sz="quarter" idx="12"/>
+          </p:nvPr>
+        </p:nvSpPr>
+        <p:spPr/>
+        <p:txBody>
+          <a:bodyPr/>
+          <a:lstStyle/>
+          <a:p>
+            <a:fld id="{17E276FA-8F89-B34D-A726-BE3FA1F8DD97}" type="slidenum">
+              <a:rPr lang="en-US" smtClean="0"/>
+              <a:t>15</a:t>
             </a:fld>
             <a:endParaRPr lang="en-US" dirty="0"/>
           </a:p>
@@ -19579,7 +19818,7 @@
 </p:sld>
 </file>
 
-<file path=ppt/slides/slide15.xml><?xml version="1.0" encoding="utf-8"?>
+<file path=ppt/slides/slide16.xml><?xml version="1.0" encoding="utf-8"?>
 <p:sld xmlns:a="http://schemas.openxmlformats.org/drawingml/2006/main" xmlns:r="http://schemas.openxmlformats.org/officeDocument/2006/relationships" xmlns:p="http://schemas.openxmlformats.org/presentationml/2006/main">
   <p:cSld>
     <p:spTree>
@@ -19644,7 +19883,7 @@
           <a:p>
             <a:fld id="{7053BEFA-1175-F644-B249-7D41D72BD3FF}" type="datetime1">
               <a:rPr lang="en-US" smtClean="0"/>
-              <a:t>1/20/15</a:t>
+              <a:t>2/2/15</a:t>
             </a:fld>
             <a:endParaRPr lang="en-US"/>
           </a:p>
@@ -19686,7 +19925,7 @@
           <a:p>
             <a:fld id="{17E276FA-8F89-B34D-A726-BE3FA1F8DD97}" type="slidenum">
               <a:rPr lang="en-US" smtClean="0"/>
-              <a:t>15</a:t>
+              <a:t>16</a:t>
             </a:fld>
             <a:endParaRPr lang="en-US" dirty="0"/>
           </a:p>
@@ -20063,7 +20302,7 @@
 </p:sld>
 </file>
 
-<file path=ppt/slides/slide16.xml><?xml version="1.0" encoding="utf-8"?>
+<file path=ppt/slides/slide17.xml><?xml version="1.0" encoding="utf-8"?>
 <p:sld xmlns:a="http://schemas.openxmlformats.org/drawingml/2006/main" xmlns:r="http://schemas.openxmlformats.org/officeDocument/2006/relationships" xmlns:p="http://schemas.openxmlformats.org/presentationml/2006/main">
   <p:cSld>
     <p:spTree>
@@ -20128,7 +20367,7 @@
           <a:p>
             <a:fld id="{7053BEFA-1175-F644-B249-7D41D72BD3FF}" type="datetime1">
               <a:rPr lang="en-US" smtClean="0"/>
-              <a:t>1/20/15</a:t>
+              <a:t>2/2/15</a:t>
             </a:fld>
             <a:endParaRPr lang="en-US"/>
           </a:p>
@@ -20170,7 +20409,7 @@
           <a:p>
             <a:fld id="{17E276FA-8F89-B34D-A726-BE3FA1F8DD97}" type="slidenum">
               <a:rPr lang="en-US" smtClean="0"/>
-              <a:t>16</a:t>
+              <a:t>17</a:t>
             </a:fld>
             <a:endParaRPr lang="en-US" dirty="0"/>
           </a:p>
@@ -20541,7 +20780,7 @@
 </p:sld>
 </file>
 
-<file path=ppt/slides/slide17.xml><?xml version="1.0" encoding="utf-8"?>
+<file path=ppt/slides/slide18.xml><?xml version="1.0" encoding="utf-8"?>
 <p:sld xmlns:a="http://schemas.openxmlformats.org/drawingml/2006/main" xmlns:r="http://schemas.openxmlformats.org/officeDocument/2006/relationships" xmlns:p="http://schemas.openxmlformats.org/presentationml/2006/main">
   <p:cSld>
     <p:spTree>
@@ -20585,7 +20824,6 @@
               <a:rPr lang="en-US" dirty="0"/>
               <a:t> 2.0 Flow</a:t>
             </a:r>
-            <a:endParaRPr lang="en-US" dirty="0"/>
           </a:p>
         </p:txBody>
       </p:sp>
@@ -20665,7 +20903,7 @@
           <a:p>
             <a:fld id="{7053BEFA-1175-F644-B249-7D41D72BD3FF}" type="datetime1">
               <a:rPr lang="en-US" smtClean="0"/>
-              <a:t>1/20/15</a:t>
+              <a:t>2/2/15</a:t>
             </a:fld>
             <a:endParaRPr lang="en-US"/>
           </a:p>
@@ -20707,7 +20945,7 @@
           <a:p>
             <a:fld id="{17E276FA-8F89-B34D-A726-BE3FA1F8DD97}" type="slidenum">
               <a:rPr lang="en-US" smtClean="0"/>
-              <a:t>17</a:t>
+              <a:t>18</a:t>
             </a:fld>
             <a:endParaRPr lang="en-US" dirty="0"/>
           </a:p>
@@ -20843,7 +21081,7 @@
 </p:sld>
 </file>
 
-<file path=ppt/slides/slide18.xml><?xml version="1.0" encoding="utf-8"?>
+<file path=ppt/slides/slide19.xml><?xml version="1.0" encoding="utf-8"?>
 <p:sld xmlns:a="http://schemas.openxmlformats.org/drawingml/2006/main" xmlns:r="http://schemas.openxmlformats.org/officeDocument/2006/relationships" xmlns:p="http://schemas.openxmlformats.org/presentationml/2006/main">
   <p:cSld>
     <p:spTree>
@@ -20957,7 +21195,7 @@
           <a:p>
             <a:fld id="{7053BEFA-1175-F644-B249-7D41D72BD3FF}" type="datetime1">
               <a:rPr lang="en-US" smtClean="0"/>
-              <a:t>1/20/15</a:t>
+              <a:t>2/2/15</a:t>
             </a:fld>
             <a:endParaRPr lang="en-US"/>
           </a:p>
@@ -20999,7 +21237,7 @@
           <a:p>
             <a:fld id="{17E276FA-8F89-B34D-A726-BE3FA1F8DD97}" type="slidenum">
               <a:rPr lang="en-US" smtClean="0"/>
-              <a:t>18</a:t>
+              <a:t>19</a:t>
             </a:fld>
             <a:endParaRPr lang="en-US" dirty="0"/>
           </a:p>
@@ -21101,7 +21339,7 @@
           <a:p>
             <a:fld id="{111EEF3B-ABF2-AA4E-9E24-0C6256942674}" type="datetime1">
               <a:rPr lang="en-US" smtClean="0"/>
-              <a:t>1/20/15</a:t>
+              <a:t>2/2/15</a:t>
             </a:fld>
             <a:endParaRPr lang="en-US"/>
           </a:p>
@@ -21265,7 +21503,7 @@
           <a:p>
             <a:fld id="{7053BEFA-1175-F644-B249-7D41D72BD3FF}" type="datetime1">
               <a:rPr lang="en-US" smtClean="0"/>
-              <a:t>1/20/15</a:t>
+              <a:t>2/2/15</a:t>
             </a:fld>
             <a:endParaRPr lang="en-US"/>
           </a:p>
@@ -21548,7 +21786,7 @@
           <a:p>
             <a:fld id="{7053BEFA-1175-F644-B249-7D41D72BD3FF}" type="datetime1">
               <a:rPr lang="en-US" smtClean="0"/>
-              <a:t>1/20/15</a:t>
+              <a:t>2/2/15</a:t>
             </a:fld>
             <a:endParaRPr lang="en-US"/>
           </a:p>
@@ -21650,56 +21888,31 @@
           <a:p>
             <a:r>
               <a:rPr lang="en-US" dirty="0" smtClean="0"/>
-              <a:t>Using a Web API</a:t>
+              <a:t>API GUIDE ALA XKCD </a:t>
             </a:r>
             <a:endParaRPr lang="en-US" dirty="0"/>
           </a:p>
         </p:txBody>
       </p:sp>
-      <p:sp>
-        <p:nvSpPr>
-          <p:cNvPr id="3" name="Content Placeholder 2"/>
-          <p:cNvSpPr>
-            <a:spLocks noGrp="1"/>
-          </p:cNvSpPr>
+      <p:pic>
+        <p:nvPicPr>
+          <p:cNvPr id="7" name="Content Placeholder 6"/>
+          <p:cNvPicPr>
+            <a:picLocks noGrp="1" noChangeAspect="1"/>
+          </p:cNvPicPr>
           <p:nvPr>
             <p:ph idx="1"/>
           </p:nvPr>
-        </p:nvSpPr>
+        </p:nvPicPr>
+        <p:blipFill>
+          <a:blip r:embed="rId2"/>
+          <a:srcRect l="-100328" r="-100328"/>
+          <a:stretch>
+            <a:fillRect/>
+          </a:stretch>
+        </p:blipFill>
         <p:spPr/>
-        <p:txBody>
-          <a:bodyPr/>
-          <a:lstStyle/>
-          <a:p>
-            <a:pPr marL="0" indent="0">
-              <a:buNone/>
-            </a:pPr>
-            <a:r>
-              <a:rPr lang="en-US" dirty="0" smtClean="0"/>
-              <a:t>Have to start with the documentation</a:t>
-            </a:r>
-          </a:p>
-          <a:p>
-            <a:pPr marL="0" indent="0">
-              <a:buNone/>
-            </a:pPr>
-            <a:r>
-              <a:rPr lang="en-US" dirty="0" smtClean="0"/>
-              <a:t>Typical flow</a:t>
-            </a:r>
-          </a:p>
-          <a:p>
-            <a:pPr marL="0" indent="0">
-              <a:buNone/>
-            </a:pPr>
-            <a:endParaRPr lang="en-US" dirty="0" smtClean="0"/>
-          </a:p>
-          <a:p>
-            <a:pPr lvl="1"/>
-            <a:endParaRPr lang="en-US" dirty="0"/>
-          </a:p>
-        </p:txBody>
-      </p:sp>
+      </p:pic>
       <p:sp>
         <p:nvSpPr>
           <p:cNvPr id="4" name="Date Placeholder 3"/>
@@ -21717,7 +21930,7 @@
           <a:p>
             <a:fld id="{7053BEFA-1175-F644-B249-7D41D72BD3FF}" type="datetime1">
               <a:rPr lang="en-US" smtClean="0"/>
-              <a:t>1/20/15</a:t>
+              <a:t>2/2/15</a:t>
             </a:fld>
             <a:endParaRPr lang="en-US"/>
           </a:p>
@@ -21765,45 +21978,52 @@
           </a:p>
         </p:txBody>
       </p:sp>
-      <p:graphicFrame>
-        <p:nvGraphicFramePr>
-          <p:cNvPr id="8" name="Diagram 7"/>
-          <p:cNvGraphicFramePr/>
-          <p:nvPr>
-            <p:extLst>
-              <p:ext uri="{D42A27DB-BD31-4B8C-83A1-F6EECF244321}">
-                <p14:modId xmlns:p14="http://schemas.microsoft.com/office/powerpoint/2010/main" val="2246662869"/>
-              </p:ext>
-            </p:extLst>
-          </p:nvPr>
-        </p:nvGraphicFramePr>
-        <p:xfrm>
-          <a:off x="357902" y="1446525"/>
-          <a:ext cx="8312471" cy="5314401"/>
-        </p:xfrm>
-        <a:graphic>
-          <a:graphicData uri="http://schemas.openxmlformats.org/drawingml/2006/diagram">
-            <dgm:relIds xmlns:dgm="http://schemas.openxmlformats.org/drawingml/2006/diagram" xmlns:r="http://schemas.openxmlformats.org/officeDocument/2006/relationships" r:dm="rId2" r:lo="rId3" r:qs="rId4" r:cs="rId5"/>
-          </a:graphicData>
-        </a:graphic>
-      </p:graphicFrame>
+      <p:sp>
+        <p:nvSpPr>
+          <p:cNvPr id="8" name="Rectangle 7"/>
+          <p:cNvSpPr/>
+          <p:nvPr/>
+        </p:nvSpPr>
+        <p:spPr>
+          <a:xfrm>
+            <a:off x="954132" y="1300269"/>
+            <a:ext cx="2351926" cy="369332"/>
+          </a:xfrm>
+          <a:prstGeom prst="rect">
+            <a:avLst/>
+          </a:prstGeom>
+        </p:spPr>
+        <p:txBody>
+          <a:bodyPr wrap="none">
+            <a:spAutoFit/>
+          </a:bodyPr>
+          <a:lstStyle/>
+          <a:p>
+            <a:r>
+              <a:rPr lang="en-US" dirty="0"/>
+              <a:t>http://</a:t>
+            </a:r>
+            <a:r>
+              <a:rPr lang="en-US" dirty="0" err="1"/>
+              <a:t>xkcd.com</a:t>
+            </a:r>
+            <a:r>
+              <a:rPr lang="en-US" dirty="0"/>
+              <a:t>/1481/</a:t>
+            </a:r>
+          </a:p>
+        </p:txBody>
+      </p:sp>
     </p:spTree>
     <p:extLst>
       <p:ext uri="{BB962C8B-B14F-4D97-AF65-F5344CB8AC3E}">
-        <p14:creationId xmlns:p14="http://schemas.microsoft.com/office/powerpoint/2010/main" val="934133480"/>
+        <p14:creationId xmlns:p14="http://schemas.microsoft.com/office/powerpoint/2010/main" val="3310321716"/>
       </p:ext>
     </p:extLst>
   </p:cSld>
   <p:clrMapOvr>
     <a:masterClrMapping/>
   </p:clrMapOvr>
-  <p:timing>
-    <p:tnLst>
-      <p:par>
-        <p:cTn xmlns:p14="http://schemas.microsoft.com/office/powerpoint/2010/main" id="1" dur="indefinite" restart="never" nodeType="tmRoot"/>
-      </p:par>
-    </p:tnLst>
-  </p:timing>
 </p:sld>
 </file>
 
@@ -21841,7 +22061,7 @@
           <a:p>
             <a:r>
               <a:rPr lang="en-US" dirty="0" smtClean="0"/>
-              <a:t>Why should the server trust you?</a:t>
+              <a:t>Using a Web API</a:t>
             </a:r>
             <a:endParaRPr lang="en-US" dirty="0"/>
           </a:p>
@@ -21867,28 +22087,16 @@
             </a:pPr>
             <a:r>
               <a:rPr lang="en-US" dirty="0" smtClean="0"/>
-              <a:t>You have the user’s password (should you?)</a:t>
-            </a:r>
-          </a:p>
-          <a:p>
-            <a:pPr lvl="1"/>
-            <a:r>
-              <a:rPr lang="en-US" dirty="0"/>
-              <a:t>Would you store it? </a:t>
-            </a:r>
-          </a:p>
-          <a:p>
-            <a:pPr lvl="1"/>
-            <a:r>
-              <a:rPr lang="en-US" dirty="0"/>
-              <a:t>What else could you do with it? </a:t>
-            </a:r>
-          </a:p>
-          <a:p>
-            <a:pPr lvl="1"/>
-            <a:r>
-              <a:rPr lang="en-US" dirty="0"/>
-              <a:t>How do users revoke access?</a:t>
+              <a:t>Have to start with the documentation</a:t>
+            </a:r>
+          </a:p>
+          <a:p>
+            <a:pPr marL="0" indent="0">
+              <a:buNone/>
+            </a:pPr>
+            <a:r>
+              <a:rPr lang="en-US" dirty="0" smtClean="0"/>
+              <a:t>Typical flow</a:t>
             </a:r>
           </a:p>
           <a:p>
@@ -21898,9 +22106,7 @@
             <a:endParaRPr lang="en-US" dirty="0" smtClean="0"/>
           </a:p>
           <a:p>
-            <a:pPr marL="0" indent="0">
-              <a:buNone/>
-            </a:pPr>
+            <a:pPr lvl="1"/>
             <a:endParaRPr lang="en-US" dirty="0"/>
           </a:p>
         </p:txBody>
@@ -21922,7 +22128,7 @@
           <a:p>
             <a:fld id="{7053BEFA-1175-F644-B249-7D41D72BD3FF}" type="datetime1">
               <a:rPr lang="en-US" smtClean="0"/>
-              <a:t>1/20/15</a:t>
+              <a:t>2/2/15</a:t>
             </a:fld>
             <a:endParaRPr lang="en-US"/>
           </a:p>
@@ -21970,10 +22176,32 @@
           </a:p>
         </p:txBody>
       </p:sp>
+      <p:graphicFrame>
+        <p:nvGraphicFramePr>
+          <p:cNvPr id="8" name="Diagram 7"/>
+          <p:cNvGraphicFramePr/>
+          <p:nvPr>
+            <p:extLst>
+              <p:ext uri="{D42A27DB-BD31-4B8C-83A1-F6EECF244321}">
+                <p14:modId xmlns:p14="http://schemas.microsoft.com/office/powerpoint/2010/main" val="2246662869"/>
+              </p:ext>
+            </p:extLst>
+          </p:nvPr>
+        </p:nvGraphicFramePr>
+        <p:xfrm>
+          <a:off x="357902" y="1446525"/>
+          <a:ext cx="8312471" cy="5314401"/>
+        </p:xfrm>
+        <a:graphic>
+          <a:graphicData uri="http://schemas.openxmlformats.org/drawingml/2006/diagram">
+            <dgm:relIds xmlns:dgm="http://schemas.openxmlformats.org/drawingml/2006/diagram" xmlns:r="http://schemas.openxmlformats.org/officeDocument/2006/relationships" r:dm="rId2" r:lo="rId3" r:qs="rId4" r:cs="rId5"/>
+          </a:graphicData>
+        </a:graphic>
+      </p:graphicFrame>
     </p:spTree>
     <p:extLst>
       <p:ext uri="{BB962C8B-B14F-4D97-AF65-F5344CB8AC3E}">
-        <p14:creationId xmlns:p14="http://schemas.microsoft.com/office/powerpoint/2010/main" val="233559423"/>
+        <p14:creationId xmlns:p14="http://schemas.microsoft.com/office/powerpoint/2010/main" val="934133480"/>
       </p:ext>
     </p:extLst>
   </p:cSld>
@@ -22054,26 +22282,24 @@
             </a:r>
           </a:p>
           <a:p>
-            <a:pPr marL="0" indent="0">
-              <a:buNone/>
-            </a:pPr>
-            <a:r>
-              <a:rPr lang="en-US" dirty="0" smtClean="0"/>
-              <a:t>You have an API key</a:t>
-            </a:r>
-          </a:p>
-          <a:p>
             <a:pPr lvl="1"/>
             <a:r>
-              <a:rPr lang="en-US" dirty="0" smtClean="0"/>
-              <a:t>Reasonable for publicly available data</a:t>
+              <a:rPr lang="en-US" dirty="0"/>
+              <a:t>Would you store it? </a:t>
             </a:r>
           </a:p>
           <a:p>
             <a:pPr lvl="1"/>
             <a:r>
-              <a:rPr lang="en-US" dirty="0" smtClean="0"/>
-              <a:t>Lets the owner of the application track use; enforce rules &amp; revoke access</a:t>
+              <a:rPr lang="en-US" dirty="0"/>
+              <a:t>What else could you do with it? </a:t>
+            </a:r>
+          </a:p>
+          <a:p>
+            <a:pPr lvl="1"/>
+            <a:r>
+              <a:rPr lang="en-US" dirty="0"/>
+              <a:t>How do users revoke access?</a:t>
             </a:r>
           </a:p>
           <a:p>
@@ -22107,7 +22333,7 @@
           <a:p>
             <a:fld id="{7053BEFA-1175-F644-B249-7D41D72BD3FF}" type="datetime1">
               <a:rPr lang="en-US" smtClean="0"/>
-              <a:t>1/20/15</a:t>
+              <a:t>2/2/15</a:t>
             </a:fld>
             <a:endParaRPr lang="en-US"/>
           </a:p>
@@ -22158,7 +22384,7 @@
     </p:spTree>
     <p:extLst>
       <p:ext uri="{BB962C8B-B14F-4D97-AF65-F5344CB8AC3E}">
-        <p14:creationId xmlns:p14="http://schemas.microsoft.com/office/powerpoint/2010/main" val="2120911886"/>
+        <p14:creationId xmlns:p14="http://schemas.microsoft.com/office/powerpoint/2010/main" val="233559423"/>
       </p:ext>
     </p:extLst>
   </p:cSld>
@@ -22244,23 +22470,22 @@
             </a:pPr>
             <a:r>
               <a:rPr lang="en-US" dirty="0" smtClean="0"/>
-              <a:t>You have an API key (how do you get it?)</a:t>
-            </a:r>
-          </a:p>
-          <a:p>
-            <a:pPr marL="0" indent="0">
-              <a:buNone/>
-            </a:pPr>
+              <a:t>You have an API key</a:t>
+            </a:r>
+          </a:p>
+          <a:p>
+            <a:pPr lvl="1"/>
             <a:r>
               <a:rPr lang="en-US" dirty="0" smtClean="0"/>
-              <a:t>Once:</a:t>
-            </a:r>
-          </a:p>
-          <a:p>
-            <a:pPr marL="0" indent="0">
-              <a:buNone/>
-            </a:pPr>
-            <a:endParaRPr lang="en-US" dirty="0"/>
+              <a:t>Reasonable for publicly available data</a:t>
+            </a:r>
+          </a:p>
+          <a:p>
+            <a:pPr lvl="1"/>
+            <a:r>
+              <a:rPr lang="en-US" dirty="0" smtClean="0"/>
+              <a:t>Lets the owner of the application track use; enforce rules &amp; revoke access</a:t>
+            </a:r>
           </a:p>
           <a:p>
             <a:pPr marL="0" indent="0">
@@ -22272,10 +22497,6 @@
             <a:pPr marL="0" indent="0">
               <a:buNone/>
             </a:pPr>
-            <a:r>
-              <a:rPr lang="en-US" dirty="0" smtClean="0"/>
-              <a:t>Every URL: includes the key</a:t>
-            </a:r>
             <a:endParaRPr lang="en-US" dirty="0"/>
           </a:p>
         </p:txBody>
@@ -22297,7 +22518,7 @@
           <a:p>
             <a:fld id="{7053BEFA-1175-F644-B249-7D41D72BD3FF}" type="datetime1">
               <a:rPr lang="en-US" smtClean="0"/>
-              <a:t>1/20/15</a:t>
+              <a:t>2/2/15</a:t>
             </a:fld>
             <a:endParaRPr lang="en-US"/>
           </a:p>
@@ -22345,74 +22566,10 @@
           </a:p>
         </p:txBody>
       </p:sp>
-      <p:graphicFrame>
-        <p:nvGraphicFramePr>
-          <p:cNvPr id="7" name="Diagram 6"/>
-          <p:cNvGraphicFramePr/>
-          <p:nvPr>
-            <p:extLst>
-              <p:ext uri="{D42A27DB-BD31-4B8C-83A1-F6EECF244321}">
-                <p14:modId xmlns:p14="http://schemas.microsoft.com/office/powerpoint/2010/main" val="2377292457"/>
-              </p:ext>
-            </p:extLst>
-          </p:nvPr>
-        </p:nvGraphicFramePr>
-        <p:xfrm>
-          <a:off x="357902" y="2978464"/>
-          <a:ext cx="8312471" cy="5314401"/>
-        </p:xfrm>
-        <a:graphic>
-          <a:graphicData uri="http://schemas.openxmlformats.org/drawingml/2006/diagram">
-            <dgm:relIds xmlns:dgm="http://schemas.openxmlformats.org/drawingml/2006/diagram" xmlns:r="http://schemas.openxmlformats.org/officeDocument/2006/relationships" r:dm="rId3" r:lo="rId4" r:qs="rId5" r:cs="rId6"/>
-          </a:graphicData>
-        </a:graphic>
-      </p:graphicFrame>
-      <p:sp>
-        <p:nvSpPr>
-          <p:cNvPr id="8" name="Rounded Rectangle 7"/>
-          <p:cNvSpPr/>
-          <p:nvPr/>
-        </p:nvSpPr>
-        <p:spPr>
-          <a:xfrm>
-            <a:off x="2389902" y="2978464"/>
-            <a:ext cx="1521698" cy="1143000"/>
-          </a:xfrm>
-          <a:prstGeom prst="roundRect">
-            <a:avLst/>
-          </a:prstGeom>
-        </p:spPr>
-        <p:style>
-          <a:lnRef idx="3">
-            <a:schemeClr val="lt1"/>
-          </a:lnRef>
-          <a:fillRef idx="1">
-            <a:schemeClr val="accent1"/>
-          </a:fillRef>
-          <a:effectRef idx="1">
-            <a:schemeClr val="accent1"/>
-          </a:effectRef>
-          <a:fontRef idx="minor">
-            <a:schemeClr val="lt1"/>
-          </a:fontRef>
-        </p:style>
-        <p:txBody>
-          <a:bodyPr rtlCol="0" anchor="ctr"/>
-          <a:lstStyle/>
-          <a:p>
-            <a:pPr algn="ctr"/>
-            <a:r>
-              <a:rPr lang="en-US" dirty="0" smtClean="0"/>
-              <a:t>Manually Register for Key</a:t>
-            </a:r>
-            <a:endParaRPr lang="en-US" dirty="0"/>
-          </a:p>
-        </p:txBody>
-      </p:sp>
     </p:spTree>
     <p:extLst>
       <p:ext uri="{BB962C8B-B14F-4D97-AF65-F5344CB8AC3E}">
-        <p14:creationId xmlns:p14="http://schemas.microsoft.com/office/powerpoint/2010/main" val="3787495878"/>
+        <p14:creationId xmlns:p14="http://schemas.microsoft.com/office/powerpoint/2010/main" val="2120911886"/>
       </p:ext>
     </p:extLst>
   </p:cSld>
@@ -22498,7 +22655,7 @@
             </a:pPr>
             <a:r>
               <a:rPr lang="en-US" dirty="0" smtClean="0"/>
-              <a:t>You have an API key</a:t>
+              <a:t>You have an API key (how do you get it?)</a:t>
             </a:r>
           </a:p>
           <a:p>
@@ -22507,85 +22664,29 @@
             </a:pPr>
             <a:r>
               <a:rPr lang="en-US" dirty="0" smtClean="0"/>
-              <a:t>You use </a:t>
-            </a:r>
-            <a:r>
-              <a:rPr lang="en-US" dirty="0" err="1" smtClean="0"/>
-              <a:t>OAuth</a:t>
-            </a:r>
-            <a:r>
-              <a:rPr lang="en-US" dirty="0" smtClean="0"/>
-              <a:t> </a:t>
-            </a:r>
-            <a:r>
-              <a:rPr lang="en-US" dirty="0" smtClean="0"/>
-              <a:t>2.0</a:t>
-            </a:r>
-          </a:p>
-          <a:p>
-            <a:pPr lvl="1"/>
-            <a:r>
-              <a:rPr lang="en-US" dirty="0" smtClean="0"/>
-              <a:t>Gives the </a:t>
-            </a:r>
-            <a:r>
-              <a:rPr lang="en-US" i="1" dirty="0" smtClean="0"/>
-              <a:t>Resource Owner </a:t>
-            </a:r>
-            <a:r>
-              <a:rPr lang="en-US" dirty="0" smtClean="0"/>
-              <a:t>control</a:t>
-            </a:r>
-          </a:p>
-          <a:p>
-            <a:pPr lvl="1"/>
-            <a:r>
-              <a:rPr lang="en-US" dirty="0" smtClean="0"/>
-              <a:t>Gives the application owner control: </a:t>
-            </a:r>
-            <a:br>
-              <a:rPr lang="en-US" dirty="0" smtClean="0"/>
-            </a:br>
-            <a:r>
-              <a:rPr lang="en-US" i="1" dirty="0" smtClean="0"/>
-              <a:t>Resource Server </a:t>
-            </a:r>
-            <a:r>
-              <a:rPr lang="en-US" dirty="0" smtClean="0"/>
-              <a:t>serves the API</a:t>
-            </a:r>
-            <a:br>
-              <a:rPr lang="en-US" dirty="0" smtClean="0"/>
-            </a:br>
-            <a:r>
-              <a:rPr lang="en-US" i="1" dirty="0" smtClean="0"/>
-              <a:t>Authorization Server </a:t>
-            </a:r>
-            <a:r>
-              <a:rPr lang="en-US" dirty="0" smtClean="0"/>
-              <a:t>serves the key</a:t>
-            </a:r>
-          </a:p>
-          <a:p>
-            <a:pPr lvl="1"/>
-            <a:r>
-              <a:rPr lang="en-US" dirty="0" smtClean="0"/>
-              <a:t>You are the </a:t>
-            </a:r>
-            <a:r>
-              <a:rPr lang="en-US" i="1" dirty="0" smtClean="0"/>
-              <a:t>Client</a:t>
-            </a:r>
-            <a:endParaRPr lang="en-US" dirty="0" smtClean="0"/>
-          </a:p>
-          <a:p>
-            <a:pPr lvl="1"/>
-            <a:endParaRPr lang="en-US" dirty="0" smtClean="0"/>
+              <a:t>Once:</a:t>
+            </a:r>
           </a:p>
           <a:p>
             <a:pPr marL="0" indent="0">
               <a:buNone/>
             </a:pPr>
+            <a:endParaRPr lang="en-US" dirty="0"/>
+          </a:p>
+          <a:p>
+            <a:pPr marL="0" indent="0">
+              <a:buNone/>
+            </a:pPr>
+            <a:endParaRPr lang="en-US" dirty="0" smtClean="0"/>
+          </a:p>
+          <a:p>
+            <a:pPr marL="0" indent="0">
+              <a:buNone/>
+            </a:pPr>
+            <a:r>
+              <a:rPr lang="en-US" dirty="0" smtClean="0"/>
+              <a:t>Every URL: includes the key</a:t>
+            </a:r>
             <a:endParaRPr lang="en-US" dirty="0"/>
           </a:p>
         </p:txBody>
@@ -22607,7 +22708,7 @@
           <a:p>
             <a:fld id="{7053BEFA-1175-F644-B249-7D41D72BD3FF}" type="datetime1">
               <a:rPr lang="en-US" smtClean="0"/>
-              <a:t>1/20/15</a:t>
+              <a:t>2/2/15</a:t>
             </a:fld>
             <a:endParaRPr lang="en-US"/>
           </a:p>
@@ -22655,10 +22756,74 @@
           </a:p>
         </p:txBody>
       </p:sp>
+      <p:graphicFrame>
+        <p:nvGraphicFramePr>
+          <p:cNvPr id="7" name="Diagram 6"/>
+          <p:cNvGraphicFramePr/>
+          <p:nvPr>
+            <p:extLst>
+              <p:ext uri="{D42A27DB-BD31-4B8C-83A1-F6EECF244321}">
+                <p14:modId xmlns:p14="http://schemas.microsoft.com/office/powerpoint/2010/main" val="2377292457"/>
+              </p:ext>
+            </p:extLst>
+          </p:nvPr>
+        </p:nvGraphicFramePr>
+        <p:xfrm>
+          <a:off x="357902" y="2978464"/>
+          <a:ext cx="8312471" cy="5314401"/>
+        </p:xfrm>
+        <a:graphic>
+          <a:graphicData uri="http://schemas.openxmlformats.org/drawingml/2006/diagram">
+            <dgm:relIds xmlns:dgm="http://schemas.openxmlformats.org/drawingml/2006/diagram" xmlns:r="http://schemas.openxmlformats.org/officeDocument/2006/relationships" r:dm="rId3" r:lo="rId4" r:qs="rId5" r:cs="rId6"/>
+          </a:graphicData>
+        </a:graphic>
+      </p:graphicFrame>
+      <p:sp>
+        <p:nvSpPr>
+          <p:cNvPr id="8" name="Rounded Rectangle 7"/>
+          <p:cNvSpPr/>
+          <p:nvPr/>
+        </p:nvSpPr>
+        <p:spPr>
+          <a:xfrm>
+            <a:off x="2389902" y="2978464"/>
+            <a:ext cx="1521698" cy="1143000"/>
+          </a:xfrm>
+          <a:prstGeom prst="roundRect">
+            <a:avLst/>
+          </a:prstGeom>
+        </p:spPr>
+        <p:style>
+          <a:lnRef idx="3">
+            <a:schemeClr val="lt1"/>
+          </a:lnRef>
+          <a:fillRef idx="1">
+            <a:schemeClr val="accent1"/>
+          </a:fillRef>
+          <a:effectRef idx="1">
+            <a:schemeClr val="accent1"/>
+          </a:effectRef>
+          <a:fontRef idx="minor">
+            <a:schemeClr val="lt1"/>
+          </a:fontRef>
+        </p:style>
+        <p:txBody>
+          <a:bodyPr rtlCol="0" anchor="ctr"/>
+          <a:lstStyle/>
+          <a:p>
+            <a:pPr algn="ctr"/>
+            <a:r>
+              <a:rPr lang="en-US" dirty="0" smtClean="0"/>
+              <a:t>Manually Register for Key</a:t>
+            </a:r>
+            <a:endParaRPr lang="en-US" dirty="0"/>
+          </a:p>
+        </p:txBody>
+      </p:sp>
     </p:spTree>
     <p:extLst>
       <p:ext uri="{BB962C8B-B14F-4D97-AF65-F5344CB8AC3E}">
-        <p14:creationId xmlns:p14="http://schemas.microsoft.com/office/powerpoint/2010/main" val="402133712"/>
+        <p14:creationId xmlns:p14="http://schemas.microsoft.com/office/powerpoint/2010/main" val="3787495878"/>
       </p:ext>
     </p:extLst>
   </p:cSld>

--- a/Lectures/4 Practical Access to Data.pptx
+++ b/Lectures/4 Practical Access to Data.pptx
@@ -5,31 +5,32 @@
     <p:sldMasterId id="2147483648" r:id="rId1"/>
   </p:sldMasterIdLst>
   <p:notesMasterIdLst>
-    <p:notesMasterId r:id="rId21"/>
+    <p:notesMasterId r:id="rId22"/>
   </p:notesMasterIdLst>
   <p:handoutMasterIdLst>
-    <p:handoutMasterId r:id="rId22"/>
+    <p:handoutMasterId r:id="rId23"/>
   </p:handoutMasterIdLst>
   <p:sldIdLst>
     <p:sldId id="256" r:id="rId2"/>
-    <p:sldId id="498" r:id="rId3"/>
-    <p:sldId id="499" r:id="rId4"/>
-    <p:sldId id="500" r:id="rId5"/>
-    <p:sldId id="515" r:id="rId6"/>
-    <p:sldId id="501" r:id="rId7"/>
-    <p:sldId id="502" r:id="rId8"/>
-    <p:sldId id="503" r:id="rId9"/>
-    <p:sldId id="504" r:id="rId10"/>
-    <p:sldId id="505" r:id="rId11"/>
-    <p:sldId id="506" r:id="rId12"/>
-    <p:sldId id="507" r:id="rId13"/>
-    <p:sldId id="508" r:id="rId14"/>
-    <p:sldId id="509" r:id="rId15"/>
-    <p:sldId id="510" r:id="rId16"/>
-    <p:sldId id="511" r:id="rId17"/>
-    <p:sldId id="512" r:id="rId18"/>
-    <p:sldId id="513" r:id="rId19"/>
-    <p:sldId id="514" r:id="rId20"/>
+    <p:sldId id="516" r:id="rId3"/>
+    <p:sldId id="498" r:id="rId4"/>
+    <p:sldId id="499" r:id="rId5"/>
+    <p:sldId id="500" r:id="rId6"/>
+    <p:sldId id="515" r:id="rId7"/>
+    <p:sldId id="501" r:id="rId8"/>
+    <p:sldId id="502" r:id="rId9"/>
+    <p:sldId id="503" r:id="rId10"/>
+    <p:sldId id="504" r:id="rId11"/>
+    <p:sldId id="505" r:id="rId12"/>
+    <p:sldId id="506" r:id="rId13"/>
+    <p:sldId id="507" r:id="rId14"/>
+    <p:sldId id="508" r:id="rId15"/>
+    <p:sldId id="509" r:id="rId16"/>
+    <p:sldId id="510" r:id="rId17"/>
+    <p:sldId id="511" r:id="rId18"/>
+    <p:sldId id="512" r:id="rId19"/>
+    <p:sldId id="513" r:id="rId20"/>
+    <p:sldId id="514" r:id="rId21"/>
   </p:sldIdLst>
   <p:sldSz cx="9144000" cy="6858000" type="screen4x3"/>
   <p:notesSz cx="6858000" cy="9144000"/>
@@ -8709,7 +8710,7 @@
           <a:p>
             <a:fld id="{D3AAB66F-B1B7-D045-B4E8-4F60236F228D}" type="datetimeFigureOut">
               <a:rPr lang="en-US" smtClean="0"/>
-              <a:t>2/2/15</a:t>
+              <a:t>2/14/15</a:t>
             </a:fld>
             <a:endParaRPr lang="en-US"/>
           </a:p>
@@ -8875,7 +8876,7 @@
           <a:p>
             <a:fld id="{BCCF8E76-06A6-164E-A6FA-EC32C13EB232}" type="datetimeFigureOut">
               <a:rPr lang="en-US" smtClean="0"/>
-              <a:t>2/2/15</a:t>
+              <a:t>2/14/15</a:t>
             </a:fld>
             <a:endParaRPr lang="en-US"/>
           </a:p>
@@ -9225,7 +9226,7 @@
           <a:p>
             <a:fld id="{FD66F34B-9C4D-8640-BB34-4C24A79C9FFB}" type="slidenum">
               <a:rPr lang="en-US" smtClean="0"/>
-              <a:t>4</a:t>
+              <a:t>5</a:t>
             </a:fld>
             <a:endParaRPr lang="en-US"/>
           </a:p>
@@ -9309,7 +9310,7 @@
           <a:p>
             <a:fld id="{FD66F34B-9C4D-8640-BB34-4C24A79C9FFB}" type="slidenum">
               <a:rPr lang="en-US" smtClean="0"/>
-              <a:t>16</a:t>
+              <a:t>17</a:t>
             </a:fld>
             <a:endParaRPr lang="en-US"/>
           </a:p>
@@ -9397,7 +9398,7 @@
           <a:p>
             <a:fld id="{FD66F34B-9C4D-8640-BB34-4C24A79C9FFB}" type="slidenum">
               <a:rPr lang="en-US" smtClean="0"/>
-              <a:t>17</a:t>
+              <a:t>18</a:t>
             </a:fld>
             <a:endParaRPr lang="en-US"/>
           </a:p>
@@ -9501,7 +9502,7 @@
           <a:p>
             <a:fld id="{FD66F34B-9C4D-8640-BB34-4C24A79C9FFB}" type="slidenum">
               <a:rPr lang="en-US" smtClean="0"/>
-              <a:t>18</a:t>
+              <a:t>19</a:t>
             </a:fld>
             <a:endParaRPr lang="en-US"/>
           </a:p>
@@ -9585,7 +9586,7 @@
           <a:p>
             <a:fld id="{FD66F34B-9C4D-8640-BB34-4C24A79C9FFB}" type="slidenum">
               <a:rPr lang="en-US" smtClean="0"/>
-              <a:t>7</a:t>
+              <a:t>8</a:t>
             </a:fld>
             <a:endParaRPr lang="en-US"/>
           </a:p>
@@ -9669,7 +9670,7 @@
           <a:p>
             <a:fld id="{FD66F34B-9C4D-8640-BB34-4C24A79C9FFB}" type="slidenum">
               <a:rPr lang="en-US" smtClean="0"/>
-              <a:t>8</a:t>
+              <a:t>9</a:t>
             </a:fld>
             <a:endParaRPr lang="en-US"/>
           </a:p>
@@ -9757,7 +9758,7 @@
           <a:p>
             <a:fld id="{FD66F34B-9C4D-8640-BB34-4C24A79C9FFB}" type="slidenum">
               <a:rPr lang="en-US" smtClean="0"/>
-              <a:t>9</a:t>
+              <a:t>10</a:t>
             </a:fld>
             <a:endParaRPr lang="en-US"/>
           </a:p>
@@ -9841,7 +9842,7 @@
           <a:p>
             <a:fld id="{FD66F34B-9C4D-8640-BB34-4C24A79C9FFB}" type="slidenum">
               <a:rPr lang="en-US" smtClean="0"/>
-              <a:t>10</a:t>
+              <a:t>11</a:t>
             </a:fld>
             <a:endParaRPr lang="en-US"/>
           </a:p>
@@ -9925,7 +9926,7 @@
           <a:p>
             <a:fld id="{FD66F34B-9C4D-8640-BB34-4C24A79C9FFB}" type="slidenum">
               <a:rPr lang="en-US" smtClean="0"/>
-              <a:t>11</a:t>
+              <a:t>12</a:t>
             </a:fld>
             <a:endParaRPr lang="en-US"/>
           </a:p>
@@ -10009,7 +10010,7 @@
           <a:p>
             <a:fld id="{FD66F34B-9C4D-8640-BB34-4C24A79C9FFB}" type="slidenum">
               <a:rPr lang="en-US" smtClean="0"/>
-              <a:t>12</a:t>
+              <a:t>13</a:t>
             </a:fld>
             <a:endParaRPr lang="en-US"/>
           </a:p>
@@ -10093,7 +10094,7 @@
           <a:p>
             <a:fld id="{FD66F34B-9C4D-8640-BB34-4C24A79C9FFB}" type="slidenum">
               <a:rPr lang="en-US" smtClean="0"/>
-              <a:t>13</a:t>
+              <a:t>14</a:t>
             </a:fld>
             <a:endParaRPr lang="en-US"/>
           </a:p>
@@ -10177,7 +10178,7 @@
           <a:p>
             <a:fld id="{FD66F34B-9C4D-8640-BB34-4C24A79C9FFB}" type="slidenum">
               <a:rPr lang="en-US" smtClean="0"/>
-              <a:t>15</a:t>
+              <a:t>16</a:t>
             </a:fld>
             <a:endParaRPr lang="en-US"/>
           </a:p>
@@ -10713,7 +10714,7 @@
             <a:fld id="{FA3C144B-2939-9A49-B014-915EC3E81866}" type="datetime1">
               <a:rPr lang="en-US" smtClean="0"/>
               <a:pPr/>
-              <a:t>2/2/15</a:t>
+              <a:t>2/14/15</a:t>
             </a:fld>
             <a:endParaRPr lang="en-US" dirty="0"/>
           </a:p>
@@ -11142,7 +11143,7 @@
           <a:p>
             <a:fld id="{76838339-A875-5E45-AB3F-AAABD270346A}" type="datetime1">
               <a:rPr lang="en-US" smtClean="0"/>
-              <a:t>2/2/15</a:t>
+              <a:t>2/14/15</a:t>
             </a:fld>
             <a:endParaRPr lang="en-US"/>
           </a:p>
@@ -11428,7 +11429,7 @@
             <a:fld id="{FA3C144B-2939-9A49-B014-915EC3E81866}" type="datetime1">
               <a:rPr lang="en-US" smtClean="0"/>
               <a:pPr/>
-              <a:t>2/2/15</a:t>
+              <a:t>2/14/15</a:t>
             </a:fld>
             <a:endParaRPr lang="en-US" dirty="0"/>
           </a:p>
@@ -11910,7 +11911,7 @@
           <a:p>
             <a:fld id="{A73F672F-A5FB-5745-934A-1BF51CA5539C}" type="datetime1">
               <a:rPr lang="en-US" smtClean="0"/>
-              <a:t>2/2/15</a:t>
+              <a:t>2/14/15</a:t>
             </a:fld>
             <a:endParaRPr lang="en-US"/>
           </a:p>
@@ -12252,7 +12253,7 @@
             <a:fld id="{FA3C144B-2939-9A49-B014-915EC3E81866}" type="datetime1">
               <a:rPr lang="en-US" smtClean="0"/>
               <a:pPr/>
-              <a:t>2/2/15</a:t>
+              <a:t>2/14/15</a:t>
             </a:fld>
             <a:endParaRPr lang="en-US" dirty="0"/>
           </a:p>
@@ -12716,7 +12717,7 @@
           <a:p>
             <a:fld id="{6AFE6A63-5EBE-3E48-B0AE-DF655A1ECE76}" type="datetime1">
               <a:rPr lang="en-US" smtClean="0"/>
-              <a:t>2/2/15</a:t>
+              <a:t>2/14/15</a:t>
             </a:fld>
             <a:endParaRPr lang="en-US"/>
           </a:p>
@@ -13035,7 +13036,7 @@
           <a:p>
             <a:fld id="{4A019F0C-9D18-B54A-9AC9-18AA74EDB034}" type="datetime1">
               <a:rPr lang="en-US" smtClean="0"/>
-              <a:t>2/2/15</a:t>
+              <a:t>2/14/15</a:t>
             </a:fld>
             <a:endParaRPr lang="en-US"/>
           </a:p>
@@ -13345,7 +13346,7 @@
             <a:fld id="{FA3C144B-2939-9A49-B014-915EC3E81866}" type="datetime1">
               <a:rPr lang="en-US" smtClean="0"/>
               <a:pPr/>
-              <a:t>2/2/15</a:t>
+              <a:t>2/14/15</a:t>
             </a:fld>
             <a:endParaRPr lang="en-US" dirty="0"/>
           </a:p>
@@ -13608,7 +13609,7 @@
           <a:p>
             <a:fld id="{FA3C144B-2939-9A49-B014-915EC3E81866}" type="datetime1">
               <a:rPr lang="en-US" smtClean="0"/>
-              <a:t>2/2/15</a:t>
+              <a:t>2/14/15</a:t>
             </a:fld>
             <a:endParaRPr lang="en-US" dirty="0"/>
           </a:p>
@@ -13976,7 +13977,7 @@
           <a:p>
             <a:fld id="{7053BEFA-1175-F644-B249-7D41D72BD3FF}" type="datetime1">
               <a:rPr lang="en-US" smtClean="0"/>
-              <a:t>2/2/15</a:t>
+              <a:t>2/14/15</a:t>
             </a:fld>
             <a:endParaRPr lang="en-US"/>
           </a:p>
@@ -14095,7 +14096,7 @@
             <a:fld id="{FA3C144B-2939-9A49-B014-915EC3E81866}" type="datetime1">
               <a:rPr lang="en-US" smtClean="0"/>
               <a:pPr/>
-              <a:t>2/2/15</a:t>
+              <a:t>2/14/15</a:t>
             </a:fld>
             <a:endParaRPr lang="en-US" dirty="0"/>
           </a:p>
@@ -14312,7 +14313,7 @@
             <a:fld id="{FA3C144B-2939-9A49-B014-915EC3E81866}" type="datetime1">
               <a:rPr lang="en-US" smtClean="0"/>
               <a:pPr/>
-              <a:t>2/2/15</a:t>
+              <a:t>2/14/15</a:t>
             </a:fld>
             <a:endParaRPr lang="en-US" dirty="0"/>
           </a:p>
@@ -14557,7 +14558,7 @@
             <a:fld id="{FA3C144B-2939-9A49-B014-915EC3E81866}" type="datetime1">
               <a:rPr lang="en-US" smtClean="0"/>
               <a:pPr/>
-              <a:t>2/2/15</a:t>
+              <a:t>2/14/15</a:t>
             </a:fld>
             <a:endParaRPr lang="en-US" dirty="0"/>
           </a:p>
@@ -14935,7 +14936,7 @@
           <a:p>
             <a:fld id="{111EEF3B-ABF2-AA4E-9E24-0C6256942674}" type="datetime1">
               <a:rPr lang="en-US" smtClean="0"/>
-              <a:t>2/2/15</a:t>
+              <a:t>2/14/15</a:t>
             </a:fld>
             <a:endParaRPr lang="en-US"/>
           </a:p>
@@ -15099,7 +15100,7 @@
             <a:fld id="{FA3C144B-2939-9A49-B014-915EC3E81866}" type="datetime1">
               <a:rPr lang="en-US" smtClean="0"/>
               <a:pPr/>
-              <a:t>2/2/15</a:t>
+              <a:t>2/14/15</a:t>
             </a:fld>
             <a:endParaRPr lang="en-US" dirty="0"/>
           </a:p>
@@ -15516,7 +15517,7 @@
             <a:fld id="{FA3C144B-2939-9A49-B014-915EC3E81866}" type="datetime1">
               <a:rPr lang="en-US" smtClean="0"/>
               <a:pPr/>
-              <a:t>2/2/15</a:t>
+              <a:t>2/14/15</a:t>
             </a:fld>
             <a:endParaRPr lang="en-US" dirty="0"/>
           </a:p>
@@ -15832,7 +15833,7 @@
             <a:fld id="{FA3C144B-2939-9A49-B014-915EC3E81866}" type="datetime1">
               <a:rPr lang="en-US" smtClean="0"/>
               <a:pPr/>
-              <a:t>2/2/15</a:t>
+              <a:t>2/14/15</a:t>
             </a:fld>
             <a:endParaRPr lang="en-US" dirty="0"/>
           </a:p>
@@ -16498,7 +16499,7 @@
             <a:fld id="{FA3C144B-2939-9A49-B014-915EC3E81866}" type="datetime1">
               <a:rPr lang="en-US" smtClean="0"/>
               <a:pPr/>
-              <a:t>2/2/15</a:t>
+              <a:t>2/14/15</a:t>
             </a:fld>
             <a:endParaRPr lang="en-US" dirty="0"/>
           </a:p>
@@ -17621,7 +17622,7 @@
             </a:pPr>
             <a:r>
               <a:rPr lang="en-US" dirty="0" smtClean="0"/>
-              <a:t>You have an API key</a:t>
+              <a:t>You have an API key (how do you get it?)</a:t>
             </a:r>
           </a:p>
           <a:p>
@@ -17630,81 +17631,29 @@
             </a:pPr>
             <a:r>
               <a:rPr lang="en-US" dirty="0" smtClean="0"/>
-              <a:t>You use </a:t>
-            </a:r>
-            <a:r>
-              <a:rPr lang="en-US" dirty="0" err="1" smtClean="0"/>
-              <a:t>OAuth</a:t>
-            </a:r>
-            <a:r>
-              <a:rPr lang="en-US" dirty="0" smtClean="0"/>
-              <a:t> 2.0</a:t>
-            </a:r>
-          </a:p>
-          <a:p>
-            <a:pPr lvl="1"/>
-            <a:r>
-              <a:rPr lang="en-US" dirty="0" smtClean="0"/>
-              <a:t>Gives the </a:t>
-            </a:r>
-            <a:r>
-              <a:rPr lang="en-US" i="1" dirty="0" smtClean="0"/>
-              <a:t>Resource Owner </a:t>
-            </a:r>
-            <a:r>
-              <a:rPr lang="en-US" dirty="0" smtClean="0"/>
-              <a:t>control</a:t>
-            </a:r>
-          </a:p>
-          <a:p>
-            <a:pPr lvl="1"/>
-            <a:r>
-              <a:rPr lang="en-US" dirty="0" smtClean="0"/>
-              <a:t>Gives the application owner control: </a:t>
-            </a:r>
-            <a:br>
-              <a:rPr lang="en-US" dirty="0" smtClean="0"/>
-            </a:br>
-            <a:r>
-              <a:rPr lang="en-US" i="1" dirty="0" smtClean="0"/>
-              <a:t>Resource Server </a:t>
-            </a:r>
-            <a:r>
-              <a:rPr lang="en-US" dirty="0" smtClean="0"/>
-              <a:t>serves the API</a:t>
-            </a:r>
-            <a:br>
-              <a:rPr lang="en-US" dirty="0" smtClean="0"/>
-            </a:br>
-            <a:r>
-              <a:rPr lang="en-US" i="1" dirty="0" smtClean="0"/>
-              <a:t>Authorization Server </a:t>
-            </a:r>
-            <a:r>
-              <a:rPr lang="en-US" dirty="0" smtClean="0"/>
-              <a:t>serves the key</a:t>
-            </a:r>
-          </a:p>
-          <a:p>
-            <a:pPr lvl="1"/>
-            <a:r>
-              <a:rPr lang="en-US" dirty="0" smtClean="0"/>
-              <a:t>You are the </a:t>
-            </a:r>
-            <a:r>
-              <a:rPr lang="en-US" i="1" dirty="0" smtClean="0"/>
-              <a:t>Client</a:t>
-            </a:r>
-            <a:endParaRPr lang="en-US" dirty="0" smtClean="0"/>
-          </a:p>
-          <a:p>
-            <a:pPr lvl="1"/>
-            <a:endParaRPr lang="en-US" dirty="0" smtClean="0"/>
+              <a:t>Once:</a:t>
+            </a:r>
           </a:p>
           <a:p>
             <a:pPr marL="0" indent="0">
               <a:buNone/>
             </a:pPr>
+            <a:endParaRPr lang="en-US" dirty="0"/>
+          </a:p>
+          <a:p>
+            <a:pPr marL="0" indent="0">
+              <a:buNone/>
+            </a:pPr>
+            <a:endParaRPr lang="en-US" dirty="0" smtClean="0"/>
+          </a:p>
+          <a:p>
+            <a:pPr marL="0" indent="0">
+              <a:buNone/>
+            </a:pPr>
+            <a:r>
+              <a:rPr lang="en-US" dirty="0" smtClean="0"/>
+              <a:t>Every URL: includes the key</a:t>
+            </a:r>
             <a:endParaRPr lang="en-US" dirty="0"/>
           </a:p>
         </p:txBody>
@@ -17726,7 +17675,7 @@
           <a:p>
             <a:fld id="{7053BEFA-1175-F644-B249-7D41D72BD3FF}" type="datetime1">
               <a:rPr lang="en-US" smtClean="0"/>
-              <a:t>2/2/15</a:t>
+              <a:t>2/14/15</a:t>
             </a:fld>
             <a:endParaRPr lang="en-US"/>
           </a:p>
@@ -17774,10 +17723,74 @@
           </a:p>
         </p:txBody>
       </p:sp>
+      <p:graphicFrame>
+        <p:nvGraphicFramePr>
+          <p:cNvPr id="7" name="Diagram 6"/>
+          <p:cNvGraphicFramePr/>
+          <p:nvPr>
+            <p:extLst>
+              <p:ext uri="{D42A27DB-BD31-4B8C-83A1-F6EECF244321}">
+                <p14:modId xmlns:p14="http://schemas.microsoft.com/office/powerpoint/2010/main" val="2377292457"/>
+              </p:ext>
+            </p:extLst>
+          </p:nvPr>
+        </p:nvGraphicFramePr>
+        <p:xfrm>
+          <a:off x="357902" y="2978464"/>
+          <a:ext cx="8312471" cy="5314401"/>
+        </p:xfrm>
+        <a:graphic>
+          <a:graphicData uri="http://schemas.openxmlformats.org/drawingml/2006/diagram">
+            <dgm:relIds xmlns:dgm="http://schemas.openxmlformats.org/drawingml/2006/diagram" xmlns:r="http://schemas.openxmlformats.org/officeDocument/2006/relationships" r:dm="rId3" r:lo="rId4" r:qs="rId5" r:cs="rId6"/>
+          </a:graphicData>
+        </a:graphic>
+      </p:graphicFrame>
+      <p:sp>
+        <p:nvSpPr>
+          <p:cNvPr id="8" name="Rounded Rectangle 7"/>
+          <p:cNvSpPr/>
+          <p:nvPr/>
+        </p:nvSpPr>
+        <p:spPr>
+          <a:xfrm>
+            <a:off x="2389902" y="2978464"/>
+            <a:ext cx="1521698" cy="1143000"/>
+          </a:xfrm>
+          <a:prstGeom prst="roundRect">
+            <a:avLst/>
+          </a:prstGeom>
+        </p:spPr>
+        <p:style>
+          <a:lnRef idx="3">
+            <a:schemeClr val="lt1"/>
+          </a:lnRef>
+          <a:fillRef idx="1">
+            <a:schemeClr val="accent1"/>
+          </a:fillRef>
+          <a:effectRef idx="1">
+            <a:schemeClr val="accent1"/>
+          </a:effectRef>
+          <a:fontRef idx="minor">
+            <a:schemeClr val="lt1"/>
+          </a:fontRef>
+        </p:style>
+        <p:txBody>
+          <a:bodyPr rtlCol="0" anchor="ctr"/>
+          <a:lstStyle/>
+          <a:p>
+            <a:pPr algn="ctr"/>
+            <a:r>
+              <a:rPr lang="en-US" dirty="0" smtClean="0"/>
+              <a:t>Manually Register for Key</a:t>
+            </a:r>
+            <a:endParaRPr lang="en-US" dirty="0"/>
+          </a:p>
+        </p:txBody>
+      </p:sp>
     </p:spTree>
     <p:extLst>
       <p:ext uri="{BB962C8B-B14F-4D97-AF65-F5344CB8AC3E}">
-        <p14:creationId xmlns:p14="http://schemas.microsoft.com/office/powerpoint/2010/main" val="402133712"/>
+        <p14:creationId xmlns:p14="http://schemas.microsoft.com/office/powerpoint/2010/main" val="3787495878"/>
       </p:ext>
     </p:extLst>
   </p:cSld>
@@ -17828,7 +17841,51 @@
           <a:p>
             <a:r>
               <a:rPr lang="en-US" dirty="0" smtClean="0"/>
-              <a:t>Typical </a:t>
+              <a:t>Why should the server trust you?</a:t>
+            </a:r>
+            <a:endParaRPr lang="en-US" dirty="0"/>
+          </a:p>
+        </p:txBody>
+      </p:sp>
+      <p:sp>
+        <p:nvSpPr>
+          <p:cNvPr id="3" name="Content Placeholder 2"/>
+          <p:cNvSpPr>
+            <a:spLocks noGrp="1"/>
+          </p:cNvSpPr>
+          <p:nvPr>
+            <p:ph idx="1"/>
+          </p:nvPr>
+        </p:nvSpPr>
+        <p:spPr/>
+        <p:txBody>
+          <a:bodyPr/>
+          <a:lstStyle/>
+          <a:p>
+            <a:pPr marL="0" indent="0">
+              <a:buNone/>
+            </a:pPr>
+            <a:r>
+              <a:rPr lang="en-US" dirty="0" smtClean="0"/>
+              <a:t>You have the user’s password (should you?)</a:t>
+            </a:r>
+          </a:p>
+          <a:p>
+            <a:pPr marL="0" indent="0">
+              <a:buNone/>
+            </a:pPr>
+            <a:r>
+              <a:rPr lang="en-US" dirty="0" smtClean="0"/>
+              <a:t>You have an API key</a:t>
+            </a:r>
+          </a:p>
+          <a:p>
+            <a:pPr marL="0" indent="0">
+              <a:buNone/>
+            </a:pPr>
+            <a:r>
+              <a:rPr lang="en-US" dirty="0" smtClean="0"/>
+              <a:t>You use </a:t>
             </a:r>
             <a:r>
               <a:rPr lang="en-US" dirty="0" err="1" smtClean="0"/>
@@ -17836,8 +17893,73 @@
             </a:r>
             <a:r>
               <a:rPr lang="en-US" dirty="0" smtClean="0"/>
-              <a:t> 2.0 Flow</a:t>
-            </a:r>
+              <a:t> 2.0</a:t>
+            </a:r>
+          </a:p>
+          <a:p>
+            <a:pPr lvl="1"/>
+            <a:r>
+              <a:rPr lang="en-US" dirty="0" smtClean="0"/>
+              <a:t>Gives the </a:t>
+            </a:r>
+            <a:r>
+              <a:rPr lang="en-US" i="1" dirty="0" smtClean="0"/>
+              <a:t>Resource Owner </a:t>
+            </a:r>
+            <a:r>
+              <a:rPr lang="en-US" dirty="0" smtClean="0"/>
+              <a:t>control</a:t>
+            </a:r>
+          </a:p>
+          <a:p>
+            <a:pPr lvl="1"/>
+            <a:r>
+              <a:rPr lang="en-US" dirty="0" smtClean="0"/>
+              <a:t>Gives the application owner control: </a:t>
+            </a:r>
+            <a:br>
+              <a:rPr lang="en-US" dirty="0" smtClean="0"/>
+            </a:br>
+            <a:r>
+              <a:rPr lang="en-US" i="1" dirty="0" smtClean="0"/>
+              <a:t>Resource Server </a:t>
+            </a:r>
+            <a:r>
+              <a:rPr lang="en-US" dirty="0" smtClean="0"/>
+              <a:t>serves the API</a:t>
+            </a:r>
+            <a:br>
+              <a:rPr lang="en-US" dirty="0" smtClean="0"/>
+            </a:br>
+            <a:r>
+              <a:rPr lang="en-US" i="1" dirty="0" smtClean="0"/>
+              <a:t>Authorization Server </a:t>
+            </a:r>
+            <a:r>
+              <a:rPr lang="en-US" dirty="0" smtClean="0"/>
+              <a:t>serves the key</a:t>
+            </a:r>
+          </a:p>
+          <a:p>
+            <a:pPr lvl="1"/>
+            <a:r>
+              <a:rPr lang="en-US" dirty="0" smtClean="0"/>
+              <a:t>You are the </a:t>
+            </a:r>
+            <a:r>
+              <a:rPr lang="en-US" i="1" dirty="0" smtClean="0"/>
+              <a:t>Client</a:t>
+            </a:r>
+            <a:endParaRPr lang="en-US" dirty="0" smtClean="0"/>
+          </a:p>
+          <a:p>
+            <a:pPr lvl="1"/>
+            <a:endParaRPr lang="en-US" dirty="0" smtClean="0"/>
+          </a:p>
+          <a:p>
+            <a:pPr marL="0" indent="0">
+              <a:buNone/>
+            </a:pPr>
             <a:endParaRPr lang="en-US" dirty="0"/>
           </a:p>
         </p:txBody>
@@ -17859,7 +17981,7 @@
           <a:p>
             <a:fld id="{7053BEFA-1175-F644-B249-7D41D72BD3FF}" type="datetime1">
               <a:rPr lang="en-US" smtClean="0"/>
-              <a:t>2/2/15</a:t>
+              <a:t>2/14/15</a:t>
             </a:fld>
             <a:endParaRPr lang="en-US"/>
           </a:p>
@@ -17907,267 +18029,10 @@
           </a:p>
         </p:txBody>
       </p:sp>
-      <p:sp>
-        <p:nvSpPr>
-          <p:cNvPr id="9" name="TextBox 8"/>
-          <p:cNvSpPr txBox="1"/>
-          <p:nvPr/>
-        </p:nvSpPr>
-        <p:spPr>
-          <a:xfrm>
-            <a:off x="304800" y="1422400"/>
-            <a:ext cx="184666" cy="461665"/>
-          </a:xfrm>
-          <a:prstGeom prst="rect">
-            <a:avLst/>
-          </a:prstGeom>
-          <a:solidFill>
-            <a:srgbClr val="FFFFFF"/>
-          </a:solidFill>
-        </p:spPr>
-        <p:txBody>
-          <a:bodyPr wrap="none" rtlCol="0">
-            <a:spAutoFit/>
-          </a:bodyPr>
-          <a:lstStyle/>
-          <a:p>
-            <a:endParaRPr lang="en-US" sz="2400" dirty="0"/>
-          </a:p>
-        </p:txBody>
-      </p:sp>
-      <p:sp>
-        <p:nvSpPr>
-          <p:cNvPr id="10" name="Rectangle 9"/>
-          <p:cNvSpPr/>
-          <p:nvPr/>
-        </p:nvSpPr>
-        <p:spPr>
-          <a:xfrm>
-            <a:off x="465996" y="4546600"/>
-            <a:ext cx="1900436" cy="1668659"/>
-          </a:xfrm>
-          <a:prstGeom prst="rect">
-            <a:avLst/>
-          </a:prstGeom>
-        </p:spPr>
-        <p:style>
-          <a:lnRef idx="2">
-            <a:schemeClr val="accent1">
-              <a:shade val="50000"/>
-            </a:schemeClr>
-          </a:lnRef>
-          <a:fillRef idx="1">
-            <a:schemeClr val="accent1"/>
-          </a:fillRef>
-          <a:effectRef idx="0">
-            <a:schemeClr val="accent1"/>
-          </a:effectRef>
-          <a:fontRef idx="minor">
-            <a:schemeClr val="lt1"/>
-          </a:fontRef>
-        </p:style>
-        <p:txBody>
-          <a:bodyPr rtlCol="0" anchor="ctr"/>
-          <a:lstStyle/>
-          <a:p>
-            <a:pPr algn="ctr"/>
-            <a:endParaRPr lang="en-US"/>
-          </a:p>
-        </p:txBody>
-      </p:sp>
-      <p:sp>
-        <p:nvSpPr>
-          <p:cNvPr id="13" name="TextBox 12"/>
-          <p:cNvSpPr txBox="1"/>
-          <p:nvPr/>
-        </p:nvSpPr>
-        <p:spPr>
-          <a:xfrm>
-            <a:off x="465996" y="4070663"/>
-            <a:ext cx="907971" cy="461665"/>
-          </a:xfrm>
-          <a:prstGeom prst="rect">
-            <a:avLst/>
-          </a:prstGeom>
-          <a:solidFill>
-            <a:srgbClr val="FFFFFF"/>
-          </a:solidFill>
-        </p:spPr>
-        <p:txBody>
-          <a:bodyPr wrap="none" rtlCol="0">
-            <a:spAutoFit/>
-          </a:bodyPr>
-          <a:lstStyle/>
-          <a:p>
-            <a:r>
-              <a:rPr lang="en-US" sz="2400" dirty="0" smtClean="0"/>
-              <a:t>Client</a:t>
-            </a:r>
-            <a:endParaRPr lang="en-US" sz="2400" dirty="0"/>
-          </a:p>
-        </p:txBody>
-      </p:sp>
-      <p:sp>
-        <p:nvSpPr>
-          <p:cNvPr id="16" name="Rounded Rectangle 15"/>
-          <p:cNvSpPr/>
-          <p:nvPr/>
-        </p:nvSpPr>
-        <p:spPr>
-          <a:xfrm>
-            <a:off x="1373967" y="1422400"/>
-            <a:ext cx="1521698" cy="1143000"/>
-          </a:xfrm>
-          <a:prstGeom prst="roundRect">
-            <a:avLst/>
-          </a:prstGeom>
-        </p:spPr>
-        <p:style>
-          <a:lnRef idx="3">
-            <a:schemeClr val="lt1"/>
-          </a:lnRef>
-          <a:fillRef idx="1">
-            <a:schemeClr val="accent1"/>
-          </a:fillRef>
-          <a:effectRef idx="1">
-            <a:schemeClr val="accent1"/>
-          </a:effectRef>
-          <a:fontRef idx="minor">
-            <a:schemeClr val="lt1"/>
-          </a:fontRef>
-        </p:style>
-        <p:txBody>
-          <a:bodyPr rtlCol="0" anchor="ctr"/>
-          <a:lstStyle/>
-          <a:p>
-            <a:pPr algn="ctr"/>
-            <a:r>
-              <a:rPr lang="en-US" dirty="0" smtClean="0"/>
-              <a:t>Manually Register Client</a:t>
-            </a:r>
-            <a:endParaRPr lang="en-US" dirty="0"/>
-          </a:p>
-        </p:txBody>
-      </p:sp>
-      <p:sp>
-        <p:nvSpPr>
-          <p:cNvPr id="17" name="TextBox 16"/>
-          <p:cNvSpPr txBox="1"/>
-          <p:nvPr/>
-        </p:nvSpPr>
-        <p:spPr>
-          <a:xfrm>
-            <a:off x="3175000" y="1468566"/>
-            <a:ext cx="1794482" cy="830997"/>
-          </a:xfrm>
-          <a:prstGeom prst="rect">
-            <a:avLst/>
-          </a:prstGeom>
-          <a:solidFill>
-            <a:srgbClr val="FFFFFF"/>
-          </a:solidFill>
-        </p:spPr>
-        <p:txBody>
-          <a:bodyPr wrap="none" rtlCol="0">
-            <a:spAutoFit/>
-          </a:bodyPr>
-          <a:lstStyle/>
-          <a:p>
-            <a:r>
-              <a:rPr lang="en-US" sz="2400" dirty="0" err="1" smtClean="0"/>
-              <a:t>client_id</a:t>
-            </a:r>
-            <a:endParaRPr lang="en-US" sz="2400" dirty="0" smtClean="0"/>
-          </a:p>
-          <a:p>
-            <a:r>
-              <a:rPr lang="en-US" sz="2400" dirty="0" err="1" smtClean="0"/>
-              <a:t>client_secret</a:t>
-            </a:r>
-            <a:endParaRPr lang="en-US" sz="2400" dirty="0"/>
-          </a:p>
-        </p:txBody>
-      </p:sp>
-      <p:sp>
-        <p:nvSpPr>
-          <p:cNvPr id="26" name="TextBox 25"/>
-          <p:cNvSpPr txBox="1"/>
-          <p:nvPr/>
-        </p:nvSpPr>
-        <p:spPr>
-          <a:xfrm>
-            <a:off x="4961796" y="4059535"/>
-            <a:ext cx="2122997" cy="461665"/>
-          </a:xfrm>
-          <a:prstGeom prst="rect">
-            <a:avLst/>
-          </a:prstGeom>
-          <a:solidFill>
-            <a:srgbClr val="FFFFFF"/>
-          </a:solidFill>
-        </p:spPr>
-        <p:txBody>
-          <a:bodyPr wrap="none" rtlCol="0">
-            <a:spAutoFit/>
-          </a:bodyPr>
-          <a:lstStyle/>
-          <a:p>
-            <a:r>
-              <a:rPr lang="en-US" sz="2400" dirty="0" err="1" smtClean="0"/>
-              <a:t>OAuth</a:t>
-            </a:r>
-            <a:r>
-              <a:rPr lang="en-US" sz="2400" dirty="0" smtClean="0"/>
-              <a:t> Provider</a:t>
-            </a:r>
-            <a:endParaRPr lang="en-US" sz="2400" dirty="0"/>
-          </a:p>
-        </p:txBody>
-      </p:sp>
-      <p:sp>
-        <p:nvSpPr>
-          <p:cNvPr id="27" name="Rectangle 26"/>
-          <p:cNvSpPr/>
-          <p:nvPr/>
-        </p:nvSpPr>
-        <p:spPr>
-          <a:xfrm>
-            <a:off x="4961796" y="4546600"/>
-            <a:ext cx="1900436" cy="1668659"/>
-          </a:xfrm>
-          <a:prstGeom prst="rect">
-            <a:avLst/>
-          </a:prstGeom>
-        </p:spPr>
-        <p:style>
-          <a:lnRef idx="2">
-            <a:schemeClr val="accent1">
-              <a:shade val="50000"/>
-            </a:schemeClr>
-          </a:lnRef>
-          <a:fillRef idx="1">
-            <a:schemeClr val="accent1"/>
-          </a:fillRef>
-          <a:effectRef idx="0">
-            <a:schemeClr val="accent1"/>
-          </a:effectRef>
-          <a:fontRef idx="minor">
-            <a:schemeClr val="lt1"/>
-          </a:fontRef>
-        </p:style>
-        <p:txBody>
-          <a:bodyPr rtlCol="0" anchor="ctr"/>
-          <a:lstStyle/>
-          <a:p>
-            <a:pPr algn="ctr"/>
-            <a:endParaRPr lang="en-US"/>
-          </a:p>
-        </p:txBody>
-      </p:sp>
     </p:spTree>
     <p:extLst>
       <p:ext uri="{BB962C8B-B14F-4D97-AF65-F5344CB8AC3E}">
-        <p14:creationId xmlns:p14="http://schemas.microsoft.com/office/powerpoint/2010/main" val="4204839477"/>
+        <p14:creationId xmlns:p14="http://schemas.microsoft.com/office/powerpoint/2010/main" val="402133712"/>
       </p:ext>
     </p:extLst>
   </p:cSld>
@@ -18203,6 +18068,396 @@
       </p:grpSpPr>
       <p:sp>
         <p:nvSpPr>
+          <p:cNvPr id="2" name="Title 1"/>
+          <p:cNvSpPr>
+            <a:spLocks noGrp="1"/>
+          </p:cNvSpPr>
+          <p:nvPr>
+            <p:ph type="title"/>
+          </p:nvPr>
+        </p:nvSpPr>
+        <p:spPr/>
+        <p:txBody>
+          <a:bodyPr/>
+          <a:lstStyle/>
+          <a:p>
+            <a:r>
+              <a:rPr lang="en-US" dirty="0" smtClean="0"/>
+              <a:t>Typical </a:t>
+            </a:r>
+            <a:r>
+              <a:rPr lang="en-US" dirty="0" err="1" smtClean="0"/>
+              <a:t>OAuth</a:t>
+            </a:r>
+            <a:r>
+              <a:rPr lang="en-US" dirty="0" smtClean="0"/>
+              <a:t> 2.0 Flow</a:t>
+            </a:r>
+            <a:endParaRPr lang="en-US" dirty="0"/>
+          </a:p>
+        </p:txBody>
+      </p:sp>
+      <p:sp>
+        <p:nvSpPr>
+          <p:cNvPr id="4" name="Date Placeholder 3"/>
+          <p:cNvSpPr>
+            <a:spLocks noGrp="1"/>
+          </p:cNvSpPr>
+          <p:nvPr>
+            <p:ph type="dt" sz="half" idx="10"/>
+          </p:nvPr>
+        </p:nvSpPr>
+        <p:spPr/>
+        <p:txBody>
+          <a:bodyPr/>
+          <a:lstStyle/>
+          <a:p>
+            <a:fld id="{7053BEFA-1175-F644-B249-7D41D72BD3FF}" type="datetime1">
+              <a:rPr lang="en-US" smtClean="0"/>
+              <a:t>2/14/15</a:t>
+            </a:fld>
+            <a:endParaRPr lang="en-US"/>
+          </a:p>
+        </p:txBody>
+      </p:sp>
+      <p:sp>
+        <p:nvSpPr>
+          <p:cNvPr id="5" name="Footer Placeholder 4"/>
+          <p:cNvSpPr>
+            <a:spLocks noGrp="1"/>
+          </p:cNvSpPr>
+          <p:nvPr>
+            <p:ph type="ftr" sz="quarter" idx="11"/>
+          </p:nvPr>
+        </p:nvSpPr>
+        <p:spPr/>
+        <p:txBody>
+          <a:bodyPr/>
+          <a:lstStyle/>
+          <a:p>
+            <a:endParaRPr lang="en-US" dirty="0"/>
+          </a:p>
+        </p:txBody>
+      </p:sp>
+      <p:sp>
+        <p:nvSpPr>
+          <p:cNvPr id="6" name="Slide Number Placeholder 5"/>
+          <p:cNvSpPr>
+            <a:spLocks noGrp="1"/>
+          </p:cNvSpPr>
+          <p:nvPr>
+            <p:ph type="sldNum" sz="quarter" idx="12"/>
+          </p:nvPr>
+        </p:nvSpPr>
+        <p:spPr/>
+        <p:txBody>
+          <a:bodyPr/>
+          <a:lstStyle/>
+          <a:p>
+            <a:fld id="{17E276FA-8F89-B34D-A726-BE3FA1F8DD97}" type="slidenum">
+              <a:rPr lang="en-US" smtClean="0"/>
+              <a:t>12</a:t>
+            </a:fld>
+            <a:endParaRPr lang="en-US" dirty="0"/>
+          </a:p>
+        </p:txBody>
+      </p:sp>
+      <p:sp>
+        <p:nvSpPr>
+          <p:cNvPr id="9" name="TextBox 8"/>
+          <p:cNvSpPr txBox="1"/>
+          <p:nvPr/>
+        </p:nvSpPr>
+        <p:spPr>
+          <a:xfrm>
+            <a:off x="304800" y="1422400"/>
+            <a:ext cx="184666" cy="461665"/>
+          </a:xfrm>
+          <a:prstGeom prst="rect">
+            <a:avLst/>
+          </a:prstGeom>
+          <a:solidFill>
+            <a:srgbClr val="FFFFFF"/>
+          </a:solidFill>
+        </p:spPr>
+        <p:txBody>
+          <a:bodyPr wrap="none" rtlCol="0">
+            <a:spAutoFit/>
+          </a:bodyPr>
+          <a:lstStyle/>
+          <a:p>
+            <a:endParaRPr lang="en-US" sz="2400" dirty="0"/>
+          </a:p>
+        </p:txBody>
+      </p:sp>
+      <p:sp>
+        <p:nvSpPr>
+          <p:cNvPr id="10" name="Rectangle 9"/>
+          <p:cNvSpPr/>
+          <p:nvPr/>
+        </p:nvSpPr>
+        <p:spPr>
+          <a:xfrm>
+            <a:off x="465996" y="4546600"/>
+            <a:ext cx="1900436" cy="1668659"/>
+          </a:xfrm>
+          <a:prstGeom prst="rect">
+            <a:avLst/>
+          </a:prstGeom>
+        </p:spPr>
+        <p:style>
+          <a:lnRef idx="2">
+            <a:schemeClr val="accent1">
+              <a:shade val="50000"/>
+            </a:schemeClr>
+          </a:lnRef>
+          <a:fillRef idx="1">
+            <a:schemeClr val="accent1"/>
+          </a:fillRef>
+          <a:effectRef idx="0">
+            <a:schemeClr val="accent1"/>
+          </a:effectRef>
+          <a:fontRef idx="minor">
+            <a:schemeClr val="lt1"/>
+          </a:fontRef>
+        </p:style>
+        <p:txBody>
+          <a:bodyPr rtlCol="0" anchor="ctr"/>
+          <a:lstStyle/>
+          <a:p>
+            <a:pPr algn="ctr"/>
+            <a:endParaRPr lang="en-US"/>
+          </a:p>
+        </p:txBody>
+      </p:sp>
+      <p:sp>
+        <p:nvSpPr>
+          <p:cNvPr id="13" name="TextBox 12"/>
+          <p:cNvSpPr txBox="1"/>
+          <p:nvPr/>
+        </p:nvSpPr>
+        <p:spPr>
+          <a:xfrm>
+            <a:off x="465996" y="4070663"/>
+            <a:ext cx="907971" cy="461665"/>
+          </a:xfrm>
+          <a:prstGeom prst="rect">
+            <a:avLst/>
+          </a:prstGeom>
+          <a:solidFill>
+            <a:srgbClr val="FFFFFF"/>
+          </a:solidFill>
+        </p:spPr>
+        <p:txBody>
+          <a:bodyPr wrap="none" rtlCol="0">
+            <a:spAutoFit/>
+          </a:bodyPr>
+          <a:lstStyle/>
+          <a:p>
+            <a:r>
+              <a:rPr lang="en-US" sz="2400" dirty="0" smtClean="0"/>
+              <a:t>Client</a:t>
+            </a:r>
+            <a:endParaRPr lang="en-US" sz="2400" dirty="0"/>
+          </a:p>
+        </p:txBody>
+      </p:sp>
+      <p:sp>
+        <p:nvSpPr>
+          <p:cNvPr id="16" name="Rounded Rectangle 15"/>
+          <p:cNvSpPr/>
+          <p:nvPr/>
+        </p:nvSpPr>
+        <p:spPr>
+          <a:xfrm>
+            <a:off x="1373967" y="1422400"/>
+            <a:ext cx="1521698" cy="1143000"/>
+          </a:xfrm>
+          <a:prstGeom prst="roundRect">
+            <a:avLst/>
+          </a:prstGeom>
+        </p:spPr>
+        <p:style>
+          <a:lnRef idx="3">
+            <a:schemeClr val="lt1"/>
+          </a:lnRef>
+          <a:fillRef idx="1">
+            <a:schemeClr val="accent1"/>
+          </a:fillRef>
+          <a:effectRef idx="1">
+            <a:schemeClr val="accent1"/>
+          </a:effectRef>
+          <a:fontRef idx="minor">
+            <a:schemeClr val="lt1"/>
+          </a:fontRef>
+        </p:style>
+        <p:txBody>
+          <a:bodyPr rtlCol="0" anchor="ctr"/>
+          <a:lstStyle/>
+          <a:p>
+            <a:pPr algn="ctr"/>
+            <a:r>
+              <a:rPr lang="en-US" dirty="0" smtClean="0"/>
+              <a:t>Manually Register Client</a:t>
+            </a:r>
+            <a:endParaRPr lang="en-US" dirty="0"/>
+          </a:p>
+        </p:txBody>
+      </p:sp>
+      <p:sp>
+        <p:nvSpPr>
+          <p:cNvPr id="17" name="TextBox 16"/>
+          <p:cNvSpPr txBox="1"/>
+          <p:nvPr/>
+        </p:nvSpPr>
+        <p:spPr>
+          <a:xfrm>
+            <a:off x="3175000" y="1468566"/>
+            <a:ext cx="1794482" cy="830997"/>
+          </a:xfrm>
+          <a:prstGeom prst="rect">
+            <a:avLst/>
+          </a:prstGeom>
+          <a:solidFill>
+            <a:srgbClr val="FFFFFF"/>
+          </a:solidFill>
+        </p:spPr>
+        <p:txBody>
+          <a:bodyPr wrap="none" rtlCol="0">
+            <a:spAutoFit/>
+          </a:bodyPr>
+          <a:lstStyle/>
+          <a:p>
+            <a:r>
+              <a:rPr lang="en-US" sz="2400" dirty="0" err="1" smtClean="0"/>
+              <a:t>client_id</a:t>
+            </a:r>
+            <a:endParaRPr lang="en-US" sz="2400" dirty="0" smtClean="0"/>
+          </a:p>
+          <a:p>
+            <a:r>
+              <a:rPr lang="en-US" sz="2400" dirty="0" err="1" smtClean="0"/>
+              <a:t>client_secret</a:t>
+            </a:r>
+            <a:endParaRPr lang="en-US" sz="2400" dirty="0"/>
+          </a:p>
+        </p:txBody>
+      </p:sp>
+      <p:sp>
+        <p:nvSpPr>
+          <p:cNvPr id="26" name="TextBox 25"/>
+          <p:cNvSpPr txBox="1"/>
+          <p:nvPr/>
+        </p:nvSpPr>
+        <p:spPr>
+          <a:xfrm>
+            <a:off x="4961796" y="4059535"/>
+            <a:ext cx="2122997" cy="461665"/>
+          </a:xfrm>
+          <a:prstGeom prst="rect">
+            <a:avLst/>
+          </a:prstGeom>
+          <a:solidFill>
+            <a:srgbClr val="FFFFFF"/>
+          </a:solidFill>
+        </p:spPr>
+        <p:txBody>
+          <a:bodyPr wrap="none" rtlCol="0">
+            <a:spAutoFit/>
+          </a:bodyPr>
+          <a:lstStyle/>
+          <a:p>
+            <a:r>
+              <a:rPr lang="en-US" sz="2400" dirty="0" err="1" smtClean="0"/>
+              <a:t>OAuth</a:t>
+            </a:r>
+            <a:r>
+              <a:rPr lang="en-US" sz="2400" dirty="0" smtClean="0"/>
+              <a:t> Provider</a:t>
+            </a:r>
+            <a:endParaRPr lang="en-US" sz="2400" dirty="0"/>
+          </a:p>
+        </p:txBody>
+      </p:sp>
+      <p:sp>
+        <p:nvSpPr>
+          <p:cNvPr id="27" name="Rectangle 26"/>
+          <p:cNvSpPr/>
+          <p:nvPr/>
+        </p:nvSpPr>
+        <p:spPr>
+          <a:xfrm>
+            <a:off x="4961796" y="4546600"/>
+            <a:ext cx="1900436" cy="1668659"/>
+          </a:xfrm>
+          <a:prstGeom prst="rect">
+            <a:avLst/>
+          </a:prstGeom>
+        </p:spPr>
+        <p:style>
+          <a:lnRef idx="2">
+            <a:schemeClr val="accent1">
+              <a:shade val="50000"/>
+            </a:schemeClr>
+          </a:lnRef>
+          <a:fillRef idx="1">
+            <a:schemeClr val="accent1"/>
+          </a:fillRef>
+          <a:effectRef idx="0">
+            <a:schemeClr val="accent1"/>
+          </a:effectRef>
+          <a:fontRef idx="minor">
+            <a:schemeClr val="lt1"/>
+          </a:fontRef>
+        </p:style>
+        <p:txBody>
+          <a:bodyPr rtlCol="0" anchor="ctr"/>
+          <a:lstStyle/>
+          <a:p>
+            <a:pPr algn="ctr"/>
+            <a:endParaRPr lang="en-US"/>
+          </a:p>
+        </p:txBody>
+      </p:sp>
+    </p:spTree>
+    <p:extLst>
+      <p:ext uri="{BB962C8B-B14F-4D97-AF65-F5344CB8AC3E}">
+        <p14:creationId xmlns:p14="http://schemas.microsoft.com/office/powerpoint/2010/main" val="4204839477"/>
+      </p:ext>
+    </p:extLst>
+  </p:cSld>
+  <p:clrMapOvr>
+    <a:masterClrMapping/>
+  </p:clrMapOvr>
+  <p:timing>
+    <p:tnLst>
+      <p:par>
+        <p:cTn xmlns:p14="http://schemas.microsoft.com/office/powerpoint/2010/main" id="1" dur="indefinite" restart="never" nodeType="tmRoot"/>
+      </p:par>
+    </p:tnLst>
+  </p:timing>
+</p:sld>
+</file>
+
+<file path=ppt/slides/slide13.xml><?xml version="1.0" encoding="utf-8"?>
+<p:sld xmlns:a="http://schemas.openxmlformats.org/drawingml/2006/main" xmlns:r="http://schemas.openxmlformats.org/officeDocument/2006/relationships" xmlns:p="http://schemas.openxmlformats.org/presentationml/2006/main">
+  <p:cSld>
+    <p:spTree>
+      <p:nvGrpSpPr>
+        <p:cNvPr id="1" name=""/>
+        <p:cNvGrpSpPr/>
+        <p:nvPr/>
+      </p:nvGrpSpPr>
+      <p:grpSpPr>
+        <a:xfrm>
+          <a:off x="0" y="0"/>
+          <a:ext cx="0" cy="0"/>
+          <a:chOff x="0" y="0"/>
+          <a:chExt cx="0" cy="0"/>
+        </a:xfrm>
+      </p:grpSpPr>
+      <p:sp>
+        <p:nvSpPr>
           <p:cNvPr id="19" name="TextBox 18"/>
           <p:cNvSpPr txBox="1"/>
           <p:nvPr/>
@@ -18304,7 +18559,7 @@
           <a:p>
             <a:fld id="{7053BEFA-1175-F644-B249-7D41D72BD3FF}" type="datetime1">
               <a:rPr lang="en-US" smtClean="0"/>
-              <a:t>2/2/15</a:t>
+              <a:t>2/14/15</a:t>
             </a:fld>
             <a:endParaRPr lang="en-US"/>
           </a:p>
@@ -18346,7 +18601,7 @@
           <a:p>
             <a:fld id="{17E276FA-8F89-B34D-A726-BE3FA1F8DD97}" type="slidenum">
               <a:rPr lang="en-US" smtClean="0"/>
-              <a:t>12</a:t>
+              <a:t>13</a:t>
             </a:fld>
             <a:endParaRPr lang="en-US" dirty="0"/>
           </a:p>
@@ -18662,7 +18917,7 @@
 </p:sld>
 </file>
 
-<file path=ppt/slides/slide13.xml><?xml version="1.0" encoding="utf-8"?>
+<file path=ppt/slides/slide14.xml><?xml version="1.0" encoding="utf-8"?>
 <p:sld xmlns:a="http://schemas.openxmlformats.org/drawingml/2006/main" xmlns:r="http://schemas.openxmlformats.org/officeDocument/2006/relationships" xmlns:p="http://schemas.openxmlformats.org/presentationml/2006/main">
   <p:cSld>
     <p:spTree>
@@ -18727,7 +18982,7 @@
           <a:p>
             <a:fld id="{7053BEFA-1175-F644-B249-7D41D72BD3FF}" type="datetime1">
               <a:rPr lang="en-US" smtClean="0"/>
-              <a:t>2/2/15</a:t>
+              <a:t>2/14/15</a:t>
             </a:fld>
             <a:endParaRPr lang="en-US"/>
           </a:p>
@@ -18769,7 +19024,7 @@
           <a:p>
             <a:fld id="{17E276FA-8F89-B34D-A726-BE3FA1F8DD97}" type="slidenum">
               <a:rPr lang="en-US" smtClean="0"/>
-              <a:t>13</a:t>
+              <a:t>14</a:t>
             </a:fld>
             <a:endParaRPr lang="en-US" dirty="0"/>
           </a:p>
@@ -19080,268 +19335,6 @@
     <p:extLst>
       <p:ext uri="{BB962C8B-B14F-4D97-AF65-F5344CB8AC3E}">
         <p14:creationId xmlns:p14="http://schemas.microsoft.com/office/powerpoint/2010/main" val="3357155447"/>
-      </p:ext>
-    </p:extLst>
-  </p:cSld>
-  <p:clrMapOvr>
-    <a:masterClrMapping/>
-  </p:clrMapOvr>
-  <p:timing>
-    <p:tnLst>
-      <p:par>
-        <p:cTn xmlns:p14="http://schemas.microsoft.com/office/powerpoint/2010/main" id="1" dur="indefinite" restart="never" nodeType="tmRoot"/>
-      </p:par>
-    </p:tnLst>
-  </p:timing>
-</p:sld>
-</file>
-
-<file path=ppt/slides/slide14.xml><?xml version="1.0" encoding="utf-8"?>
-<p:sld xmlns:a="http://schemas.openxmlformats.org/drawingml/2006/main" xmlns:r="http://schemas.openxmlformats.org/officeDocument/2006/relationships" xmlns:p="http://schemas.openxmlformats.org/presentationml/2006/main">
-  <p:cSld>
-    <p:spTree>
-      <p:nvGrpSpPr>
-        <p:cNvPr id="1" name=""/>
-        <p:cNvGrpSpPr/>
-        <p:nvPr/>
-      </p:nvGrpSpPr>
-      <p:grpSpPr>
-        <a:xfrm>
-          <a:off x="0" y="0"/>
-          <a:ext cx="0" cy="0"/>
-          <a:chOff x="0" y="0"/>
-          <a:chExt cx="0" cy="0"/>
-        </a:xfrm>
-      </p:grpSpPr>
-      <p:sp>
-        <p:nvSpPr>
-          <p:cNvPr id="2" name="Title 1"/>
-          <p:cNvSpPr>
-            <a:spLocks noGrp="1"/>
-          </p:cNvSpPr>
-          <p:nvPr>
-            <p:ph type="title"/>
-          </p:nvPr>
-        </p:nvSpPr>
-        <p:spPr/>
-        <p:txBody>
-          <a:bodyPr/>
-          <a:lstStyle/>
-          <a:p>
-            <a:r>
-              <a:rPr lang="en-US" dirty="0" smtClean="0"/>
-              <a:t>Hi user!</a:t>
-            </a:r>
-            <a:endParaRPr lang="en-US" dirty="0"/>
-          </a:p>
-        </p:txBody>
-      </p:sp>
-      <p:sp>
-        <p:nvSpPr>
-          <p:cNvPr id="3" name="Content Placeholder 2"/>
-          <p:cNvSpPr>
-            <a:spLocks noGrp="1"/>
-          </p:cNvSpPr>
-          <p:nvPr>
-            <p:ph idx="1"/>
-          </p:nvPr>
-        </p:nvSpPr>
-        <p:spPr/>
-        <p:txBody>
-          <a:bodyPr/>
-          <a:lstStyle/>
-          <a:p>
-            <a:pPr marL="0" indent="0">
-              <a:buNone/>
-            </a:pPr>
-            <a:r>
-              <a:rPr lang="en-US" dirty="0" smtClean="0"/>
-              <a:t>[served by </a:t>
-            </a:r>
-            <a:r>
-              <a:rPr lang="en-US" i="1" dirty="0" smtClean="0"/>
-              <a:t>Authorization Server, </a:t>
-            </a:r>
-            <a:r>
-              <a:rPr lang="en-US" dirty="0" smtClean="0"/>
-              <a:t>not you]</a:t>
-            </a:r>
-            <a:endParaRPr lang="en-US" i="1" dirty="0" smtClean="0"/>
-          </a:p>
-          <a:p>
-            <a:pPr marL="0" indent="0">
-              <a:buNone/>
-            </a:pPr>
-            <a:endParaRPr lang="en-US" dirty="0"/>
-          </a:p>
-          <a:p>
-            <a:pPr marL="0" indent="0">
-              <a:buNone/>
-            </a:pPr>
-            <a:endParaRPr lang="en-US" dirty="0"/>
-          </a:p>
-        </p:txBody>
-      </p:sp>
-      <p:sp>
-        <p:nvSpPr>
-          <p:cNvPr id="4" name="Date Placeholder 3"/>
-          <p:cNvSpPr>
-            <a:spLocks noGrp="1"/>
-          </p:cNvSpPr>
-          <p:nvPr>
-            <p:ph type="dt" sz="half" idx="10"/>
-          </p:nvPr>
-        </p:nvSpPr>
-        <p:spPr/>
-        <p:txBody>
-          <a:bodyPr/>
-          <a:lstStyle/>
-          <a:p>
-            <a:fld id="{7053BEFA-1175-F644-B249-7D41D72BD3FF}" type="datetime1">
-              <a:rPr lang="en-US" smtClean="0"/>
-              <a:t>2/2/15</a:t>
-            </a:fld>
-            <a:endParaRPr lang="en-US"/>
-          </a:p>
-        </p:txBody>
-      </p:sp>
-      <p:sp>
-        <p:nvSpPr>
-          <p:cNvPr id="5" name="Footer Placeholder 4"/>
-          <p:cNvSpPr>
-            <a:spLocks noGrp="1"/>
-          </p:cNvSpPr>
-          <p:nvPr>
-            <p:ph type="ftr" sz="quarter" idx="11"/>
-          </p:nvPr>
-        </p:nvSpPr>
-        <p:spPr/>
-        <p:txBody>
-          <a:bodyPr/>
-          <a:lstStyle/>
-          <a:p>
-            <a:endParaRPr lang="en-US" dirty="0"/>
-          </a:p>
-        </p:txBody>
-      </p:sp>
-      <p:sp>
-        <p:nvSpPr>
-          <p:cNvPr id="6" name="Slide Number Placeholder 5"/>
-          <p:cNvSpPr>
-            <a:spLocks noGrp="1"/>
-          </p:cNvSpPr>
-          <p:nvPr>
-            <p:ph type="sldNum" sz="quarter" idx="12"/>
-          </p:nvPr>
-        </p:nvSpPr>
-        <p:spPr/>
-        <p:txBody>
-          <a:bodyPr/>
-          <a:lstStyle/>
-          <a:p>
-            <a:fld id="{17E276FA-8F89-B34D-A726-BE3FA1F8DD97}" type="slidenum">
-              <a:rPr lang="en-US" smtClean="0"/>
-              <a:t>14</a:t>
-            </a:fld>
-            <a:endParaRPr lang="en-US" dirty="0"/>
-          </a:p>
-        </p:txBody>
-      </p:sp>
-      <p:sp>
-        <p:nvSpPr>
-          <p:cNvPr id="7" name="Action Button: Custom 6">
-            <a:hlinkClick r:id="" action="ppaction://noaction" highlightClick="1"/>
-          </p:cNvPr>
-          <p:cNvSpPr/>
-          <p:nvPr/>
-        </p:nvSpPr>
-        <p:spPr>
-          <a:xfrm>
-            <a:off x="2895600" y="3352800"/>
-            <a:ext cx="2565400" cy="685800"/>
-          </a:xfrm>
-          <a:prstGeom prst="actionButtonBlank">
-            <a:avLst/>
-          </a:prstGeom>
-          <a:solidFill>
-            <a:schemeClr val="accent2"/>
-          </a:solidFill>
-        </p:spPr>
-        <p:style>
-          <a:lnRef idx="1">
-            <a:schemeClr val="accent2"/>
-          </a:lnRef>
-          <a:fillRef idx="3">
-            <a:schemeClr val="accent2"/>
-          </a:fillRef>
-          <a:effectRef idx="2">
-            <a:schemeClr val="accent2"/>
-          </a:effectRef>
-          <a:fontRef idx="minor">
-            <a:schemeClr val="lt1"/>
-          </a:fontRef>
-        </p:style>
-        <p:txBody>
-          <a:bodyPr rtlCol="0" anchor="ctr"/>
-          <a:lstStyle/>
-          <a:p>
-            <a:pPr algn="ctr"/>
-            <a:r>
-              <a:rPr lang="en-US" dirty="0" smtClean="0"/>
-              <a:t>Yes, I grant access</a:t>
-            </a:r>
-            <a:endParaRPr lang="en-US" dirty="0"/>
-          </a:p>
-        </p:txBody>
-      </p:sp>
-      <p:sp>
-        <p:nvSpPr>
-          <p:cNvPr id="8" name="Action Button: Custom 7">
-            <a:hlinkClick r:id="" action="ppaction://noaction" highlightClick="1"/>
-          </p:cNvPr>
-          <p:cNvSpPr/>
-          <p:nvPr/>
-        </p:nvSpPr>
-        <p:spPr>
-          <a:xfrm>
-            <a:off x="2895600" y="4241800"/>
-            <a:ext cx="2565400" cy="685800"/>
-          </a:xfrm>
-          <a:prstGeom prst="actionButtonBlank">
-            <a:avLst/>
-          </a:prstGeom>
-        </p:spPr>
-        <p:style>
-          <a:lnRef idx="1">
-            <a:schemeClr val="accent1"/>
-          </a:lnRef>
-          <a:fillRef idx="3">
-            <a:schemeClr val="accent1"/>
-          </a:fillRef>
-          <a:effectRef idx="2">
-            <a:schemeClr val="accent1"/>
-          </a:effectRef>
-          <a:fontRef idx="minor">
-            <a:schemeClr val="lt1"/>
-          </a:fontRef>
-        </p:style>
-        <p:txBody>
-          <a:bodyPr rtlCol="0" anchor="ctr"/>
-          <a:lstStyle/>
-          <a:p>
-            <a:pPr algn="ctr"/>
-            <a:r>
-              <a:rPr lang="en-US" dirty="0" smtClean="0"/>
-              <a:t>No, I don’t grant access</a:t>
-            </a:r>
-            <a:endParaRPr lang="en-US" dirty="0"/>
-          </a:p>
-        </p:txBody>
-      </p:sp>
-    </p:spTree>
-    <p:extLst>
-      <p:ext uri="{BB962C8B-B14F-4D97-AF65-F5344CB8AC3E}">
-        <p14:creationId xmlns:p14="http://schemas.microsoft.com/office/powerpoint/2010/main" val="3635140647"/>
       </p:ext>
     </p:extLst>
   </p:cSld>
@@ -19392,16 +19385,54 @@
           <a:p>
             <a:r>
               <a:rPr lang="en-US" dirty="0" smtClean="0"/>
-              <a:t>Typical </a:t>
-            </a:r>
-            <a:r>
-              <a:rPr lang="en-US" dirty="0" err="1" smtClean="0"/>
-              <a:t>OAuth</a:t>
-            </a:r>
+              <a:t>Hi user!</a:t>
+            </a:r>
+            <a:endParaRPr lang="en-US" dirty="0"/>
+          </a:p>
+        </p:txBody>
+      </p:sp>
+      <p:sp>
+        <p:nvSpPr>
+          <p:cNvPr id="3" name="Content Placeholder 2"/>
+          <p:cNvSpPr>
+            <a:spLocks noGrp="1"/>
+          </p:cNvSpPr>
+          <p:nvPr>
+            <p:ph idx="1"/>
+          </p:nvPr>
+        </p:nvSpPr>
+        <p:spPr/>
+        <p:txBody>
+          <a:bodyPr/>
+          <a:lstStyle/>
+          <a:p>
+            <a:pPr marL="0" indent="0">
+              <a:buNone/>
+            </a:pPr>
             <a:r>
               <a:rPr lang="en-US" dirty="0" smtClean="0"/>
-              <a:t> 2.0 Flow</a:t>
-            </a:r>
+              <a:t>[served by </a:t>
+            </a:r>
+            <a:r>
+              <a:rPr lang="en-US" i="1" dirty="0" smtClean="0"/>
+              <a:t>Authorization Server, </a:t>
+            </a:r>
+            <a:r>
+              <a:rPr lang="en-US" dirty="0" smtClean="0"/>
+              <a:t>not you]</a:t>
+            </a:r>
+            <a:endParaRPr lang="en-US" i="1" dirty="0" smtClean="0"/>
+          </a:p>
+          <a:p>
+            <a:pPr marL="0" indent="0">
+              <a:buNone/>
+            </a:pPr>
+            <a:endParaRPr lang="en-US" dirty="0"/>
+          </a:p>
+          <a:p>
+            <a:pPr marL="0" indent="0">
+              <a:buNone/>
+            </a:pPr>
             <a:endParaRPr lang="en-US" dirty="0"/>
           </a:p>
         </p:txBody>
@@ -19423,7 +19454,7 @@
           <a:p>
             <a:fld id="{7053BEFA-1175-F644-B249-7D41D72BD3FF}" type="datetime1">
               <a:rPr lang="en-US" smtClean="0"/>
-              <a:t>2/2/15</a:t>
+              <a:t>2/14/15</a:t>
             </a:fld>
             <a:endParaRPr lang="en-US"/>
           </a:p>
@@ -19466,6 +19497,230 @@
             <a:fld id="{17E276FA-8F89-B34D-A726-BE3FA1F8DD97}" type="slidenum">
               <a:rPr lang="en-US" smtClean="0"/>
               <a:t>15</a:t>
+            </a:fld>
+            <a:endParaRPr lang="en-US" dirty="0"/>
+          </a:p>
+        </p:txBody>
+      </p:sp>
+      <p:sp>
+        <p:nvSpPr>
+          <p:cNvPr id="7" name="Action Button: Custom 6">
+            <a:hlinkClick r:id="" action="ppaction://noaction" highlightClick="1"/>
+          </p:cNvPr>
+          <p:cNvSpPr/>
+          <p:nvPr/>
+        </p:nvSpPr>
+        <p:spPr>
+          <a:xfrm>
+            <a:off x="2895600" y="3352800"/>
+            <a:ext cx="2565400" cy="685800"/>
+          </a:xfrm>
+          <a:prstGeom prst="actionButtonBlank">
+            <a:avLst/>
+          </a:prstGeom>
+          <a:solidFill>
+            <a:schemeClr val="accent2"/>
+          </a:solidFill>
+        </p:spPr>
+        <p:style>
+          <a:lnRef idx="1">
+            <a:schemeClr val="accent2"/>
+          </a:lnRef>
+          <a:fillRef idx="3">
+            <a:schemeClr val="accent2"/>
+          </a:fillRef>
+          <a:effectRef idx="2">
+            <a:schemeClr val="accent2"/>
+          </a:effectRef>
+          <a:fontRef idx="minor">
+            <a:schemeClr val="lt1"/>
+          </a:fontRef>
+        </p:style>
+        <p:txBody>
+          <a:bodyPr rtlCol="0" anchor="ctr"/>
+          <a:lstStyle/>
+          <a:p>
+            <a:pPr algn="ctr"/>
+            <a:r>
+              <a:rPr lang="en-US" dirty="0" smtClean="0"/>
+              <a:t>Yes, I grant access</a:t>
+            </a:r>
+            <a:endParaRPr lang="en-US" dirty="0"/>
+          </a:p>
+        </p:txBody>
+      </p:sp>
+      <p:sp>
+        <p:nvSpPr>
+          <p:cNvPr id="8" name="Action Button: Custom 7">
+            <a:hlinkClick r:id="" action="ppaction://noaction" highlightClick="1"/>
+          </p:cNvPr>
+          <p:cNvSpPr/>
+          <p:nvPr/>
+        </p:nvSpPr>
+        <p:spPr>
+          <a:xfrm>
+            <a:off x="2895600" y="4241800"/>
+            <a:ext cx="2565400" cy="685800"/>
+          </a:xfrm>
+          <a:prstGeom prst="actionButtonBlank">
+            <a:avLst/>
+          </a:prstGeom>
+        </p:spPr>
+        <p:style>
+          <a:lnRef idx="1">
+            <a:schemeClr val="accent1"/>
+          </a:lnRef>
+          <a:fillRef idx="3">
+            <a:schemeClr val="accent1"/>
+          </a:fillRef>
+          <a:effectRef idx="2">
+            <a:schemeClr val="accent1"/>
+          </a:effectRef>
+          <a:fontRef idx="minor">
+            <a:schemeClr val="lt1"/>
+          </a:fontRef>
+        </p:style>
+        <p:txBody>
+          <a:bodyPr rtlCol="0" anchor="ctr"/>
+          <a:lstStyle/>
+          <a:p>
+            <a:pPr algn="ctr"/>
+            <a:r>
+              <a:rPr lang="en-US" dirty="0" smtClean="0"/>
+              <a:t>No, I don’t grant access</a:t>
+            </a:r>
+            <a:endParaRPr lang="en-US" dirty="0"/>
+          </a:p>
+        </p:txBody>
+      </p:sp>
+    </p:spTree>
+    <p:extLst>
+      <p:ext uri="{BB962C8B-B14F-4D97-AF65-F5344CB8AC3E}">
+        <p14:creationId xmlns:p14="http://schemas.microsoft.com/office/powerpoint/2010/main" val="3635140647"/>
+      </p:ext>
+    </p:extLst>
+  </p:cSld>
+  <p:clrMapOvr>
+    <a:masterClrMapping/>
+  </p:clrMapOvr>
+  <p:timing>
+    <p:tnLst>
+      <p:par>
+        <p:cTn xmlns:p14="http://schemas.microsoft.com/office/powerpoint/2010/main" id="1" dur="indefinite" restart="never" nodeType="tmRoot"/>
+      </p:par>
+    </p:tnLst>
+  </p:timing>
+</p:sld>
+</file>
+
+<file path=ppt/slides/slide16.xml><?xml version="1.0" encoding="utf-8"?>
+<p:sld xmlns:a="http://schemas.openxmlformats.org/drawingml/2006/main" xmlns:r="http://schemas.openxmlformats.org/officeDocument/2006/relationships" xmlns:p="http://schemas.openxmlformats.org/presentationml/2006/main">
+  <p:cSld>
+    <p:spTree>
+      <p:nvGrpSpPr>
+        <p:cNvPr id="1" name=""/>
+        <p:cNvGrpSpPr/>
+        <p:nvPr/>
+      </p:nvGrpSpPr>
+      <p:grpSpPr>
+        <a:xfrm>
+          <a:off x="0" y="0"/>
+          <a:ext cx="0" cy="0"/>
+          <a:chOff x="0" y="0"/>
+          <a:chExt cx="0" cy="0"/>
+        </a:xfrm>
+      </p:grpSpPr>
+      <p:sp>
+        <p:nvSpPr>
+          <p:cNvPr id="2" name="Title 1"/>
+          <p:cNvSpPr>
+            <a:spLocks noGrp="1"/>
+          </p:cNvSpPr>
+          <p:nvPr>
+            <p:ph type="title"/>
+          </p:nvPr>
+        </p:nvSpPr>
+        <p:spPr/>
+        <p:txBody>
+          <a:bodyPr/>
+          <a:lstStyle/>
+          <a:p>
+            <a:r>
+              <a:rPr lang="en-US" dirty="0" smtClean="0"/>
+              <a:t>Typical </a:t>
+            </a:r>
+            <a:r>
+              <a:rPr lang="en-US" dirty="0" err="1" smtClean="0"/>
+              <a:t>OAuth</a:t>
+            </a:r>
+            <a:r>
+              <a:rPr lang="en-US" dirty="0" smtClean="0"/>
+              <a:t> 2.0 Flow</a:t>
+            </a:r>
+            <a:endParaRPr lang="en-US" dirty="0"/>
+          </a:p>
+        </p:txBody>
+      </p:sp>
+      <p:sp>
+        <p:nvSpPr>
+          <p:cNvPr id="4" name="Date Placeholder 3"/>
+          <p:cNvSpPr>
+            <a:spLocks noGrp="1"/>
+          </p:cNvSpPr>
+          <p:nvPr>
+            <p:ph type="dt" sz="half" idx="10"/>
+          </p:nvPr>
+        </p:nvSpPr>
+        <p:spPr/>
+        <p:txBody>
+          <a:bodyPr/>
+          <a:lstStyle/>
+          <a:p>
+            <a:fld id="{7053BEFA-1175-F644-B249-7D41D72BD3FF}" type="datetime1">
+              <a:rPr lang="en-US" smtClean="0"/>
+              <a:t>2/14/15</a:t>
+            </a:fld>
+            <a:endParaRPr lang="en-US"/>
+          </a:p>
+        </p:txBody>
+      </p:sp>
+      <p:sp>
+        <p:nvSpPr>
+          <p:cNvPr id="5" name="Footer Placeholder 4"/>
+          <p:cNvSpPr>
+            <a:spLocks noGrp="1"/>
+          </p:cNvSpPr>
+          <p:nvPr>
+            <p:ph type="ftr" sz="quarter" idx="11"/>
+          </p:nvPr>
+        </p:nvSpPr>
+        <p:spPr/>
+        <p:txBody>
+          <a:bodyPr/>
+          <a:lstStyle/>
+          <a:p>
+            <a:endParaRPr lang="en-US" dirty="0"/>
+          </a:p>
+        </p:txBody>
+      </p:sp>
+      <p:sp>
+        <p:nvSpPr>
+          <p:cNvPr id="6" name="Slide Number Placeholder 5"/>
+          <p:cNvSpPr>
+            <a:spLocks noGrp="1"/>
+          </p:cNvSpPr>
+          <p:nvPr>
+            <p:ph type="sldNum" sz="quarter" idx="12"/>
+          </p:nvPr>
+        </p:nvSpPr>
+        <p:spPr/>
+        <p:txBody>
+          <a:bodyPr/>
+          <a:lstStyle/>
+          <a:p>
+            <a:fld id="{17E276FA-8F89-B34D-A726-BE3FA1F8DD97}" type="slidenum">
+              <a:rPr lang="en-US" smtClean="0"/>
+              <a:t>16</a:t>
             </a:fld>
             <a:endParaRPr lang="en-US" dirty="0"/>
           </a:p>
@@ -19818,7 +20073,7 @@
 </p:sld>
 </file>
 
-<file path=ppt/slides/slide16.xml><?xml version="1.0" encoding="utf-8"?>
+<file path=ppt/slides/slide17.xml><?xml version="1.0" encoding="utf-8"?>
 <p:sld xmlns:a="http://schemas.openxmlformats.org/drawingml/2006/main" xmlns:r="http://schemas.openxmlformats.org/officeDocument/2006/relationships" xmlns:p="http://schemas.openxmlformats.org/presentationml/2006/main">
   <p:cSld>
     <p:spTree>
@@ -19883,7 +20138,7 @@
           <a:p>
             <a:fld id="{7053BEFA-1175-F644-B249-7D41D72BD3FF}" type="datetime1">
               <a:rPr lang="en-US" smtClean="0"/>
-              <a:t>2/2/15</a:t>
+              <a:t>2/14/15</a:t>
             </a:fld>
             <a:endParaRPr lang="en-US"/>
           </a:p>
@@ -19925,7 +20180,7 @@
           <a:p>
             <a:fld id="{17E276FA-8F89-B34D-A726-BE3FA1F8DD97}" type="slidenum">
               <a:rPr lang="en-US" smtClean="0"/>
-              <a:t>16</a:t>
+              <a:t>17</a:t>
             </a:fld>
             <a:endParaRPr lang="en-US" dirty="0"/>
           </a:p>
@@ -20302,7 +20557,7 @@
 </p:sld>
 </file>
 
-<file path=ppt/slides/slide17.xml><?xml version="1.0" encoding="utf-8"?>
+<file path=ppt/slides/slide18.xml><?xml version="1.0" encoding="utf-8"?>
 <p:sld xmlns:a="http://schemas.openxmlformats.org/drawingml/2006/main" xmlns:r="http://schemas.openxmlformats.org/officeDocument/2006/relationships" xmlns:p="http://schemas.openxmlformats.org/presentationml/2006/main">
   <p:cSld>
     <p:spTree>
@@ -20367,7 +20622,7 @@
           <a:p>
             <a:fld id="{7053BEFA-1175-F644-B249-7D41D72BD3FF}" type="datetime1">
               <a:rPr lang="en-US" smtClean="0"/>
-              <a:t>2/2/15</a:t>
+              <a:t>2/14/15</a:t>
             </a:fld>
             <a:endParaRPr lang="en-US"/>
           </a:p>
@@ -20409,7 +20664,7 @@
           <a:p>
             <a:fld id="{17E276FA-8F89-B34D-A726-BE3FA1F8DD97}" type="slidenum">
               <a:rPr lang="en-US" smtClean="0"/>
-              <a:t>17</a:t>
+              <a:t>18</a:t>
             </a:fld>
             <a:endParaRPr lang="en-US" dirty="0"/>
           </a:p>
@@ -20780,7 +21035,7 @@
 </p:sld>
 </file>
 
-<file path=ppt/slides/slide18.xml><?xml version="1.0" encoding="utf-8"?>
+<file path=ppt/slides/slide19.xml><?xml version="1.0" encoding="utf-8"?>
 <p:sld xmlns:a="http://schemas.openxmlformats.org/drawingml/2006/main" xmlns:r="http://schemas.openxmlformats.org/officeDocument/2006/relationships" xmlns:p="http://schemas.openxmlformats.org/presentationml/2006/main">
   <p:cSld>
     <p:spTree>
@@ -20903,7 +21158,7 @@
           <a:p>
             <a:fld id="{7053BEFA-1175-F644-B249-7D41D72BD3FF}" type="datetime1">
               <a:rPr lang="en-US" smtClean="0"/>
-              <a:t>2/2/15</a:t>
+              <a:t>2/14/15</a:t>
             </a:fld>
             <a:endParaRPr lang="en-US"/>
           </a:p>
@@ -20945,7 +21200,7 @@
           <a:p>
             <a:fld id="{17E276FA-8F89-B34D-A726-BE3FA1F8DD97}" type="slidenum">
               <a:rPr lang="en-US" smtClean="0"/>
-              <a:t>18</a:t>
+              <a:t>19</a:t>
             </a:fld>
             <a:endParaRPr lang="en-US" dirty="0"/>
           </a:p>
@@ -21065,188 +21320,6 @@
     <p:extLst>
       <p:ext uri="{BB962C8B-B14F-4D97-AF65-F5344CB8AC3E}">
         <p14:creationId xmlns:p14="http://schemas.microsoft.com/office/powerpoint/2010/main" val="2832789499"/>
-      </p:ext>
-    </p:extLst>
-  </p:cSld>
-  <p:clrMapOvr>
-    <a:masterClrMapping/>
-  </p:clrMapOvr>
-  <p:timing>
-    <p:tnLst>
-      <p:par>
-        <p:cTn xmlns:p14="http://schemas.microsoft.com/office/powerpoint/2010/main" id="1" dur="indefinite" restart="never" nodeType="tmRoot"/>
-      </p:par>
-    </p:tnLst>
-  </p:timing>
-</p:sld>
-</file>
-
-<file path=ppt/slides/slide19.xml><?xml version="1.0" encoding="utf-8"?>
-<p:sld xmlns:a="http://schemas.openxmlformats.org/drawingml/2006/main" xmlns:r="http://schemas.openxmlformats.org/officeDocument/2006/relationships" xmlns:p="http://schemas.openxmlformats.org/presentationml/2006/main">
-  <p:cSld>
-    <p:spTree>
-      <p:nvGrpSpPr>
-        <p:cNvPr id="1" name=""/>
-        <p:cNvGrpSpPr/>
-        <p:nvPr/>
-      </p:nvGrpSpPr>
-      <p:grpSpPr>
-        <a:xfrm>
-          <a:off x="0" y="0"/>
-          <a:ext cx="0" cy="0"/>
-          <a:chOff x="0" y="0"/>
-          <a:chExt cx="0" cy="0"/>
-        </a:xfrm>
-      </p:grpSpPr>
-      <p:sp>
-        <p:nvSpPr>
-          <p:cNvPr id="2" name="Title 1"/>
-          <p:cNvSpPr>
-            <a:spLocks noGrp="1"/>
-          </p:cNvSpPr>
-          <p:nvPr>
-            <p:ph type="title"/>
-          </p:nvPr>
-        </p:nvSpPr>
-        <p:spPr/>
-        <p:txBody>
-          <a:bodyPr/>
-          <a:lstStyle/>
-          <a:p>
-            <a:r>
-              <a:rPr lang="en-US" dirty="0" smtClean="0"/>
-              <a:t>Some </a:t>
-            </a:r>
-            <a:r>
-              <a:rPr lang="en-US" dirty="0" err="1" smtClean="0"/>
-              <a:t>OAuth</a:t>
-            </a:r>
-            <a:r>
-              <a:rPr lang="en-US" dirty="0" smtClean="0"/>
-              <a:t> extras</a:t>
-            </a:r>
-            <a:endParaRPr lang="en-US" dirty="0"/>
-          </a:p>
-        </p:txBody>
-      </p:sp>
-      <p:sp>
-        <p:nvSpPr>
-          <p:cNvPr id="3" name="Content Placeholder 2"/>
-          <p:cNvSpPr>
-            <a:spLocks noGrp="1"/>
-          </p:cNvSpPr>
-          <p:nvPr>
-            <p:ph idx="1"/>
-          </p:nvPr>
-        </p:nvSpPr>
-        <p:spPr/>
-        <p:txBody>
-          <a:bodyPr/>
-          <a:lstStyle/>
-          <a:p>
-            <a:pPr marL="0" indent="0">
-              <a:buNone/>
-            </a:pPr>
-            <a:r>
-              <a:rPr lang="en-US" dirty="0" smtClean="0"/>
-              <a:t>Tokens will eventually expire</a:t>
-            </a:r>
-          </a:p>
-          <a:p>
-            <a:pPr marL="0" indent="0">
-              <a:buNone/>
-            </a:pPr>
-            <a:r>
-              <a:rPr lang="en-US" dirty="0" smtClean="0"/>
-              <a:t>There are multiple types of access</a:t>
-            </a:r>
-          </a:p>
-          <a:p>
-            <a:pPr marL="0" indent="0">
-              <a:buNone/>
-            </a:pPr>
-            <a:r>
-              <a:rPr lang="en-US" dirty="0" smtClean="0"/>
-              <a:t>A client can request access but scope it to only part of an API</a:t>
-            </a:r>
-          </a:p>
-          <a:p>
-            <a:pPr marL="0" indent="0">
-              <a:buNone/>
-            </a:pPr>
-            <a:endParaRPr lang="en-US" dirty="0"/>
-          </a:p>
-        </p:txBody>
-      </p:sp>
-      <p:sp>
-        <p:nvSpPr>
-          <p:cNvPr id="4" name="Date Placeholder 3"/>
-          <p:cNvSpPr>
-            <a:spLocks noGrp="1"/>
-          </p:cNvSpPr>
-          <p:nvPr>
-            <p:ph type="dt" sz="half" idx="10"/>
-          </p:nvPr>
-        </p:nvSpPr>
-        <p:spPr/>
-        <p:txBody>
-          <a:bodyPr/>
-          <a:lstStyle/>
-          <a:p>
-            <a:fld id="{7053BEFA-1175-F644-B249-7D41D72BD3FF}" type="datetime1">
-              <a:rPr lang="en-US" smtClean="0"/>
-              <a:t>2/2/15</a:t>
-            </a:fld>
-            <a:endParaRPr lang="en-US"/>
-          </a:p>
-        </p:txBody>
-      </p:sp>
-      <p:sp>
-        <p:nvSpPr>
-          <p:cNvPr id="5" name="Footer Placeholder 4"/>
-          <p:cNvSpPr>
-            <a:spLocks noGrp="1"/>
-          </p:cNvSpPr>
-          <p:nvPr>
-            <p:ph type="ftr" sz="quarter" idx="11"/>
-          </p:nvPr>
-        </p:nvSpPr>
-        <p:spPr/>
-        <p:txBody>
-          <a:bodyPr/>
-          <a:lstStyle/>
-          <a:p>
-            <a:endParaRPr lang="en-US" dirty="0"/>
-          </a:p>
-        </p:txBody>
-      </p:sp>
-      <p:sp>
-        <p:nvSpPr>
-          <p:cNvPr id="6" name="Slide Number Placeholder 5"/>
-          <p:cNvSpPr>
-            <a:spLocks noGrp="1"/>
-          </p:cNvSpPr>
-          <p:nvPr>
-            <p:ph type="sldNum" sz="quarter" idx="12"/>
-          </p:nvPr>
-        </p:nvSpPr>
-        <p:spPr/>
-        <p:txBody>
-          <a:bodyPr/>
-          <a:lstStyle/>
-          <a:p>
-            <a:fld id="{17E276FA-8F89-B34D-A726-BE3FA1F8DD97}" type="slidenum">
-              <a:rPr lang="en-US" smtClean="0"/>
-              <a:t>19</a:t>
-            </a:fld>
-            <a:endParaRPr lang="en-US" dirty="0"/>
-          </a:p>
-        </p:txBody>
-      </p:sp>
-    </p:spTree>
-    <p:extLst>
-      <p:ext uri="{BB962C8B-B14F-4D97-AF65-F5344CB8AC3E}">
-        <p14:creationId xmlns:p14="http://schemas.microsoft.com/office/powerpoint/2010/main" val="3748748551"/>
       </p:ext>
     </p:extLst>
   </p:cSld>
@@ -21282,6 +21355,201 @@
       </p:grpSpPr>
       <p:sp>
         <p:nvSpPr>
+          <p:cNvPr id="5122" name="Rectangle 2"/>
+          <p:cNvSpPr>
+            <a:spLocks noGrp="1" noChangeArrowheads="1"/>
+          </p:cNvSpPr>
+          <p:nvPr>
+            <p:ph type="title"/>
+          </p:nvPr>
+        </p:nvSpPr>
+        <p:spPr/>
+        <p:txBody>
+          <a:bodyPr/>
+          <a:lstStyle/>
+          <a:p>
+            <a:r>
+              <a:rPr lang="en-US"/>
+              <a:t>Goals</a:t>
+            </a:r>
+          </a:p>
+        </p:txBody>
+      </p:sp>
+      <p:sp>
+        <p:nvSpPr>
+          <p:cNvPr id="5123" name="Rectangle 3"/>
+          <p:cNvSpPr>
+            <a:spLocks noGrp="1" noChangeArrowheads="1"/>
+          </p:cNvSpPr>
+          <p:nvPr>
+            <p:ph idx="1"/>
+          </p:nvPr>
+        </p:nvSpPr>
+        <p:spPr>
+          <a:xfrm>
+            <a:off x="1128943" y="1847153"/>
+            <a:ext cx="7048804" cy="2799741"/>
+          </a:xfrm>
+          <a:noFill/>
+        </p:spPr>
+        <p:txBody>
+          <a:bodyPr>
+            <a:spAutoFit/>
+          </a:bodyPr>
+          <a:lstStyle/>
+          <a:p>
+            <a:pPr marL="320675" indent="-320675" defTabSz="852488">
+              <a:lnSpc>
+                <a:spcPct val="110000"/>
+              </a:lnSpc>
+              <a:buFontTx/>
+              <a:buNone/>
+            </a:pPr>
+            <a:r>
+              <a:rPr lang="en-US" b="1" dirty="0"/>
+              <a:t>After </a:t>
+            </a:r>
+            <a:r>
+              <a:rPr lang="en-US" b="1" dirty="0" smtClean="0"/>
+              <a:t>this, </a:t>
+            </a:r>
+            <a:r>
+              <a:rPr lang="en-US" b="1" dirty="0"/>
+              <a:t>you should be able to:</a:t>
+            </a:r>
+            <a:r>
+              <a:rPr lang="en-US" sz="3600" dirty="0"/>
+              <a:t> </a:t>
+            </a:r>
+            <a:endParaRPr lang="en-US" sz="1200" dirty="0"/>
+          </a:p>
+          <a:p>
+            <a:pPr marL="320675" indent="-320675" defTabSz="852488">
+              <a:spcBef>
+                <a:spcPct val="25000"/>
+              </a:spcBef>
+              <a:buSzPct val="80000"/>
+            </a:pPr>
+            <a:r>
+              <a:rPr lang="en-US" sz="2800" dirty="0" smtClean="0"/>
+              <a:t>Explain how data is typically accessed on the web</a:t>
+            </a:r>
+          </a:p>
+          <a:p>
+            <a:pPr marL="320675" indent="-320675" defTabSz="852488">
+              <a:spcBef>
+                <a:spcPct val="25000"/>
+              </a:spcBef>
+              <a:buSzPct val="80000"/>
+            </a:pPr>
+            <a:r>
+              <a:rPr lang="en-US" dirty="0" smtClean="0"/>
+              <a:t>Explain the basic process for secure data retrieval using </a:t>
+            </a:r>
+            <a:r>
+              <a:rPr lang="en-US" smtClean="0"/>
+              <a:t>OAuth</a:t>
+            </a:r>
+            <a:r>
+              <a:rPr lang="en-US" dirty="0" smtClean="0"/>
+              <a:t> 2.0</a:t>
+            </a:r>
+            <a:endParaRPr lang="en-US" sz="2800" dirty="0" smtClean="0"/>
+          </a:p>
+        </p:txBody>
+      </p:sp>
+      <p:sp>
+        <p:nvSpPr>
+          <p:cNvPr id="2" name="Rectangle 1"/>
+          <p:cNvSpPr/>
+          <p:nvPr/>
+        </p:nvSpPr>
+        <p:spPr>
+          <a:xfrm>
+            <a:off x="0" y="6488668"/>
+            <a:ext cx="7101749" cy="369332"/>
+          </a:xfrm>
+          <a:prstGeom prst="rect">
+            <a:avLst/>
+          </a:prstGeom>
+        </p:spPr>
+        <p:txBody>
+          <a:bodyPr wrap="none">
+            <a:spAutoFit/>
+          </a:bodyPr>
+          <a:lstStyle/>
+          <a:p>
+            <a:r>
+              <a:rPr lang="en-US" dirty="0" smtClean="0"/>
+              <a:t>Adapted from http</a:t>
+            </a:r>
+            <a:r>
+              <a:rPr lang="en-US" dirty="0"/>
+              <a:t>://</a:t>
+            </a:r>
+            <a:r>
+              <a:rPr lang="en-US" dirty="0" err="1"/>
+              <a:t>www.fordham.edu</a:t>
+            </a:r>
+            <a:r>
+              <a:rPr lang="en-US" dirty="0"/>
+              <a:t>/economics/</a:t>
+            </a:r>
+            <a:r>
+              <a:rPr lang="en-US" dirty="0" err="1"/>
+              <a:t>Vinod</a:t>
+            </a:r>
+            <a:r>
+              <a:rPr lang="en-US" dirty="0" smtClean="0"/>
+              <a:t>/</a:t>
+            </a:r>
+            <a:r>
+              <a:rPr lang="en-US" dirty="0" err="1" smtClean="0"/>
+              <a:t>correl-regr.ppt</a:t>
+            </a:r>
+            <a:endParaRPr lang="en-US" dirty="0"/>
+          </a:p>
+        </p:txBody>
+      </p:sp>
+    </p:spTree>
+    <p:extLst>
+      <p:ext uri="{BB962C8B-B14F-4D97-AF65-F5344CB8AC3E}">
+        <p14:creationId xmlns:p14="http://schemas.microsoft.com/office/powerpoint/2010/main" val="703361331"/>
+      </p:ext>
+    </p:extLst>
+  </p:cSld>
+  <p:clrMapOvr>
+    <a:masterClrMapping/>
+  </p:clrMapOvr>
+  <p:timing>
+    <p:tnLst>
+      <p:par>
+        <p:cTn xmlns:p14="http://schemas.microsoft.com/office/powerpoint/2010/main" id="1" dur="indefinite" restart="never" nodeType="tmRoot"/>
+      </p:par>
+    </p:tnLst>
+  </p:timing>
+</p:sld>
+</file>
+
+<file path=ppt/slides/slide20.xml><?xml version="1.0" encoding="utf-8"?>
+<p:sld xmlns:a="http://schemas.openxmlformats.org/drawingml/2006/main" xmlns:r="http://schemas.openxmlformats.org/officeDocument/2006/relationships" xmlns:p="http://schemas.openxmlformats.org/presentationml/2006/main">
+  <p:cSld>
+    <p:spTree>
+      <p:nvGrpSpPr>
+        <p:cNvPr id="1" name=""/>
+        <p:cNvGrpSpPr/>
+        <p:nvPr/>
+      </p:nvGrpSpPr>
+      <p:grpSpPr>
+        <a:xfrm>
+          <a:off x="0" y="0"/>
+          <a:ext cx="0" cy="0"/>
+          <a:chOff x="0" y="0"/>
+          <a:chExt cx="0" cy="0"/>
+        </a:xfrm>
+      </p:grpSpPr>
+      <p:sp>
+        <p:nvSpPr>
           <p:cNvPr id="2" name="Title 1"/>
           <p:cNvSpPr>
             <a:spLocks noGrp="1"/>
@@ -21297,7 +21565,15 @@
           <a:p>
             <a:r>
               <a:rPr lang="en-US" dirty="0" smtClean="0"/>
-              <a:t>Practice: Getting at data</a:t>
+              <a:t>Some </a:t>
+            </a:r>
+            <a:r>
+              <a:rPr lang="en-US" dirty="0" err="1" smtClean="0"/>
+              <a:t>OAuth</a:t>
+            </a:r>
+            <a:r>
+              <a:rPr lang="en-US" dirty="0" smtClean="0"/>
+              <a:t> extras</a:t>
             </a:r>
             <a:endParaRPr lang="en-US" dirty="0"/>
           </a:p>
@@ -21305,12 +21581,12 @@
       </p:sp>
       <p:sp>
         <p:nvSpPr>
-          <p:cNvPr id="3" name="Text Placeholder 2"/>
+          <p:cNvPr id="3" name="Content Placeholder 2"/>
           <p:cNvSpPr>
             <a:spLocks noGrp="1"/>
           </p:cNvSpPr>
           <p:nvPr>
-            <p:ph type="body" idx="1"/>
+            <p:ph idx="1"/>
           </p:nvPr>
         </p:nvSpPr>
         <p:spPr/>
@@ -21318,7 +21594,37 @@
           <a:bodyPr/>
           <a:lstStyle/>
           <a:p>
-            <a:endParaRPr lang="en-US"/>
+            <a:pPr marL="0" indent="0">
+              <a:buNone/>
+            </a:pPr>
+            <a:r>
+              <a:rPr lang="en-US" dirty="0" smtClean="0"/>
+              <a:t>Tokens will eventually expire</a:t>
+            </a:r>
+          </a:p>
+          <a:p>
+            <a:pPr marL="0" indent="0">
+              <a:buNone/>
+            </a:pPr>
+            <a:r>
+              <a:rPr lang="en-US" dirty="0" smtClean="0"/>
+              <a:t>There are multiple types of access</a:t>
+            </a:r>
+          </a:p>
+          <a:p>
+            <a:pPr marL="0" indent="0">
+              <a:buNone/>
+            </a:pPr>
+            <a:r>
+              <a:rPr lang="en-US" dirty="0" smtClean="0"/>
+              <a:t>A client can request access but scope it to only part of an API</a:t>
+            </a:r>
+          </a:p>
+          <a:p>
+            <a:pPr marL="0" indent="0">
+              <a:buNone/>
+            </a:pPr>
+            <a:endParaRPr lang="en-US" dirty="0"/>
           </a:p>
         </p:txBody>
       </p:sp>
@@ -21337,9 +21643,9 @@
           <a:bodyPr/>
           <a:lstStyle/>
           <a:p>
-            <a:fld id="{111EEF3B-ABF2-AA4E-9E24-0C6256942674}" type="datetime1">
+            <a:fld id="{7053BEFA-1175-F644-B249-7D41D72BD3FF}" type="datetime1">
               <a:rPr lang="en-US" smtClean="0"/>
-              <a:t>2/2/15</a:t>
+              <a:t>2/14/15</a:t>
             </a:fld>
             <a:endParaRPr lang="en-US"/>
           </a:p>
@@ -21347,7 +21653,26 @@
       </p:sp>
       <p:sp>
         <p:nvSpPr>
-          <p:cNvPr id="5" name="Slide Number Placeholder 4"/>
+          <p:cNvPr id="5" name="Footer Placeholder 4"/>
+          <p:cNvSpPr>
+            <a:spLocks noGrp="1"/>
+          </p:cNvSpPr>
+          <p:nvPr>
+            <p:ph type="ftr" sz="quarter" idx="11"/>
+          </p:nvPr>
+        </p:nvSpPr>
+        <p:spPr/>
+        <p:txBody>
+          <a:bodyPr/>
+          <a:lstStyle/>
+          <a:p>
+            <a:endParaRPr lang="en-US" dirty="0"/>
+          </a:p>
+        </p:txBody>
+      </p:sp>
+      <p:sp>
+        <p:nvSpPr>
+          <p:cNvPr id="6" name="Slide Number Placeholder 5"/>
           <p:cNvSpPr>
             <a:spLocks noGrp="1"/>
           </p:cNvSpPr>
@@ -21362,7 +21687,7 @@
           <a:p>
             <a:fld id="{17E276FA-8F89-B34D-A726-BE3FA1F8DD97}" type="slidenum">
               <a:rPr lang="en-US" smtClean="0"/>
-              <a:t>2</a:t>
+              <a:t>20</a:t>
             </a:fld>
             <a:endParaRPr lang="en-US" dirty="0"/>
           </a:p>
@@ -21371,7 +21696,7 @@
     </p:spTree>
     <p:extLst>
       <p:ext uri="{BB962C8B-B14F-4D97-AF65-F5344CB8AC3E}">
-        <p14:creationId xmlns:p14="http://schemas.microsoft.com/office/powerpoint/2010/main" val="2582390826"/>
+        <p14:creationId xmlns:p14="http://schemas.microsoft.com/office/powerpoint/2010/main" val="3748748551"/>
       </p:ext>
     </p:extLst>
   </p:cSld>
@@ -21422,7 +21747,7 @@
           <a:p>
             <a:r>
               <a:rPr lang="en-US" dirty="0" smtClean="0"/>
-              <a:t>Lots of ‘existing’ data</a:t>
+              <a:t>Practice: Getting at data</a:t>
             </a:r>
             <a:endParaRPr lang="en-US" dirty="0"/>
           </a:p>
@@ -21430,12 +21755,12 @@
       </p:sp>
       <p:sp>
         <p:nvSpPr>
-          <p:cNvPr id="3" name="Content Placeholder 2"/>
+          <p:cNvPr id="3" name="Text Placeholder 2"/>
           <p:cNvSpPr>
             <a:spLocks noGrp="1"/>
           </p:cNvSpPr>
           <p:nvPr>
-            <p:ph idx="1"/>
+            <p:ph type="body" idx="1"/>
           </p:nvPr>
         </p:nvSpPr>
         <p:spPr/>
@@ -21443,46 +21768,7 @@
           <a:bodyPr/>
           <a:lstStyle/>
           <a:p>
-            <a:pPr marL="0" indent="0">
-              <a:buNone/>
-            </a:pPr>
-            <a:r>
-              <a:rPr lang="en-US" dirty="0" smtClean="0">
-                <a:hlinkClick r:id="rId2"/>
-              </a:rPr>
-              <a:t>http</a:t>
-            </a:r>
-            <a:r>
-              <a:rPr lang="en-US" dirty="0">
-                <a:hlinkClick r:id="rId2"/>
-              </a:rPr>
-              <a:t>://</a:t>
-            </a:r>
-            <a:r>
-              <a:rPr lang="en-US" dirty="0" err="1">
-                <a:hlinkClick r:id="rId2"/>
-              </a:rPr>
-              <a:t>data.cmubi.org</a:t>
-            </a:r>
-            <a:r>
-              <a:rPr lang="en-US" dirty="0">
-                <a:hlinkClick r:id="rId2"/>
-              </a:rPr>
-              <a:t>/classroom-news/</a:t>
-            </a:r>
-            <a:r>
-              <a:rPr lang="en-US" dirty="0" err="1" smtClean="0">
-                <a:hlinkClick r:id="rId2"/>
-              </a:rPr>
-              <a:t>somegreatsourcesofdata</a:t>
-            </a:r>
-            <a:endParaRPr lang="en-US" dirty="0" smtClean="0"/>
-          </a:p>
-          <a:p>
-            <a:pPr marL="0" indent="0">
-              <a:buNone/>
-            </a:pPr>
-            <a:endParaRPr lang="en-US" dirty="0" smtClean="0"/>
+            <a:endParaRPr lang="en-US"/>
           </a:p>
         </p:txBody>
       </p:sp>
@@ -21501,9 +21787,9 @@
           <a:bodyPr/>
           <a:lstStyle/>
           <a:p>
-            <a:fld id="{7053BEFA-1175-F644-B249-7D41D72BD3FF}" type="datetime1">
+            <a:fld id="{111EEF3B-ABF2-AA4E-9E24-0C6256942674}" type="datetime1">
               <a:rPr lang="en-US" smtClean="0"/>
-              <a:t>2/2/15</a:t>
+              <a:t>2/14/15</a:t>
             </a:fld>
             <a:endParaRPr lang="en-US"/>
           </a:p>
@@ -21511,26 +21797,7 @@
       </p:sp>
       <p:sp>
         <p:nvSpPr>
-          <p:cNvPr id="5" name="Footer Placeholder 4"/>
-          <p:cNvSpPr>
-            <a:spLocks noGrp="1"/>
-          </p:cNvSpPr>
-          <p:nvPr>
-            <p:ph type="ftr" sz="quarter" idx="11"/>
-          </p:nvPr>
-        </p:nvSpPr>
-        <p:spPr/>
-        <p:txBody>
-          <a:bodyPr/>
-          <a:lstStyle/>
-          <a:p>
-            <a:endParaRPr lang="en-US" dirty="0"/>
-          </a:p>
-        </p:txBody>
-      </p:sp>
-      <p:sp>
-        <p:nvSpPr>
-          <p:cNvPr id="6" name="Slide Number Placeholder 5"/>
+          <p:cNvPr id="5" name="Slide Number Placeholder 4"/>
           <p:cNvSpPr>
             <a:spLocks noGrp="1"/>
           </p:cNvSpPr>
@@ -21554,7 +21821,7 @@
     </p:spTree>
     <p:extLst>
       <p:ext uri="{BB962C8B-B14F-4D97-AF65-F5344CB8AC3E}">
-        <p14:creationId xmlns:p14="http://schemas.microsoft.com/office/powerpoint/2010/main" val="1308606483"/>
+        <p14:creationId xmlns:p14="http://schemas.microsoft.com/office/powerpoint/2010/main" val="2582390826"/>
       </p:ext>
     </p:extLst>
   </p:cSld>
@@ -21605,7 +21872,7 @@
           <a:p>
             <a:r>
               <a:rPr lang="en-US" dirty="0" smtClean="0"/>
-              <a:t>Not all of it is packaged up for you</a:t>
+              <a:t>Lots of ‘existing’ data</a:t>
             </a:r>
             <a:endParaRPr lang="en-US" dirty="0"/>
           </a:p>
@@ -21621,12 +21888,7 @@
             <p:ph idx="1"/>
           </p:nvPr>
         </p:nvSpPr>
-        <p:spPr>
-          <a:xfrm>
-            <a:off x="1128943" y="1558493"/>
-            <a:ext cx="7048804" cy="4379976"/>
-          </a:xfrm>
-        </p:spPr>
+        <p:spPr/>
         <p:txBody>
           <a:bodyPr/>
           <a:lstStyle/>
@@ -21635,137 +21897,42 @@
               <a:buNone/>
             </a:pPr>
             <a:r>
-              <a:rPr lang="en-US" dirty="0" smtClean="0"/>
-              <a:t>Web Scraping</a:t>
-            </a:r>
+              <a:rPr lang="en-US" dirty="0" smtClean="0">
+                <a:hlinkClick r:id="rId2"/>
+              </a:rPr>
+              <a:t>http</a:t>
+            </a:r>
+            <a:r>
+              <a:rPr lang="en-US" dirty="0">
+                <a:hlinkClick r:id="rId2"/>
+              </a:rPr>
+              <a:t>://</a:t>
+            </a:r>
+            <a:r>
+              <a:rPr lang="en-US" dirty="0" err="1">
+                <a:hlinkClick r:id="rId2"/>
+              </a:rPr>
+              <a:t>data.cmubi.org</a:t>
+            </a:r>
+            <a:r>
+              <a:rPr lang="en-US" dirty="0">
+                <a:hlinkClick r:id="rId2"/>
+              </a:rPr>
+              <a:t>/classroom-news/</a:t>
+            </a:r>
+            <a:r>
+              <a:rPr lang="en-US" dirty="0" err="1" smtClean="0">
+                <a:hlinkClick r:id="rId2"/>
+              </a:rPr>
+              <a:t>somegreatsourcesofdata</a:t>
+            </a:r>
+            <a:endParaRPr lang="en-US" dirty="0" smtClean="0"/>
           </a:p>
           <a:p>
             <a:pPr marL="0" indent="0">
               <a:buNone/>
             </a:pPr>
-            <a:r>
-              <a:rPr lang="en-US" dirty="0" smtClean="0"/>
-              <a:t>Web APIs</a:t>
-            </a:r>
-          </a:p>
-          <a:p>
-            <a:pPr lvl="1"/>
-            <a:r>
-              <a:rPr lang="en-US" dirty="0" smtClean="0"/>
-              <a:t>Programmatic interface to server side data </a:t>
-            </a:r>
-            <a:r>
-              <a:rPr lang="en-US" i="1" dirty="0" smtClean="0"/>
-              <a:t>and </a:t>
-            </a:r>
-            <a:r>
-              <a:rPr lang="en-US" dirty="0" smtClean="0"/>
-              <a:t>functionality</a:t>
-            </a:r>
-          </a:p>
-          <a:p>
-            <a:pPr lvl="1"/>
-            <a:r>
-              <a:rPr lang="en-US" dirty="0" smtClean="0"/>
-              <a:t>We like REST APIs best</a:t>
-            </a:r>
-          </a:p>
-          <a:p>
-            <a:pPr marL="0" indent="0">
-              <a:buNone/>
-            </a:pPr>
-            <a:r>
-              <a:rPr lang="en-US" dirty="0" smtClean="0"/>
-              <a:t>Lots of websites have them</a:t>
-            </a:r>
-          </a:p>
-          <a:p>
-            <a:pPr marL="228600" lvl="1" indent="0">
-              <a:buNone/>
-            </a:pPr>
-            <a:r>
-              <a:rPr lang="en-US" sz="2000" dirty="0"/>
-              <a:t>http://</a:t>
-            </a:r>
-            <a:r>
-              <a:rPr lang="en-US" sz="2000" dirty="0" err="1"/>
-              <a:t>en.wikipedia.org</a:t>
-            </a:r>
-            <a:r>
-              <a:rPr lang="en-US" sz="2000" dirty="0"/>
-              <a:t>/wiki/</a:t>
-            </a:r>
-            <a:r>
-              <a:rPr lang="en-US" sz="2000" dirty="0" err="1"/>
-              <a:t>List_of_open_APIs</a:t>
-            </a:r>
-            <a:endParaRPr lang="en-US" sz="2000" dirty="0" smtClean="0"/>
-          </a:p>
-          <a:p>
-            <a:pPr marL="228600" lvl="1" indent="0">
-              <a:buNone/>
-            </a:pPr>
-            <a:r>
-              <a:rPr lang="en-US" sz="2000" dirty="0"/>
-              <a:t>http://</a:t>
-            </a:r>
-            <a:r>
-              <a:rPr lang="en-US" sz="2000" dirty="0" err="1"/>
-              <a:t>www.programmableweb.com</a:t>
-            </a:r>
-            <a:r>
-              <a:rPr lang="en-US" sz="2000" dirty="0"/>
-              <a:t>/</a:t>
-            </a:r>
-            <a:r>
-              <a:rPr lang="en-US" sz="2000" dirty="0" err="1"/>
-              <a:t>apis</a:t>
-            </a:r>
-            <a:r>
-              <a:rPr lang="en-US" sz="2000" dirty="0"/>
-              <a:t>/directory </a:t>
-            </a:r>
-            <a:endParaRPr lang="en-US" sz="2000" dirty="0" smtClean="0"/>
-          </a:p>
-          <a:p>
-            <a:pPr marL="228600" lvl="1" indent="0">
-              <a:buNone/>
-            </a:pPr>
-            <a:r>
-              <a:rPr lang="en-US" sz="2000" dirty="0">
-                <a:hlinkClick r:id="rId3"/>
-              </a:rPr>
-              <a:t>http://www.webdesignerdepot.com/2011/07/40-useful-apis-for-web-designers-and-developers</a:t>
-            </a:r>
-            <a:r>
-              <a:rPr lang="en-US" sz="2000" dirty="0" smtClean="0">
-                <a:hlinkClick r:id="rId3"/>
-              </a:rPr>
-              <a:t>/</a:t>
-            </a:r>
-            <a:endParaRPr lang="en-US" sz="2000" dirty="0" smtClean="0"/>
-          </a:p>
-          <a:p>
-            <a:pPr marL="228600" lvl="1" indent="0">
-              <a:buNone/>
-            </a:pPr>
-            <a:r>
-              <a:rPr lang="en-US" sz="2000" dirty="0"/>
-              <a:t>https://</a:t>
-            </a:r>
-            <a:r>
-              <a:rPr lang="en-US" sz="2000" dirty="0" err="1"/>
-              <a:t>www.data.gov</a:t>
-            </a:r>
-            <a:r>
-              <a:rPr lang="en-US" sz="2000" dirty="0"/>
-              <a:t>/developers/</a:t>
-            </a:r>
-            <a:r>
-              <a:rPr lang="en-US" sz="2000" dirty="0" err="1"/>
-              <a:t>apis</a:t>
-            </a:r>
-            <a:endParaRPr lang="en-US" sz="2000" dirty="0" smtClean="0"/>
+            <a:endParaRPr lang="en-US" dirty="0" smtClean="0"/>
           </a:p>
         </p:txBody>
       </p:sp>
@@ -21786,7 +21953,7 @@
           <a:p>
             <a:fld id="{7053BEFA-1175-F644-B249-7D41D72BD3FF}" type="datetime1">
               <a:rPr lang="en-US" smtClean="0"/>
-              <a:t>2/2/15</a:t>
+              <a:t>2/14/15</a:t>
             </a:fld>
             <a:endParaRPr lang="en-US"/>
           </a:p>
@@ -21837,7 +22004,7 @@
     </p:spTree>
     <p:extLst>
       <p:ext uri="{BB962C8B-B14F-4D97-AF65-F5344CB8AC3E}">
-        <p14:creationId xmlns:p14="http://schemas.microsoft.com/office/powerpoint/2010/main" val="4180253354"/>
+        <p14:creationId xmlns:p14="http://schemas.microsoft.com/office/powerpoint/2010/main" val="1308606483"/>
       </p:ext>
     </p:extLst>
   </p:cSld>
@@ -21888,31 +22055,170 @@
           <a:p>
             <a:r>
               <a:rPr lang="en-US" dirty="0" smtClean="0"/>
-              <a:t>API GUIDE ALA XKCD </a:t>
+              <a:t>Not all of it is packaged up for you</a:t>
             </a:r>
             <a:endParaRPr lang="en-US" dirty="0"/>
           </a:p>
         </p:txBody>
       </p:sp>
-      <p:pic>
-        <p:nvPicPr>
-          <p:cNvPr id="7" name="Content Placeholder 6"/>
-          <p:cNvPicPr>
-            <a:picLocks noGrp="1" noChangeAspect="1"/>
-          </p:cNvPicPr>
+      <p:sp>
+        <p:nvSpPr>
+          <p:cNvPr id="3" name="Content Placeholder 2"/>
+          <p:cNvSpPr>
+            <a:spLocks noGrp="1"/>
+          </p:cNvSpPr>
           <p:nvPr>
             <p:ph idx="1"/>
           </p:nvPr>
-        </p:nvPicPr>
-        <p:blipFill>
-          <a:blip r:embed="rId2"/>
-          <a:srcRect l="-100328" r="-100328"/>
-          <a:stretch>
-            <a:fillRect/>
-          </a:stretch>
-        </p:blipFill>
-        <p:spPr/>
-      </p:pic>
+        </p:nvSpPr>
+        <p:spPr>
+          <a:xfrm>
+            <a:off x="1128943" y="1558493"/>
+            <a:ext cx="7048804" cy="4379976"/>
+          </a:xfrm>
+        </p:spPr>
+        <p:txBody>
+          <a:bodyPr/>
+          <a:lstStyle/>
+          <a:p>
+            <a:pPr marL="0" indent="0">
+              <a:buNone/>
+            </a:pPr>
+            <a:r>
+              <a:rPr lang="en-US" dirty="0" smtClean="0"/>
+              <a:t>Web Scraping</a:t>
+            </a:r>
+          </a:p>
+          <a:p>
+            <a:pPr marL="0" indent="0">
+              <a:buNone/>
+            </a:pPr>
+            <a:r>
+              <a:rPr lang="en-US" dirty="0" smtClean="0"/>
+              <a:t>Web APIs</a:t>
+            </a:r>
+          </a:p>
+          <a:p>
+            <a:pPr lvl="1"/>
+            <a:r>
+              <a:rPr lang="en-US" dirty="0" smtClean="0"/>
+              <a:t>Programmatic interface to server side data </a:t>
+            </a:r>
+            <a:r>
+              <a:rPr lang="en-US" i="1" dirty="0" smtClean="0"/>
+              <a:t>and </a:t>
+            </a:r>
+            <a:r>
+              <a:rPr lang="en-US" dirty="0" smtClean="0"/>
+              <a:t>functionality</a:t>
+            </a:r>
+          </a:p>
+          <a:p>
+            <a:pPr lvl="1"/>
+            <a:r>
+              <a:rPr lang="en-US" dirty="0" smtClean="0"/>
+              <a:t>We like REST APIs best</a:t>
+            </a:r>
+          </a:p>
+          <a:p>
+            <a:pPr marL="0" indent="0">
+              <a:buNone/>
+            </a:pPr>
+            <a:r>
+              <a:rPr lang="en-US" dirty="0" smtClean="0"/>
+              <a:t>Lots of websites have them</a:t>
+            </a:r>
+          </a:p>
+          <a:p>
+            <a:pPr marL="228600" lvl="1" indent="0">
+              <a:buNone/>
+            </a:pPr>
+            <a:r>
+              <a:rPr lang="en-US" sz="2000" dirty="0"/>
+              <a:t>http://</a:t>
+            </a:r>
+            <a:r>
+              <a:rPr lang="en-US" sz="2000" dirty="0" err="1"/>
+              <a:t>en.wikipedia.org</a:t>
+            </a:r>
+            <a:r>
+              <a:rPr lang="en-US" sz="2000" dirty="0"/>
+              <a:t>/wiki/</a:t>
+            </a:r>
+            <a:r>
+              <a:rPr lang="en-US" sz="2000" dirty="0" err="1"/>
+              <a:t>List_of_open_APIs</a:t>
+            </a:r>
+            <a:endParaRPr lang="en-US" sz="2000" dirty="0" smtClean="0"/>
+          </a:p>
+          <a:p>
+            <a:pPr marL="228600" lvl="1" indent="0">
+              <a:buNone/>
+            </a:pPr>
+            <a:r>
+              <a:rPr lang="en-US" sz="2000" dirty="0"/>
+              <a:t>http://</a:t>
+            </a:r>
+            <a:r>
+              <a:rPr lang="en-US" sz="2000" dirty="0" err="1"/>
+              <a:t>www.programmableweb.com</a:t>
+            </a:r>
+            <a:r>
+              <a:rPr lang="en-US" sz="2000" dirty="0"/>
+              <a:t>/</a:t>
+            </a:r>
+            <a:r>
+              <a:rPr lang="en-US" sz="2000" dirty="0" err="1"/>
+              <a:t>apis</a:t>
+            </a:r>
+            <a:r>
+              <a:rPr lang="en-US" sz="2000" dirty="0"/>
+              <a:t>/directory </a:t>
+            </a:r>
+            <a:endParaRPr lang="en-US" sz="2000" dirty="0" smtClean="0"/>
+          </a:p>
+          <a:p>
+            <a:pPr marL="228600" lvl="1" indent="0">
+              <a:buNone/>
+            </a:pPr>
+            <a:r>
+              <a:rPr lang="en-US" sz="2000" dirty="0">
+                <a:hlinkClick r:id="rId3"/>
+              </a:rPr>
+              <a:t>http://www.webdesignerdepot.com/2011/07/40-useful-apis-for-web-designers-and-developers</a:t>
+            </a:r>
+            <a:r>
+              <a:rPr lang="en-US" sz="2000" dirty="0" smtClean="0">
+                <a:hlinkClick r:id="rId3"/>
+              </a:rPr>
+              <a:t>/</a:t>
+            </a:r>
+            <a:endParaRPr lang="en-US" sz="2000" dirty="0" smtClean="0"/>
+          </a:p>
+          <a:p>
+            <a:pPr marL="228600" lvl="1" indent="0">
+              <a:buNone/>
+            </a:pPr>
+            <a:r>
+              <a:rPr lang="en-US" sz="2000" dirty="0"/>
+              <a:t>https://</a:t>
+            </a:r>
+            <a:r>
+              <a:rPr lang="en-US" sz="2000" dirty="0" err="1"/>
+              <a:t>www.data.gov</a:t>
+            </a:r>
+            <a:r>
+              <a:rPr lang="en-US" sz="2000" dirty="0"/>
+              <a:t>/developers/</a:t>
+            </a:r>
+            <a:r>
+              <a:rPr lang="en-US" sz="2000" dirty="0" err="1"/>
+              <a:t>apis</a:t>
+            </a:r>
+            <a:endParaRPr lang="en-US" sz="2000" dirty="0" smtClean="0"/>
+          </a:p>
+        </p:txBody>
+      </p:sp>
       <p:sp>
         <p:nvSpPr>
           <p:cNvPr id="4" name="Date Placeholder 3"/>
@@ -21930,7 +22236,7 @@
           <a:p>
             <a:fld id="{7053BEFA-1175-F644-B249-7D41D72BD3FF}" type="datetime1">
               <a:rPr lang="en-US" smtClean="0"/>
-              <a:t>2/2/15</a:t>
+              <a:t>2/14/15</a:t>
             </a:fld>
             <a:endParaRPr lang="en-US"/>
           </a:p>
@@ -21978,52 +22284,23 @@
           </a:p>
         </p:txBody>
       </p:sp>
-      <p:sp>
-        <p:nvSpPr>
-          <p:cNvPr id="8" name="Rectangle 7"/>
-          <p:cNvSpPr/>
-          <p:nvPr/>
-        </p:nvSpPr>
-        <p:spPr>
-          <a:xfrm>
-            <a:off x="954132" y="1300269"/>
-            <a:ext cx="2351926" cy="369332"/>
-          </a:xfrm>
-          <a:prstGeom prst="rect">
-            <a:avLst/>
-          </a:prstGeom>
-        </p:spPr>
-        <p:txBody>
-          <a:bodyPr wrap="none">
-            <a:spAutoFit/>
-          </a:bodyPr>
-          <a:lstStyle/>
-          <a:p>
-            <a:r>
-              <a:rPr lang="en-US" dirty="0"/>
-              <a:t>http://</a:t>
-            </a:r>
-            <a:r>
-              <a:rPr lang="en-US" dirty="0" err="1"/>
-              <a:t>xkcd.com</a:t>
-            </a:r>
-            <a:r>
-              <a:rPr lang="en-US" dirty="0"/>
-              <a:t>/1481/</a:t>
-            </a:r>
-          </a:p>
-        </p:txBody>
-      </p:sp>
     </p:spTree>
     <p:extLst>
       <p:ext uri="{BB962C8B-B14F-4D97-AF65-F5344CB8AC3E}">
-        <p14:creationId xmlns:p14="http://schemas.microsoft.com/office/powerpoint/2010/main" val="3310321716"/>
+        <p14:creationId xmlns:p14="http://schemas.microsoft.com/office/powerpoint/2010/main" val="4180253354"/>
       </p:ext>
     </p:extLst>
   </p:cSld>
   <p:clrMapOvr>
     <a:masterClrMapping/>
   </p:clrMapOvr>
+  <p:timing>
+    <p:tnLst>
+      <p:par>
+        <p:cTn xmlns:p14="http://schemas.microsoft.com/office/powerpoint/2010/main" id="1" dur="indefinite" restart="never" nodeType="tmRoot"/>
+      </p:par>
+    </p:tnLst>
+  </p:timing>
 </p:sld>
 </file>
 
@@ -22061,56 +22338,31 @@
           <a:p>
             <a:r>
               <a:rPr lang="en-US" dirty="0" smtClean="0"/>
-              <a:t>Using a Web API</a:t>
+              <a:t>API GUIDE ALA XKCD </a:t>
             </a:r>
             <a:endParaRPr lang="en-US" dirty="0"/>
           </a:p>
         </p:txBody>
       </p:sp>
-      <p:sp>
-        <p:nvSpPr>
-          <p:cNvPr id="3" name="Content Placeholder 2"/>
-          <p:cNvSpPr>
-            <a:spLocks noGrp="1"/>
-          </p:cNvSpPr>
+      <p:pic>
+        <p:nvPicPr>
+          <p:cNvPr id="7" name="Content Placeholder 6"/>
+          <p:cNvPicPr>
+            <a:picLocks noGrp="1" noChangeAspect="1"/>
+          </p:cNvPicPr>
           <p:nvPr>
             <p:ph idx="1"/>
           </p:nvPr>
-        </p:nvSpPr>
+        </p:nvPicPr>
+        <p:blipFill>
+          <a:blip r:embed="rId2"/>
+          <a:srcRect l="-100328" r="-100328"/>
+          <a:stretch>
+            <a:fillRect/>
+          </a:stretch>
+        </p:blipFill>
         <p:spPr/>
-        <p:txBody>
-          <a:bodyPr/>
-          <a:lstStyle/>
-          <a:p>
-            <a:pPr marL="0" indent="0">
-              <a:buNone/>
-            </a:pPr>
-            <a:r>
-              <a:rPr lang="en-US" dirty="0" smtClean="0"/>
-              <a:t>Have to start with the documentation</a:t>
-            </a:r>
-          </a:p>
-          <a:p>
-            <a:pPr marL="0" indent="0">
-              <a:buNone/>
-            </a:pPr>
-            <a:r>
-              <a:rPr lang="en-US" dirty="0" smtClean="0"/>
-              <a:t>Typical flow</a:t>
-            </a:r>
-          </a:p>
-          <a:p>
-            <a:pPr marL="0" indent="0">
-              <a:buNone/>
-            </a:pPr>
-            <a:endParaRPr lang="en-US" dirty="0" smtClean="0"/>
-          </a:p>
-          <a:p>
-            <a:pPr lvl="1"/>
-            <a:endParaRPr lang="en-US" dirty="0"/>
-          </a:p>
-        </p:txBody>
-      </p:sp>
+      </p:pic>
       <p:sp>
         <p:nvSpPr>
           <p:cNvPr id="4" name="Date Placeholder 3"/>
@@ -22128,7 +22380,7 @@
           <a:p>
             <a:fld id="{7053BEFA-1175-F644-B249-7D41D72BD3FF}" type="datetime1">
               <a:rPr lang="en-US" smtClean="0"/>
-              <a:t>2/2/15</a:t>
+              <a:t>2/14/15</a:t>
             </a:fld>
             <a:endParaRPr lang="en-US"/>
           </a:p>
@@ -22176,45 +22428,52 @@
           </a:p>
         </p:txBody>
       </p:sp>
-      <p:graphicFrame>
-        <p:nvGraphicFramePr>
-          <p:cNvPr id="8" name="Diagram 7"/>
-          <p:cNvGraphicFramePr/>
-          <p:nvPr>
-            <p:extLst>
-              <p:ext uri="{D42A27DB-BD31-4B8C-83A1-F6EECF244321}">
-                <p14:modId xmlns:p14="http://schemas.microsoft.com/office/powerpoint/2010/main" val="2246662869"/>
-              </p:ext>
-            </p:extLst>
-          </p:nvPr>
-        </p:nvGraphicFramePr>
-        <p:xfrm>
-          <a:off x="357902" y="1446525"/>
-          <a:ext cx="8312471" cy="5314401"/>
-        </p:xfrm>
-        <a:graphic>
-          <a:graphicData uri="http://schemas.openxmlformats.org/drawingml/2006/diagram">
-            <dgm:relIds xmlns:dgm="http://schemas.openxmlformats.org/drawingml/2006/diagram" xmlns:r="http://schemas.openxmlformats.org/officeDocument/2006/relationships" r:dm="rId2" r:lo="rId3" r:qs="rId4" r:cs="rId5"/>
-          </a:graphicData>
-        </a:graphic>
-      </p:graphicFrame>
+      <p:sp>
+        <p:nvSpPr>
+          <p:cNvPr id="8" name="Rectangle 7"/>
+          <p:cNvSpPr/>
+          <p:nvPr/>
+        </p:nvSpPr>
+        <p:spPr>
+          <a:xfrm>
+            <a:off x="954132" y="1300269"/>
+            <a:ext cx="2351926" cy="369332"/>
+          </a:xfrm>
+          <a:prstGeom prst="rect">
+            <a:avLst/>
+          </a:prstGeom>
+        </p:spPr>
+        <p:txBody>
+          <a:bodyPr wrap="none">
+            <a:spAutoFit/>
+          </a:bodyPr>
+          <a:lstStyle/>
+          <a:p>
+            <a:r>
+              <a:rPr lang="en-US" dirty="0"/>
+              <a:t>http://</a:t>
+            </a:r>
+            <a:r>
+              <a:rPr lang="en-US" dirty="0" err="1"/>
+              <a:t>xkcd.com</a:t>
+            </a:r>
+            <a:r>
+              <a:rPr lang="en-US" dirty="0"/>
+              <a:t>/1481/</a:t>
+            </a:r>
+          </a:p>
+        </p:txBody>
+      </p:sp>
     </p:spTree>
     <p:extLst>
       <p:ext uri="{BB962C8B-B14F-4D97-AF65-F5344CB8AC3E}">
-        <p14:creationId xmlns:p14="http://schemas.microsoft.com/office/powerpoint/2010/main" val="934133480"/>
+        <p14:creationId xmlns:p14="http://schemas.microsoft.com/office/powerpoint/2010/main" val="3310321716"/>
       </p:ext>
     </p:extLst>
   </p:cSld>
   <p:clrMapOvr>
     <a:masterClrMapping/>
   </p:clrMapOvr>
-  <p:timing>
-    <p:tnLst>
-      <p:par>
-        <p:cTn xmlns:p14="http://schemas.microsoft.com/office/powerpoint/2010/main" id="1" dur="indefinite" restart="never" nodeType="tmRoot"/>
-      </p:par>
-    </p:tnLst>
-  </p:timing>
 </p:sld>
 </file>
 
@@ -22252,7 +22511,7 @@
           <a:p>
             <a:r>
               <a:rPr lang="en-US" dirty="0" smtClean="0"/>
-              <a:t>Why should the server trust you?</a:t>
+              <a:t>Using a Web API</a:t>
             </a:r>
             <a:endParaRPr lang="en-US" dirty="0"/>
           </a:p>
@@ -22278,28 +22537,16 @@
             </a:pPr>
             <a:r>
               <a:rPr lang="en-US" dirty="0" smtClean="0"/>
-              <a:t>You have the user’s password (should you?)</a:t>
-            </a:r>
-          </a:p>
-          <a:p>
-            <a:pPr lvl="1"/>
-            <a:r>
-              <a:rPr lang="en-US" dirty="0"/>
-              <a:t>Would you store it? </a:t>
-            </a:r>
-          </a:p>
-          <a:p>
-            <a:pPr lvl="1"/>
-            <a:r>
-              <a:rPr lang="en-US" dirty="0"/>
-              <a:t>What else could you do with it? </a:t>
-            </a:r>
-          </a:p>
-          <a:p>
-            <a:pPr lvl="1"/>
-            <a:r>
-              <a:rPr lang="en-US" dirty="0"/>
-              <a:t>How do users revoke access?</a:t>
+              <a:t>Have to start with the documentation</a:t>
+            </a:r>
+          </a:p>
+          <a:p>
+            <a:pPr marL="0" indent="0">
+              <a:buNone/>
+            </a:pPr>
+            <a:r>
+              <a:rPr lang="en-US" dirty="0" smtClean="0"/>
+              <a:t>Typical flow</a:t>
             </a:r>
           </a:p>
           <a:p>
@@ -22309,9 +22556,7 @@
             <a:endParaRPr lang="en-US" dirty="0" smtClean="0"/>
           </a:p>
           <a:p>
-            <a:pPr marL="0" indent="0">
-              <a:buNone/>
-            </a:pPr>
+            <a:pPr lvl="1"/>
             <a:endParaRPr lang="en-US" dirty="0"/>
           </a:p>
         </p:txBody>
@@ -22333,7 +22578,7 @@
           <a:p>
             <a:fld id="{7053BEFA-1175-F644-B249-7D41D72BD3FF}" type="datetime1">
               <a:rPr lang="en-US" smtClean="0"/>
-              <a:t>2/2/15</a:t>
+              <a:t>2/14/15</a:t>
             </a:fld>
             <a:endParaRPr lang="en-US"/>
           </a:p>
@@ -22381,10 +22626,32 @@
           </a:p>
         </p:txBody>
       </p:sp>
+      <p:graphicFrame>
+        <p:nvGraphicFramePr>
+          <p:cNvPr id="8" name="Diagram 7"/>
+          <p:cNvGraphicFramePr/>
+          <p:nvPr>
+            <p:extLst>
+              <p:ext uri="{D42A27DB-BD31-4B8C-83A1-F6EECF244321}">
+                <p14:modId xmlns:p14="http://schemas.microsoft.com/office/powerpoint/2010/main" val="2246662869"/>
+              </p:ext>
+            </p:extLst>
+          </p:nvPr>
+        </p:nvGraphicFramePr>
+        <p:xfrm>
+          <a:off x="357902" y="1446525"/>
+          <a:ext cx="8312471" cy="5314401"/>
+        </p:xfrm>
+        <a:graphic>
+          <a:graphicData uri="http://schemas.openxmlformats.org/drawingml/2006/diagram">
+            <dgm:relIds xmlns:dgm="http://schemas.openxmlformats.org/drawingml/2006/diagram" xmlns:r="http://schemas.openxmlformats.org/officeDocument/2006/relationships" r:dm="rId2" r:lo="rId3" r:qs="rId4" r:cs="rId5"/>
+          </a:graphicData>
+        </a:graphic>
+      </p:graphicFrame>
     </p:spTree>
     <p:extLst>
       <p:ext uri="{BB962C8B-B14F-4D97-AF65-F5344CB8AC3E}">
-        <p14:creationId xmlns:p14="http://schemas.microsoft.com/office/powerpoint/2010/main" val="233559423"/>
+        <p14:creationId xmlns:p14="http://schemas.microsoft.com/office/powerpoint/2010/main" val="934133480"/>
       </p:ext>
     </p:extLst>
   </p:cSld>
@@ -22465,26 +22732,24 @@
             </a:r>
           </a:p>
           <a:p>
-            <a:pPr marL="0" indent="0">
-              <a:buNone/>
-            </a:pPr>
-            <a:r>
-              <a:rPr lang="en-US" dirty="0" smtClean="0"/>
-              <a:t>You have an API key</a:t>
-            </a:r>
-          </a:p>
-          <a:p>
             <a:pPr lvl="1"/>
             <a:r>
-              <a:rPr lang="en-US" dirty="0" smtClean="0"/>
-              <a:t>Reasonable for publicly available data</a:t>
+              <a:rPr lang="en-US" dirty="0"/>
+              <a:t>Would you store it? </a:t>
             </a:r>
           </a:p>
           <a:p>
             <a:pPr lvl="1"/>
             <a:r>
-              <a:rPr lang="en-US" dirty="0" smtClean="0"/>
-              <a:t>Lets the owner of the application track use; enforce rules &amp; revoke access</a:t>
+              <a:rPr lang="en-US" dirty="0"/>
+              <a:t>What else could you do with it? </a:t>
+            </a:r>
+          </a:p>
+          <a:p>
+            <a:pPr lvl="1"/>
+            <a:r>
+              <a:rPr lang="en-US" dirty="0"/>
+              <a:t>How do users revoke access?</a:t>
             </a:r>
           </a:p>
           <a:p>
@@ -22518,7 +22783,7 @@
           <a:p>
             <a:fld id="{7053BEFA-1175-F644-B249-7D41D72BD3FF}" type="datetime1">
               <a:rPr lang="en-US" smtClean="0"/>
-              <a:t>2/2/15</a:t>
+              <a:t>2/14/15</a:t>
             </a:fld>
             <a:endParaRPr lang="en-US"/>
           </a:p>
@@ -22569,7 +22834,7 @@
     </p:spTree>
     <p:extLst>
       <p:ext uri="{BB962C8B-B14F-4D97-AF65-F5344CB8AC3E}">
-        <p14:creationId xmlns:p14="http://schemas.microsoft.com/office/powerpoint/2010/main" val="2120911886"/>
+        <p14:creationId xmlns:p14="http://schemas.microsoft.com/office/powerpoint/2010/main" val="233559423"/>
       </p:ext>
     </p:extLst>
   </p:cSld>
@@ -22655,23 +22920,22 @@
             </a:pPr>
             <a:r>
               <a:rPr lang="en-US" dirty="0" smtClean="0"/>
-              <a:t>You have an API key (how do you get it?)</a:t>
-            </a:r>
-          </a:p>
-          <a:p>
-            <a:pPr marL="0" indent="0">
-              <a:buNone/>
-            </a:pPr>
+              <a:t>You have an API key</a:t>
+            </a:r>
+          </a:p>
+          <a:p>
+            <a:pPr lvl="1"/>
             <a:r>
               <a:rPr lang="en-US" dirty="0" smtClean="0"/>
-              <a:t>Once:</a:t>
-            </a:r>
-          </a:p>
-          <a:p>
-            <a:pPr marL="0" indent="0">
-              <a:buNone/>
-            </a:pPr>
-            <a:endParaRPr lang="en-US" dirty="0"/>
+              <a:t>Reasonable for publicly available data</a:t>
+            </a:r>
+          </a:p>
+          <a:p>
+            <a:pPr lvl="1"/>
+            <a:r>
+              <a:rPr lang="en-US" dirty="0" smtClean="0"/>
+              <a:t>Lets the owner of the application track use; enforce rules &amp; revoke access</a:t>
+            </a:r>
           </a:p>
           <a:p>
             <a:pPr marL="0" indent="0">
@@ -22683,10 +22947,6 @@
             <a:pPr marL="0" indent="0">
               <a:buNone/>
             </a:pPr>
-            <a:r>
-              <a:rPr lang="en-US" dirty="0" smtClean="0"/>
-              <a:t>Every URL: includes the key</a:t>
-            </a:r>
             <a:endParaRPr lang="en-US" dirty="0"/>
           </a:p>
         </p:txBody>
@@ -22708,7 +22968,7 @@
           <a:p>
             <a:fld id="{7053BEFA-1175-F644-B249-7D41D72BD3FF}" type="datetime1">
               <a:rPr lang="en-US" smtClean="0"/>
-              <a:t>2/2/15</a:t>
+              <a:t>2/14/15</a:t>
             </a:fld>
             <a:endParaRPr lang="en-US"/>
           </a:p>
@@ -22756,74 +23016,10 @@
           </a:p>
         </p:txBody>
       </p:sp>
-      <p:graphicFrame>
-        <p:nvGraphicFramePr>
-          <p:cNvPr id="7" name="Diagram 6"/>
-          <p:cNvGraphicFramePr/>
-          <p:nvPr>
-            <p:extLst>
-              <p:ext uri="{D42A27DB-BD31-4B8C-83A1-F6EECF244321}">
-                <p14:modId xmlns:p14="http://schemas.microsoft.com/office/powerpoint/2010/main" val="2377292457"/>
-              </p:ext>
-            </p:extLst>
-          </p:nvPr>
-        </p:nvGraphicFramePr>
-        <p:xfrm>
-          <a:off x="357902" y="2978464"/>
-          <a:ext cx="8312471" cy="5314401"/>
-        </p:xfrm>
-        <a:graphic>
-          <a:graphicData uri="http://schemas.openxmlformats.org/drawingml/2006/diagram">
-            <dgm:relIds xmlns:dgm="http://schemas.openxmlformats.org/drawingml/2006/diagram" xmlns:r="http://schemas.openxmlformats.org/officeDocument/2006/relationships" r:dm="rId3" r:lo="rId4" r:qs="rId5" r:cs="rId6"/>
-          </a:graphicData>
-        </a:graphic>
-      </p:graphicFrame>
-      <p:sp>
-        <p:nvSpPr>
-          <p:cNvPr id="8" name="Rounded Rectangle 7"/>
-          <p:cNvSpPr/>
-          <p:nvPr/>
-        </p:nvSpPr>
-        <p:spPr>
-          <a:xfrm>
-            <a:off x="2389902" y="2978464"/>
-            <a:ext cx="1521698" cy="1143000"/>
-          </a:xfrm>
-          <a:prstGeom prst="roundRect">
-            <a:avLst/>
-          </a:prstGeom>
-        </p:spPr>
-        <p:style>
-          <a:lnRef idx="3">
-            <a:schemeClr val="lt1"/>
-          </a:lnRef>
-          <a:fillRef idx="1">
-            <a:schemeClr val="accent1"/>
-          </a:fillRef>
-          <a:effectRef idx="1">
-            <a:schemeClr val="accent1"/>
-          </a:effectRef>
-          <a:fontRef idx="minor">
-            <a:schemeClr val="lt1"/>
-          </a:fontRef>
-        </p:style>
-        <p:txBody>
-          <a:bodyPr rtlCol="0" anchor="ctr"/>
-          <a:lstStyle/>
-          <a:p>
-            <a:pPr algn="ctr"/>
-            <a:r>
-              <a:rPr lang="en-US" dirty="0" smtClean="0"/>
-              <a:t>Manually Register for Key</a:t>
-            </a:r>
-            <a:endParaRPr lang="en-US" dirty="0"/>
-          </a:p>
-        </p:txBody>
-      </p:sp>
     </p:spTree>
     <p:extLst>
       <p:ext uri="{BB962C8B-B14F-4D97-AF65-F5344CB8AC3E}">
-        <p14:creationId xmlns:p14="http://schemas.microsoft.com/office/powerpoint/2010/main" val="3787495878"/>
+        <p14:creationId xmlns:p14="http://schemas.microsoft.com/office/powerpoint/2010/main" val="2120911886"/>
       </p:ext>
     </p:extLst>
   </p:cSld>

--- a/Lectures/4 Practical Access to Data.pptx
+++ b/Lectures/4 Practical Access to Data.pptx
@@ -5,10 +5,10 @@
     <p:sldMasterId id="2147483648" r:id="rId1"/>
   </p:sldMasterIdLst>
   <p:notesMasterIdLst>
-    <p:notesMasterId r:id="rId22"/>
+    <p:notesMasterId r:id="rId23"/>
   </p:notesMasterIdLst>
   <p:handoutMasterIdLst>
-    <p:handoutMasterId r:id="rId23"/>
+    <p:handoutMasterId r:id="rId24"/>
   </p:handoutMasterIdLst>
   <p:sldIdLst>
     <p:sldId id="256" r:id="rId2"/>
@@ -31,6 +31,7 @@
     <p:sldId id="512" r:id="rId19"/>
     <p:sldId id="513" r:id="rId20"/>
     <p:sldId id="514" r:id="rId21"/>
+    <p:sldId id="517" r:id="rId22"/>
   </p:sldIdLst>
   <p:sldSz cx="9144000" cy="6858000" type="screen4x3"/>
   <p:notesSz cx="6858000" cy="9144000"/>
@@ -8710,7 +8711,7 @@
           <a:p>
             <a:fld id="{D3AAB66F-B1B7-D045-B4E8-4F60236F228D}" type="datetimeFigureOut">
               <a:rPr lang="en-US" smtClean="0"/>
-              <a:t>2/14/15</a:t>
+              <a:t>4/21/15</a:t>
             </a:fld>
             <a:endParaRPr lang="en-US"/>
           </a:p>
@@ -8876,7 +8877,7 @@
           <a:p>
             <a:fld id="{BCCF8E76-06A6-164E-A6FA-EC32C13EB232}" type="datetimeFigureOut">
               <a:rPr lang="en-US" smtClean="0"/>
-              <a:t>2/14/15</a:t>
+              <a:t>4/21/15</a:t>
             </a:fld>
             <a:endParaRPr lang="en-US"/>
           </a:p>
@@ -10714,7 +10715,7 @@
             <a:fld id="{FA3C144B-2939-9A49-B014-915EC3E81866}" type="datetime1">
               <a:rPr lang="en-US" smtClean="0"/>
               <a:pPr/>
-              <a:t>2/14/15</a:t>
+              <a:t>4/21/15</a:t>
             </a:fld>
             <a:endParaRPr lang="en-US" dirty="0"/>
           </a:p>
@@ -11143,7 +11144,7 @@
           <a:p>
             <a:fld id="{76838339-A875-5E45-AB3F-AAABD270346A}" type="datetime1">
               <a:rPr lang="en-US" smtClean="0"/>
-              <a:t>2/14/15</a:t>
+              <a:t>4/21/15</a:t>
             </a:fld>
             <a:endParaRPr lang="en-US"/>
           </a:p>
@@ -11429,7 +11430,7 @@
             <a:fld id="{FA3C144B-2939-9A49-B014-915EC3E81866}" type="datetime1">
               <a:rPr lang="en-US" smtClean="0"/>
               <a:pPr/>
-              <a:t>2/14/15</a:t>
+              <a:t>4/21/15</a:t>
             </a:fld>
             <a:endParaRPr lang="en-US" dirty="0"/>
           </a:p>
@@ -11911,7 +11912,7 @@
           <a:p>
             <a:fld id="{A73F672F-A5FB-5745-934A-1BF51CA5539C}" type="datetime1">
               <a:rPr lang="en-US" smtClean="0"/>
-              <a:t>2/14/15</a:t>
+              <a:t>4/21/15</a:t>
             </a:fld>
             <a:endParaRPr lang="en-US"/>
           </a:p>
@@ -12253,7 +12254,7 @@
             <a:fld id="{FA3C144B-2939-9A49-B014-915EC3E81866}" type="datetime1">
               <a:rPr lang="en-US" smtClean="0"/>
               <a:pPr/>
-              <a:t>2/14/15</a:t>
+              <a:t>4/21/15</a:t>
             </a:fld>
             <a:endParaRPr lang="en-US" dirty="0"/>
           </a:p>
@@ -12717,7 +12718,7 @@
           <a:p>
             <a:fld id="{6AFE6A63-5EBE-3E48-B0AE-DF655A1ECE76}" type="datetime1">
               <a:rPr lang="en-US" smtClean="0"/>
-              <a:t>2/14/15</a:t>
+              <a:t>4/21/15</a:t>
             </a:fld>
             <a:endParaRPr lang="en-US"/>
           </a:p>
@@ -13036,7 +13037,7 @@
           <a:p>
             <a:fld id="{4A019F0C-9D18-B54A-9AC9-18AA74EDB034}" type="datetime1">
               <a:rPr lang="en-US" smtClean="0"/>
-              <a:t>2/14/15</a:t>
+              <a:t>4/21/15</a:t>
             </a:fld>
             <a:endParaRPr lang="en-US"/>
           </a:p>
@@ -13346,7 +13347,7 @@
             <a:fld id="{FA3C144B-2939-9A49-B014-915EC3E81866}" type="datetime1">
               <a:rPr lang="en-US" smtClean="0"/>
               <a:pPr/>
-              <a:t>2/14/15</a:t>
+              <a:t>4/21/15</a:t>
             </a:fld>
             <a:endParaRPr lang="en-US" dirty="0"/>
           </a:p>
@@ -13609,7 +13610,7 @@
           <a:p>
             <a:fld id="{FA3C144B-2939-9A49-B014-915EC3E81866}" type="datetime1">
               <a:rPr lang="en-US" smtClean="0"/>
-              <a:t>2/14/15</a:t>
+              <a:t>4/21/15</a:t>
             </a:fld>
             <a:endParaRPr lang="en-US" dirty="0"/>
           </a:p>
@@ -13977,7 +13978,7 @@
           <a:p>
             <a:fld id="{7053BEFA-1175-F644-B249-7D41D72BD3FF}" type="datetime1">
               <a:rPr lang="en-US" smtClean="0"/>
-              <a:t>2/14/15</a:t>
+              <a:t>4/21/15</a:t>
             </a:fld>
             <a:endParaRPr lang="en-US"/>
           </a:p>
@@ -14096,7 +14097,7 @@
             <a:fld id="{FA3C144B-2939-9A49-B014-915EC3E81866}" type="datetime1">
               <a:rPr lang="en-US" smtClean="0"/>
               <a:pPr/>
-              <a:t>2/14/15</a:t>
+              <a:t>4/21/15</a:t>
             </a:fld>
             <a:endParaRPr lang="en-US" dirty="0"/>
           </a:p>
@@ -14313,7 +14314,7 @@
             <a:fld id="{FA3C144B-2939-9A49-B014-915EC3E81866}" type="datetime1">
               <a:rPr lang="en-US" smtClean="0"/>
               <a:pPr/>
-              <a:t>2/14/15</a:t>
+              <a:t>4/21/15</a:t>
             </a:fld>
             <a:endParaRPr lang="en-US" dirty="0"/>
           </a:p>
@@ -14558,7 +14559,7 @@
             <a:fld id="{FA3C144B-2939-9A49-B014-915EC3E81866}" type="datetime1">
               <a:rPr lang="en-US" smtClean="0"/>
               <a:pPr/>
-              <a:t>2/14/15</a:t>
+              <a:t>4/21/15</a:t>
             </a:fld>
             <a:endParaRPr lang="en-US" dirty="0"/>
           </a:p>
@@ -14936,7 +14937,7 @@
           <a:p>
             <a:fld id="{111EEF3B-ABF2-AA4E-9E24-0C6256942674}" type="datetime1">
               <a:rPr lang="en-US" smtClean="0"/>
-              <a:t>2/14/15</a:t>
+              <a:t>4/21/15</a:t>
             </a:fld>
             <a:endParaRPr lang="en-US"/>
           </a:p>
@@ -15100,7 +15101,7 @@
             <a:fld id="{FA3C144B-2939-9A49-B014-915EC3E81866}" type="datetime1">
               <a:rPr lang="en-US" smtClean="0"/>
               <a:pPr/>
-              <a:t>2/14/15</a:t>
+              <a:t>4/21/15</a:t>
             </a:fld>
             <a:endParaRPr lang="en-US" dirty="0"/>
           </a:p>
@@ -15517,7 +15518,7 @@
             <a:fld id="{FA3C144B-2939-9A49-B014-915EC3E81866}" type="datetime1">
               <a:rPr lang="en-US" smtClean="0"/>
               <a:pPr/>
-              <a:t>2/14/15</a:t>
+              <a:t>4/21/15</a:t>
             </a:fld>
             <a:endParaRPr lang="en-US" dirty="0"/>
           </a:p>
@@ -15833,7 +15834,7 @@
             <a:fld id="{FA3C144B-2939-9A49-B014-915EC3E81866}" type="datetime1">
               <a:rPr lang="en-US" smtClean="0"/>
               <a:pPr/>
-              <a:t>2/14/15</a:t>
+              <a:t>4/21/15</a:t>
             </a:fld>
             <a:endParaRPr lang="en-US" dirty="0"/>
           </a:p>
@@ -16499,7 +16500,7 @@
             <a:fld id="{FA3C144B-2939-9A49-B014-915EC3E81866}" type="datetime1">
               <a:rPr lang="en-US" smtClean="0"/>
               <a:pPr/>
-              <a:t>2/14/15</a:t>
+              <a:t>4/21/15</a:t>
             </a:fld>
             <a:endParaRPr lang="en-US" dirty="0"/>
           </a:p>
@@ -17675,7 +17676,7 @@
           <a:p>
             <a:fld id="{7053BEFA-1175-F644-B249-7D41D72BD3FF}" type="datetime1">
               <a:rPr lang="en-US" smtClean="0"/>
-              <a:t>2/14/15</a:t>
+              <a:t>4/21/15</a:t>
             </a:fld>
             <a:endParaRPr lang="en-US"/>
           </a:p>
@@ -17981,7 +17982,7 @@
           <a:p>
             <a:fld id="{7053BEFA-1175-F644-B249-7D41D72BD3FF}" type="datetime1">
               <a:rPr lang="en-US" smtClean="0"/>
-              <a:t>2/14/15</a:t>
+              <a:t>4/21/15</a:t>
             </a:fld>
             <a:endParaRPr lang="en-US"/>
           </a:p>
@@ -18114,7 +18115,7 @@
           <a:p>
             <a:fld id="{7053BEFA-1175-F644-B249-7D41D72BD3FF}" type="datetime1">
               <a:rPr lang="en-US" smtClean="0"/>
-              <a:t>2/14/15</a:t>
+              <a:t>4/21/15</a:t>
             </a:fld>
             <a:endParaRPr lang="en-US"/>
           </a:p>
@@ -18559,7 +18560,7 @@
           <a:p>
             <a:fld id="{7053BEFA-1175-F644-B249-7D41D72BD3FF}" type="datetime1">
               <a:rPr lang="en-US" smtClean="0"/>
-              <a:t>2/14/15</a:t>
+              <a:t>4/21/15</a:t>
             </a:fld>
             <a:endParaRPr lang="en-US"/>
           </a:p>
@@ -18982,7 +18983,7 @@
           <a:p>
             <a:fld id="{7053BEFA-1175-F644-B249-7D41D72BD3FF}" type="datetime1">
               <a:rPr lang="en-US" smtClean="0"/>
-              <a:t>2/14/15</a:t>
+              <a:t>4/21/15</a:t>
             </a:fld>
             <a:endParaRPr lang="en-US"/>
           </a:p>
@@ -19454,7 +19455,7 @@
           <a:p>
             <a:fld id="{7053BEFA-1175-F644-B249-7D41D72BD3FF}" type="datetime1">
               <a:rPr lang="en-US" smtClean="0"/>
-              <a:t>2/14/15</a:t>
+              <a:t>4/21/15</a:t>
             </a:fld>
             <a:endParaRPr lang="en-US"/>
           </a:p>
@@ -19678,7 +19679,7 @@
           <a:p>
             <a:fld id="{7053BEFA-1175-F644-B249-7D41D72BD3FF}" type="datetime1">
               <a:rPr lang="en-US" smtClean="0"/>
-              <a:t>2/14/15</a:t>
+              <a:t>4/21/15</a:t>
             </a:fld>
             <a:endParaRPr lang="en-US"/>
           </a:p>
@@ -20138,7 +20139,7 @@
           <a:p>
             <a:fld id="{7053BEFA-1175-F644-B249-7D41D72BD3FF}" type="datetime1">
               <a:rPr lang="en-US" smtClean="0"/>
-              <a:t>2/14/15</a:t>
+              <a:t>4/21/15</a:t>
             </a:fld>
             <a:endParaRPr lang="en-US"/>
           </a:p>
@@ -20622,7 +20623,7 @@
           <a:p>
             <a:fld id="{7053BEFA-1175-F644-B249-7D41D72BD3FF}" type="datetime1">
               <a:rPr lang="en-US" smtClean="0"/>
-              <a:t>2/14/15</a:t>
+              <a:t>4/21/15</a:t>
             </a:fld>
             <a:endParaRPr lang="en-US"/>
           </a:p>
@@ -21158,7 +21159,7 @@
           <a:p>
             <a:fld id="{7053BEFA-1175-F644-B249-7D41D72BD3FF}" type="datetime1">
               <a:rPr lang="en-US" smtClean="0"/>
-              <a:t>2/14/15</a:t>
+              <a:t>4/21/15</a:t>
             </a:fld>
             <a:endParaRPr lang="en-US"/>
           </a:p>
@@ -21645,7 +21646,7 @@
           <a:p>
             <a:fld id="{7053BEFA-1175-F644-B249-7D41D72BD3FF}" type="datetime1">
               <a:rPr lang="en-US" smtClean="0"/>
-              <a:t>2/14/15</a:t>
+              <a:t>4/21/15</a:t>
             </a:fld>
             <a:endParaRPr lang="en-US"/>
           </a:p>
@@ -21713,6 +21714,190 @@
 </p:sld>
 </file>
 
+<file path=ppt/slides/slide21.xml><?xml version="1.0" encoding="utf-8"?>
+<p:sld xmlns:a="http://schemas.openxmlformats.org/drawingml/2006/main" xmlns:r="http://schemas.openxmlformats.org/officeDocument/2006/relationships" xmlns:p="http://schemas.openxmlformats.org/presentationml/2006/main">
+  <p:cSld>
+    <p:spTree>
+      <p:nvGrpSpPr>
+        <p:cNvPr id="1" name=""/>
+        <p:cNvGrpSpPr/>
+        <p:nvPr/>
+      </p:nvGrpSpPr>
+      <p:grpSpPr>
+        <a:xfrm>
+          <a:off x="0" y="0"/>
+          <a:ext cx="0" cy="0"/>
+          <a:chOff x="0" y="0"/>
+          <a:chExt cx="0" cy="0"/>
+        </a:xfrm>
+      </p:grpSpPr>
+      <p:sp>
+        <p:nvSpPr>
+          <p:cNvPr id="2" name="Title 1"/>
+          <p:cNvSpPr>
+            <a:spLocks noGrp="1"/>
+          </p:cNvSpPr>
+          <p:nvPr>
+            <p:ph type="title"/>
+          </p:nvPr>
+        </p:nvSpPr>
+        <p:spPr/>
+        <p:txBody>
+          <a:bodyPr/>
+          <a:lstStyle/>
+          <a:p>
+            <a:r>
+              <a:rPr lang="en-US" dirty="0" smtClean="0"/>
+              <a:t>Summary</a:t>
+            </a:r>
+            <a:endParaRPr lang="en-US" dirty="0"/>
+          </a:p>
+        </p:txBody>
+      </p:sp>
+      <p:sp>
+        <p:nvSpPr>
+          <p:cNvPr id="3" name="Content Placeholder 2"/>
+          <p:cNvSpPr>
+            <a:spLocks noGrp="1"/>
+          </p:cNvSpPr>
+          <p:nvPr>
+            <p:ph idx="1"/>
+          </p:nvPr>
+        </p:nvSpPr>
+        <p:spPr/>
+        <p:txBody>
+          <a:bodyPr/>
+          <a:lstStyle/>
+          <a:p>
+            <a:r>
+              <a:rPr lang="en-US" dirty="0" smtClean="0"/>
+              <a:t>Lots of existing data</a:t>
+            </a:r>
+          </a:p>
+          <a:p>
+            <a:r>
+              <a:rPr lang="en-US" dirty="0" smtClean="0"/>
+              <a:t>Data streams are a valuable source of data</a:t>
+            </a:r>
+          </a:p>
+          <a:p>
+            <a:r>
+              <a:rPr lang="en-US" dirty="0" smtClean="0"/>
+              <a:t>Need to address security issues</a:t>
+            </a:r>
+          </a:p>
+          <a:p>
+            <a:r>
+              <a:rPr lang="en-US" dirty="0" err="1" smtClean="0"/>
+              <a:t>OAuth</a:t>
+            </a:r>
+            <a:r>
+              <a:rPr lang="en-US" dirty="0" smtClean="0"/>
+              <a:t> (2.0) is the current standard</a:t>
+            </a:r>
+          </a:p>
+          <a:p>
+            <a:pPr lvl="1"/>
+            <a:r>
+              <a:rPr lang="en-US" dirty="0" smtClean="0"/>
+              <a:t>Gives the user / data source control over whether you have access &amp; for how long</a:t>
+            </a:r>
+          </a:p>
+          <a:p>
+            <a:pPr lvl="1"/>
+            <a:r>
+              <a:rPr lang="en-US" dirty="0" smtClean="0"/>
+              <a:t>Once you get permission you use a key to access the data</a:t>
+            </a:r>
+          </a:p>
+          <a:p>
+            <a:pPr lvl="1"/>
+            <a:endParaRPr lang="en-US" dirty="0" smtClean="0"/>
+          </a:p>
+          <a:p>
+            <a:pPr lvl="1"/>
+            <a:endParaRPr lang="en-US" dirty="0"/>
+          </a:p>
+        </p:txBody>
+      </p:sp>
+      <p:sp>
+        <p:nvSpPr>
+          <p:cNvPr id="4" name="Date Placeholder 3"/>
+          <p:cNvSpPr>
+            <a:spLocks noGrp="1"/>
+          </p:cNvSpPr>
+          <p:nvPr>
+            <p:ph type="dt" sz="half" idx="10"/>
+          </p:nvPr>
+        </p:nvSpPr>
+        <p:spPr/>
+        <p:txBody>
+          <a:bodyPr/>
+          <a:lstStyle/>
+          <a:p>
+            <a:fld id="{7053BEFA-1175-F644-B249-7D41D72BD3FF}" type="datetime1">
+              <a:rPr lang="en-US" smtClean="0"/>
+              <a:t>4/21/15</a:t>
+            </a:fld>
+            <a:endParaRPr lang="en-US"/>
+          </a:p>
+        </p:txBody>
+      </p:sp>
+      <p:sp>
+        <p:nvSpPr>
+          <p:cNvPr id="5" name="Footer Placeholder 4"/>
+          <p:cNvSpPr>
+            <a:spLocks noGrp="1"/>
+          </p:cNvSpPr>
+          <p:nvPr>
+            <p:ph type="ftr" sz="quarter" idx="11"/>
+          </p:nvPr>
+        </p:nvSpPr>
+        <p:spPr/>
+        <p:txBody>
+          <a:bodyPr/>
+          <a:lstStyle/>
+          <a:p>
+            <a:endParaRPr lang="en-US" dirty="0"/>
+          </a:p>
+        </p:txBody>
+      </p:sp>
+      <p:sp>
+        <p:nvSpPr>
+          <p:cNvPr id="6" name="Slide Number Placeholder 5"/>
+          <p:cNvSpPr>
+            <a:spLocks noGrp="1"/>
+          </p:cNvSpPr>
+          <p:nvPr>
+            <p:ph type="sldNum" sz="quarter" idx="12"/>
+          </p:nvPr>
+        </p:nvSpPr>
+        <p:spPr/>
+        <p:txBody>
+          <a:bodyPr/>
+          <a:lstStyle/>
+          <a:p>
+            <a:fld id="{17E276FA-8F89-B34D-A726-BE3FA1F8DD97}" type="slidenum">
+              <a:rPr lang="en-US" smtClean="0"/>
+              <a:t>21</a:t>
+            </a:fld>
+            <a:endParaRPr lang="en-US" dirty="0"/>
+          </a:p>
+        </p:txBody>
+      </p:sp>
+    </p:spTree>
+    <p:extLst>
+      <p:ext uri="{BB962C8B-B14F-4D97-AF65-F5344CB8AC3E}">
+        <p14:creationId xmlns:p14="http://schemas.microsoft.com/office/powerpoint/2010/main" val="3689193767"/>
+      </p:ext>
+    </p:extLst>
+  </p:cSld>
+  <p:clrMapOvr>
+    <a:masterClrMapping/>
+  </p:clrMapOvr>
+</p:sld>
+</file>
+
 <file path=ppt/slides/slide3.xml><?xml version="1.0" encoding="utf-8"?>
 <p:sld xmlns:a="http://schemas.openxmlformats.org/drawingml/2006/main" xmlns:r="http://schemas.openxmlformats.org/officeDocument/2006/relationships" xmlns:p="http://schemas.openxmlformats.org/presentationml/2006/main">
   <p:cSld>
@@ -21789,7 +21974,7 @@
           <a:p>
             <a:fld id="{111EEF3B-ABF2-AA4E-9E24-0C6256942674}" type="datetime1">
               <a:rPr lang="en-US" smtClean="0"/>
-              <a:t>2/14/15</a:t>
+              <a:t>4/21/15</a:t>
             </a:fld>
             <a:endParaRPr lang="en-US"/>
           </a:p>
@@ -21953,7 +22138,7 @@
           <a:p>
             <a:fld id="{7053BEFA-1175-F644-B249-7D41D72BD3FF}" type="datetime1">
               <a:rPr lang="en-US" smtClean="0"/>
-              <a:t>2/14/15</a:t>
+              <a:t>4/21/15</a:t>
             </a:fld>
             <a:endParaRPr lang="en-US"/>
           </a:p>
@@ -22236,7 +22421,7 @@
           <a:p>
             <a:fld id="{7053BEFA-1175-F644-B249-7D41D72BD3FF}" type="datetime1">
               <a:rPr lang="en-US" smtClean="0"/>
-              <a:t>2/14/15</a:t>
+              <a:t>4/21/15</a:t>
             </a:fld>
             <a:endParaRPr lang="en-US"/>
           </a:p>
@@ -22380,7 +22565,7 @@
           <a:p>
             <a:fld id="{7053BEFA-1175-F644-B249-7D41D72BD3FF}" type="datetime1">
               <a:rPr lang="en-US" smtClean="0"/>
-              <a:t>2/14/15</a:t>
+              <a:t>4/21/15</a:t>
             </a:fld>
             <a:endParaRPr lang="en-US"/>
           </a:p>
@@ -22578,7 +22763,7 @@
           <a:p>
             <a:fld id="{7053BEFA-1175-F644-B249-7D41D72BD3FF}" type="datetime1">
               <a:rPr lang="en-US" smtClean="0"/>
-              <a:t>2/14/15</a:t>
+              <a:t>4/21/15</a:t>
             </a:fld>
             <a:endParaRPr lang="en-US"/>
           </a:p>
@@ -22783,7 +22968,7 @@
           <a:p>
             <a:fld id="{7053BEFA-1175-F644-B249-7D41D72BD3FF}" type="datetime1">
               <a:rPr lang="en-US" smtClean="0"/>
-              <a:t>2/14/15</a:t>
+              <a:t>4/21/15</a:t>
             </a:fld>
             <a:endParaRPr lang="en-US"/>
           </a:p>
@@ -22968,7 +23153,7 @@
           <a:p>
             <a:fld id="{7053BEFA-1175-F644-B249-7D41D72BD3FF}" type="datetime1">
               <a:rPr lang="en-US" smtClean="0"/>
-              <a:t>2/14/15</a:t>
+              <a:t>4/21/15</a:t>
             </a:fld>
             <a:endParaRPr lang="en-US"/>
           </a:p>
